--- a/Doc/LBB ICSoft2017 Slides v0.pptx
+++ b/Doc/LBB ICSoft2017 Slides v0.pptx
@@ -2,7 +2,7 @@
 <file path=ppt/presentation.xml><?xml version="1.0" encoding="utf-8"?>
 <p:presentation xmlns:a="http://schemas.openxmlformats.org/drawingml/2006/main" xmlns:r="http://schemas.openxmlformats.org/officeDocument/2006/relationships" xmlns:p="http://schemas.openxmlformats.org/presentationml/2006/main" saveSubsetFonts="1" bookmarkIdSeed="2">
   <p:sldMasterIdLst>
-    <p:sldMasterId id="2147483648" r:id="rId1"/>
+    <p:sldMasterId id="2147483762" r:id="rId1"/>
   </p:sldMasterIdLst>
   <p:sldIdLst>
     <p:sldId id="256" r:id="rId2"/>
@@ -119,12 +119,29 @@
       </a:defRPr>
     </a:lvl9pPr>
   </p:defaultTextStyle>
+  <p:extLst>
+    <p:ext uri="{EFAFB233-063F-42B5-8137-9DF3F51BA10A}">
+      <p15:sldGuideLst xmlns:p15="http://schemas.microsoft.com/office/powerpoint/2012/main"/>
+    </p:ext>
+  </p:extLst>
 </p:presentation>
 </file>
 
+<file path=ppt/revisionInfo.xml><?xml version="1.0" encoding="utf-8"?>
+<p1510:revInfo xmlns:a="http://schemas.openxmlformats.org/drawingml/2006/main" xmlns:r="http://schemas.openxmlformats.org/officeDocument/2006/relationships" xmlns:p1510="http://schemas.microsoft.com/office/powerpoint/2015/10/main"/>
+</file>
+
 <file path=ppt/slideLayouts/slideLayout1.xml><?xml version="1.0" encoding="utf-8"?>
-<p:sldLayout xmlns:a="http://schemas.openxmlformats.org/drawingml/2006/main" xmlns:r="http://schemas.openxmlformats.org/officeDocument/2006/relationships" xmlns:p="http://schemas.openxmlformats.org/presentationml/2006/main" type="title" preserve="1">
+<p:sldLayout xmlns:a="http://schemas.openxmlformats.org/drawingml/2006/main" xmlns:r="http://schemas.openxmlformats.org/officeDocument/2006/relationships" xmlns:p="http://schemas.openxmlformats.org/presentationml/2006/main" showMasterSp="0" type="title" preserve="1">
   <p:cSld name="Title Slide">
+    <p:bg>
+      <p:bgPr>
+        <a:solidFill>
+          <a:schemeClr val="accent1"/>
+        </a:solidFill>
+        <a:effectLst/>
+      </p:bgPr>
+    </p:bg>
     <p:spTree>
       <p:nvGrpSpPr>
         <p:cNvPr id="1" name=""/>
@@ -151,23 +168,29 @@
         </p:nvSpPr>
         <p:spPr>
           <a:xfrm>
-            <a:off x="1524000" y="1122363"/>
-            <a:ext cx="9144000" cy="2387600"/>
-          </a:xfrm>
-        </p:spPr>
-        <p:txBody>
-          <a:bodyPr anchor="b"/>
+            <a:off x="1915128" y="1788454"/>
+            <a:ext cx="8361229" cy="2098226"/>
+          </a:xfrm>
+        </p:spPr>
+        <p:txBody>
+          <a:bodyPr anchor="b">
+            <a:noAutofit/>
+          </a:bodyPr>
           <a:lstStyle>
             <a:lvl1pPr algn="ctr">
-              <a:defRPr sz="6000"/>
+              <a:defRPr sz="7200" cap="all" baseline="0">
+                <a:solidFill>
+                  <a:schemeClr val="tx2"/>
+                </a:solidFill>
+              </a:defRPr>
             </a:lvl1pPr>
           </a:lstStyle>
           <a:p>
             <a:r>
-              <a:rPr lang="en-US" smtClean="0"/>
+              <a:rPr lang="en-US"/>
               <a:t>Click to edit Master title style</a:t>
             </a:r>
-            <a:endParaRPr lang="en-US"/>
+            <a:endParaRPr lang="en-US" dirty="0"/>
           </a:p>
         </p:txBody>
       </p:sp>
@@ -183,16 +206,31 @@
         </p:nvSpPr>
         <p:spPr>
           <a:xfrm>
-            <a:off x="1524000" y="3602038"/>
-            <a:ext cx="9144000" cy="1655762"/>
-          </a:xfrm>
-        </p:spPr>
-        <p:txBody>
-          <a:bodyPr/>
+            <a:off x="2679906" y="3956279"/>
+            <a:ext cx="6831673" cy="1086237"/>
+          </a:xfrm>
+        </p:spPr>
+        <p:txBody>
+          <a:bodyPr>
+            <a:normAutofit/>
+          </a:bodyPr>
           <a:lstStyle>
             <a:lvl1pPr marL="0" indent="0" algn="ctr">
+              <a:lnSpc>
+                <a:spcPct val="112000"/>
+              </a:lnSpc>
+              <a:spcBef>
+                <a:spcPts val="0"/>
+              </a:spcBef>
+              <a:spcAft>
+                <a:spcPts val="0"/>
+              </a:spcAft>
               <a:buNone/>
-              <a:defRPr sz="2400"/>
+              <a:defRPr sz="2300">
+                <a:solidFill>
+                  <a:schemeClr val="bg2"/>
+                </a:solidFill>
+              </a:defRPr>
             </a:lvl1pPr>
             <a:lvl2pPr marL="457200" indent="0" algn="ctr">
               <a:buNone/>
@@ -229,10 +267,10 @@
           </a:lstStyle>
           <a:p>
             <a:r>
-              <a:rPr lang="en-US" smtClean="0"/>
+              <a:rPr lang="en-US"/>
               <a:t>Click to edit Master subtitle style</a:t>
             </a:r>
-            <a:endParaRPr lang="en-US"/>
+            <a:endParaRPr lang="en-US" dirty="0"/>
           </a:p>
         </p:txBody>
       </p:sp>
@@ -246,14 +284,27 @@
             <p:ph type="dt" sz="half" idx="10"/>
           </p:nvPr>
         </p:nvSpPr>
-        <p:spPr/>
+        <p:spPr>
+          <a:xfrm>
+            <a:off x="752858" y="6453386"/>
+            <a:ext cx="1607944" cy="404614"/>
+          </a:xfrm>
+        </p:spPr>
         <p:txBody>
           <a:bodyPr/>
-          <a:lstStyle/>
+          <a:lstStyle>
+            <a:lvl1pPr>
+              <a:defRPr baseline="0">
+                <a:solidFill>
+                  <a:schemeClr val="tx2"/>
+                </a:solidFill>
+              </a:defRPr>
+            </a:lvl1pPr>
+          </a:lstStyle>
           <a:p>
             <a:fld id="{5FA259BE-1FB3-4BB7-B632-CC9FB476D9D4}" type="datetimeFigureOut">
               <a:rPr lang="en-US" smtClean="0"/>
-              <a:t>7/5/2017</a:t>
+              <a:t>7/13/2017</a:t>
             </a:fld>
             <a:endParaRPr lang="en-US"/>
           </a:p>
@@ -269,10 +320,23 @@
             <p:ph type="ftr" sz="quarter" idx="11"/>
           </p:nvPr>
         </p:nvSpPr>
-        <p:spPr/>
+        <p:spPr>
+          <a:xfrm>
+            <a:off x="2584054" y="6453386"/>
+            <a:ext cx="7023377" cy="404614"/>
+          </a:xfrm>
+        </p:spPr>
         <p:txBody>
           <a:bodyPr/>
-          <a:lstStyle/>
+          <a:lstStyle>
+            <a:lvl1pPr algn="ctr">
+              <a:defRPr baseline="0">
+                <a:solidFill>
+                  <a:schemeClr val="tx2"/>
+                </a:solidFill>
+              </a:defRPr>
+            </a:lvl1pPr>
+          </a:lstStyle>
           <a:p>
             <a:endParaRPr lang="en-US"/>
           </a:p>
@@ -288,10 +352,23 @@
             <p:ph type="sldNum" sz="quarter" idx="12"/>
           </p:nvPr>
         </p:nvSpPr>
-        <p:spPr/>
+        <p:spPr>
+          <a:xfrm>
+            <a:off x="9830683" y="6453386"/>
+            <a:ext cx="1596292" cy="404614"/>
+          </a:xfrm>
+        </p:spPr>
         <p:txBody>
           <a:bodyPr/>
-          <a:lstStyle/>
+          <a:lstStyle>
+            <a:lvl1pPr>
+              <a:defRPr baseline="0">
+                <a:solidFill>
+                  <a:schemeClr val="tx2"/>
+                </a:solidFill>
+              </a:defRPr>
+            </a:lvl1pPr>
+          </a:lstStyle>
           <a:p>
             <a:fld id="{773047B3-973B-4E5F-B711-E3E3FC4514AD}" type="slidenum">
               <a:rPr lang="en-US" smtClean="0"/>
@@ -301,10 +378,139 @@
           </a:p>
         </p:txBody>
       </p:sp>
+      <p:grpSp>
+        <p:nvGrpSpPr>
+          <p:cNvPr id="9" name="Group 8"/>
+          <p:cNvGrpSpPr/>
+          <p:nvPr/>
+        </p:nvGrpSpPr>
+        <p:grpSpPr>
+          <a:xfrm>
+            <a:off x="752858" y="744469"/>
+            <a:ext cx="10674117" cy="5349671"/>
+            <a:chOff x="752858" y="744469"/>
+            <a:chExt cx="10674117" cy="5349671"/>
+          </a:xfrm>
+        </p:grpSpPr>
+        <p:sp>
+          <p:nvSpPr>
+            <p:cNvPr id="11" name="Freeform 6"/>
+            <p:cNvSpPr/>
+            <p:nvPr/>
+          </p:nvSpPr>
+          <p:spPr bwMode="auto">
+            <a:xfrm>
+              <a:off x="8151962" y="1685652"/>
+              <a:ext cx="3275013" cy="4408488"/>
+            </a:xfrm>
+            <a:custGeom>
+              <a:avLst/>
+              <a:gdLst/>
+              <a:ahLst/>
+              <a:cxnLst/>
+              <a:rect l="l" t="t" r="r" b="b"/>
+              <a:pathLst>
+                <a:path w="10000" h="10000">
+                  <a:moveTo>
+                    <a:pt x="8761" y="0"/>
+                  </a:moveTo>
+                  <a:lnTo>
+                    <a:pt x="10000" y="0"/>
+                  </a:lnTo>
+                  <a:lnTo>
+                    <a:pt x="10000" y="10000"/>
+                  </a:lnTo>
+                  <a:lnTo>
+                    <a:pt x="0" y="10000"/>
+                  </a:lnTo>
+                  <a:lnTo>
+                    <a:pt x="0" y="9126"/>
+                  </a:lnTo>
+                  <a:lnTo>
+                    <a:pt x="8761" y="9127"/>
+                  </a:lnTo>
+                  <a:lnTo>
+                    <a:pt x="8761" y="0"/>
+                  </a:lnTo>
+                  <a:close/>
+                </a:path>
+              </a:pathLst>
+            </a:custGeom>
+            <a:solidFill>
+              <a:schemeClr val="tx2"/>
+            </a:solidFill>
+            <a:ln w="0">
+              <a:noFill/>
+              <a:prstDash val="solid"/>
+              <a:round/>
+              <a:headEnd/>
+              <a:tailEnd/>
+            </a:ln>
+          </p:spPr>
+        </p:sp>
+        <p:sp>
+          <p:nvSpPr>
+            <p:cNvPr id="14" name="Freeform 6"/>
+            <p:cNvSpPr/>
+            <p:nvPr/>
+          </p:nvSpPr>
+          <p:spPr bwMode="auto">
+            <a:xfrm flipH="1" flipV="1">
+              <a:off x="752858" y="744469"/>
+              <a:ext cx="3275668" cy="4408488"/>
+            </a:xfrm>
+            <a:custGeom>
+              <a:avLst/>
+              <a:gdLst/>
+              <a:ahLst/>
+              <a:cxnLst/>
+              <a:rect l="l" t="t" r="r" b="b"/>
+              <a:pathLst>
+                <a:path w="10002" h="10000">
+                  <a:moveTo>
+                    <a:pt x="8763" y="0"/>
+                  </a:moveTo>
+                  <a:lnTo>
+                    <a:pt x="10002" y="0"/>
+                  </a:lnTo>
+                  <a:lnTo>
+                    <a:pt x="10002" y="10000"/>
+                  </a:lnTo>
+                  <a:lnTo>
+                    <a:pt x="2" y="10000"/>
+                  </a:lnTo>
+                  <a:cubicBezTo>
+                    <a:pt x="-2" y="9698"/>
+                    <a:pt x="4" y="9427"/>
+                    <a:pt x="0" y="9125"/>
+                  </a:cubicBezTo>
+                  <a:lnTo>
+                    <a:pt x="8763" y="9128"/>
+                  </a:lnTo>
+                  <a:lnTo>
+                    <a:pt x="8763" y="0"/>
+                  </a:lnTo>
+                  <a:close/>
+                </a:path>
+              </a:pathLst>
+            </a:custGeom>
+            <a:solidFill>
+              <a:schemeClr val="tx2"/>
+            </a:solidFill>
+            <a:ln w="0">
+              <a:noFill/>
+              <a:prstDash val="solid"/>
+              <a:round/>
+              <a:headEnd/>
+              <a:tailEnd/>
+            </a:ln>
+          </p:spPr>
+        </p:sp>
+      </p:grpSp>
     </p:spTree>
     <p:extLst>
       <p:ext uri="{BB962C8B-B14F-4D97-AF65-F5344CB8AC3E}">
-        <p14:creationId xmlns:p14="http://schemas.microsoft.com/office/powerpoint/2010/main" val="2249199"/>
+        <p14:creationId xmlns:p14="http://schemas.microsoft.com/office/powerpoint/2010/main" val="1867229241"/>
       </p:ext>
     </p:extLst>
   </p:cSld>
@@ -347,10 +553,10 @@
           <a:lstStyle/>
           <a:p>
             <a:r>
-              <a:rPr lang="en-US" smtClean="0"/>
+              <a:rPr lang="en-US"/>
               <a:t>Click to edit Master title style</a:t>
             </a:r>
-            <a:endParaRPr lang="en-US"/>
+            <a:endParaRPr lang="en-US" dirty="0"/>
           </a:p>
         </p:txBody>
       </p:sp>
@@ -364,45 +570,50 @@
             <p:ph type="body" orient="vert" idx="1"/>
           </p:nvPr>
         </p:nvSpPr>
-        <p:spPr/>
+        <p:spPr>
+          <a:xfrm>
+            <a:off x="1371600" y="2295525"/>
+            <a:ext cx="9601200" cy="3571875"/>
+          </a:xfrm>
+        </p:spPr>
         <p:txBody>
           <a:bodyPr vert="eaVert"/>
           <a:lstStyle/>
           <a:p>
             <a:pPr lvl="0"/>
             <a:r>
-              <a:rPr lang="en-US" smtClean="0"/>
-              <a:t>Edit Master text styles</a:t>
+              <a:rPr lang="en-US"/>
+              <a:t>Click to edit Master text styles</a:t>
             </a:r>
           </a:p>
           <a:p>
             <a:pPr lvl="1"/>
             <a:r>
-              <a:rPr lang="en-US" smtClean="0"/>
+              <a:rPr lang="en-US"/>
               <a:t>Second level</a:t>
             </a:r>
           </a:p>
           <a:p>
             <a:pPr lvl="2"/>
             <a:r>
-              <a:rPr lang="en-US" smtClean="0"/>
+              <a:rPr lang="en-US"/>
               <a:t>Third level</a:t>
             </a:r>
           </a:p>
           <a:p>
             <a:pPr lvl="3"/>
             <a:r>
-              <a:rPr lang="en-US" smtClean="0"/>
+              <a:rPr lang="en-US"/>
               <a:t>Fourth level</a:t>
             </a:r>
           </a:p>
           <a:p>
             <a:pPr lvl="4"/>
             <a:r>
-              <a:rPr lang="en-US" smtClean="0"/>
+              <a:rPr lang="en-US"/>
               <a:t>Fifth level</a:t>
             </a:r>
-            <a:endParaRPr lang="en-US"/>
+            <a:endParaRPr lang="en-US" dirty="0"/>
           </a:p>
         </p:txBody>
       </p:sp>
@@ -423,7 +634,7 @@
           <a:p>
             <a:fld id="{5FA259BE-1FB3-4BB7-B632-CC9FB476D9D4}" type="datetimeFigureOut">
               <a:rPr lang="en-US" smtClean="0"/>
-              <a:t>7/5/2017</a:t>
+              <a:t>7/13/2017</a:t>
             </a:fld>
             <a:endParaRPr lang="en-US"/>
           </a:p>
@@ -474,7 +685,7 @@
     </p:spTree>
     <p:extLst>
       <p:ext uri="{BB962C8B-B14F-4D97-AF65-F5344CB8AC3E}">
-        <p14:creationId xmlns:p14="http://schemas.microsoft.com/office/powerpoint/2010/main" val="406030310"/>
+        <p14:creationId xmlns:p14="http://schemas.microsoft.com/office/powerpoint/2010/main" val="610583979"/>
       </p:ext>
     </p:extLst>
   </p:cSld>
@@ -513,8 +724,8 @@
         </p:nvSpPr>
         <p:spPr>
           <a:xfrm>
-            <a:off x="8724900" y="365125"/>
-            <a:ext cx="2628900" cy="5811838"/>
+            <a:off x="9596561" y="624156"/>
+            <a:ext cx="1565766" cy="5243244"/>
           </a:xfrm>
         </p:spPr>
         <p:txBody>
@@ -522,10 +733,10 @@
           <a:lstStyle/>
           <a:p>
             <a:r>
-              <a:rPr lang="en-US" smtClean="0"/>
+              <a:rPr lang="en-US"/>
               <a:t>Click to edit Master title style</a:t>
             </a:r>
-            <a:endParaRPr lang="en-US"/>
+            <a:endParaRPr lang="en-US" dirty="0"/>
           </a:p>
         </p:txBody>
       </p:sp>
@@ -541,8 +752,8 @@
         </p:nvSpPr>
         <p:spPr>
           <a:xfrm>
-            <a:off x="838200" y="365125"/>
-            <a:ext cx="7734300" cy="5811838"/>
+            <a:off x="1371600" y="624156"/>
+            <a:ext cx="8179641" cy="5243244"/>
           </a:xfrm>
         </p:spPr>
         <p:txBody>
@@ -551,38 +762,38 @@
           <a:p>
             <a:pPr lvl="0"/>
             <a:r>
-              <a:rPr lang="en-US" smtClean="0"/>
-              <a:t>Edit Master text styles</a:t>
+              <a:rPr lang="en-US"/>
+              <a:t>Click to edit Master text styles</a:t>
             </a:r>
           </a:p>
           <a:p>
             <a:pPr lvl="1"/>
             <a:r>
-              <a:rPr lang="en-US" smtClean="0"/>
+              <a:rPr lang="en-US"/>
               <a:t>Second level</a:t>
             </a:r>
           </a:p>
           <a:p>
             <a:pPr lvl="2"/>
             <a:r>
-              <a:rPr lang="en-US" smtClean="0"/>
+              <a:rPr lang="en-US"/>
               <a:t>Third level</a:t>
             </a:r>
           </a:p>
           <a:p>
             <a:pPr lvl="3"/>
             <a:r>
-              <a:rPr lang="en-US" smtClean="0"/>
+              <a:rPr lang="en-US"/>
               <a:t>Fourth level</a:t>
             </a:r>
           </a:p>
           <a:p>
             <a:pPr lvl="4"/>
             <a:r>
-              <a:rPr lang="en-US" smtClean="0"/>
+              <a:rPr lang="en-US"/>
               <a:t>Fifth level</a:t>
             </a:r>
-            <a:endParaRPr lang="en-US"/>
+            <a:endParaRPr lang="en-US" dirty="0"/>
           </a:p>
         </p:txBody>
       </p:sp>
@@ -603,7 +814,7 @@
           <a:p>
             <a:fld id="{5FA259BE-1FB3-4BB7-B632-CC9FB476D9D4}" type="datetimeFigureOut">
               <a:rPr lang="en-US" smtClean="0"/>
-              <a:t>7/5/2017</a:t>
+              <a:t>7/13/2017</a:t>
             </a:fld>
             <a:endParaRPr lang="en-US"/>
           </a:p>
@@ -654,7 +865,7 @@
     </p:spTree>
     <p:extLst>
       <p:ext uri="{BB962C8B-B14F-4D97-AF65-F5344CB8AC3E}">
-        <p14:creationId xmlns:p14="http://schemas.microsoft.com/office/powerpoint/2010/main" val="3388870143"/>
+        <p14:creationId xmlns:p14="http://schemas.microsoft.com/office/powerpoint/2010/main" val="1408069687"/>
       </p:ext>
     </p:extLst>
   </p:cSld>
@@ -697,10 +908,10 @@
           <a:lstStyle/>
           <a:p>
             <a:r>
-              <a:rPr lang="en-US" smtClean="0"/>
+              <a:rPr lang="en-US"/>
               <a:t>Click to edit Master title style</a:t>
             </a:r>
-            <a:endParaRPr lang="en-US"/>
+            <a:endParaRPr lang="en-US" dirty="0"/>
           </a:p>
         </p:txBody>
       </p:sp>
@@ -721,38 +932,38 @@
           <a:p>
             <a:pPr lvl="0"/>
             <a:r>
-              <a:rPr lang="en-US" smtClean="0"/>
-              <a:t>Edit Master text styles</a:t>
+              <a:rPr lang="en-US"/>
+              <a:t>Click to edit Master text styles</a:t>
             </a:r>
           </a:p>
           <a:p>
             <a:pPr lvl="1"/>
             <a:r>
-              <a:rPr lang="en-US" smtClean="0"/>
+              <a:rPr lang="en-US"/>
               <a:t>Second level</a:t>
             </a:r>
           </a:p>
           <a:p>
             <a:pPr lvl="2"/>
             <a:r>
-              <a:rPr lang="en-US" smtClean="0"/>
+              <a:rPr lang="en-US"/>
               <a:t>Third level</a:t>
             </a:r>
           </a:p>
           <a:p>
             <a:pPr lvl="3"/>
             <a:r>
-              <a:rPr lang="en-US" smtClean="0"/>
+              <a:rPr lang="en-US"/>
               <a:t>Fourth level</a:t>
             </a:r>
           </a:p>
           <a:p>
             <a:pPr lvl="4"/>
             <a:r>
-              <a:rPr lang="en-US" smtClean="0"/>
+              <a:rPr lang="en-US"/>
               <a:t>Fifth level</a:t>
             </a:r>
-            <a:endParaRPr lang="en-US"/>
+            <a:endParaRPr lang="en-US" dirty="0"/>
           </a:p>
         </p:txBody>
       </p:sp>
@@ -773,7 +984,7 @@
           <a:p>
             <a:fld id="{5FA259BE-1FB3-4BB7-B632-CC9FB476D9D4}" type="datetimeFigureOut">
               <a:rPr lang="en-US" smtClean="0"/>
-              <a:t>7/5/2017</a:t>
+              <a:t>7/13/2017</a:t>
             </a:fld>
             <a:endParaRPr lang="en-US"/>
           </a:p>
@@ -824,7 +1035,7 @@
     </p:spTree>
     <p:extLst>
       <p:ext uri="{BB962C8B-B14F-4D97-AF65-F5344CB8AC3E}">
-        <p14:creationId xmlns:p14="http://schemas.microsoft.com/office/powerpoint/2010/main" val="3721299130"/>
+        <p14:creationId xmlns:p14="http://schemas.microsoft.com/office/powerpoint/2010/main" val="1343319876"/>
       </p:ext>
     </p:extLst>
   </p:cSld>
@@ -835,8 +1046,13 @@
 </file>
 
 <file path=ppt/slideLayouts/slideLayout3.xml><?xml version="1.0" encoding="utf-8"?>
-<p:sldLayout xmlns:a="http://schemas.openxmlformats.org/drawingml/2006/main" xmlns:r="http://schemas.openxmlformats.org/officeDocument/2006/relationships" xmlns:p="http://schemas.openxmlformats.org/presentationml/2006/main" type="secHead" preserve="1">
+<p:sldLayout xmlns:a="http://schemas.openxmlformats.org/drawingml/2006/main" xmlns:r="http://schemas.openxmlformats.org/officeDocument/2006/relationships" xmlns:p="http://schemas.openxmlformats.org/presentationml/2006/main" showMasterSp="0" type="secHead" preserve="1">
   <p:cSld name="Section Header">
+    <p:bg>
+      <p:bgRef idx="1001">
+        <a:schemeClr val="bg2"/>
+      </p:bgRef>
+    </p:bg>
     <p:spTree>
       <p:nvGrpSpPr>
         <p:cNvPr id="1" name=""/>
@@ -863,23 +1079,29 @@
         </p:nvSpPr>
         <p:spPr>
           <a:xfrm>
-            <a:off x="831850" y="1709738"/>
-            <a:ext cx="10515600" cy="2852737"/>
-          </a:xfrm>
-        </p:spPr>
-        <p:txBody>
-          <a:bodyPr anchor="b"/>
+            <a:off x="765025" y="1301360"/>
+            <a:ext cx="9612971" cy="2852737"/>
+          </a:xfrm>
+        </p:spPr>
+        <p:txBody>
+          <a:bodyPr anchor="b">
+            <a:normAutofit/>
+          </a:bodyPr>
           <a:lstStyle>
-            <a:lvl1pPr>
-              <a:defRPr sz="6000"/>
+            <a:lvl1pPr algn="r">
+              <a:defRPr sz="7200" cap="all" baseline="0">
+                <a:solidFill>
+                  <a:schemeClr val="accent1"/>
+                </a:solidFill>
+              </a:defRPr>
             </a:lvl1pPr>
           </a:lstStyle>
           <a:p>
             <a:r>
-              <a:rPr lang="en-US" smtClean="0"/>
+              <a:rPr lang="en-US"/>
               <a:t>Click to edit Master title style</a:t>
             </a:r>
-            <a:endParaRPr lang="en-US"/>
+            <a:endParaRPr lang="en-US" dirty="0"/>
           </a:p>
         </p:txBody>
       </p:sp>
@@ -895,20 +1117,27 @@
         </p:nvSpPr>
         <p:spPr>
           <a:xfrm>
-            <a:off x="831850" y="4589463"/>
-            <a:ext cx="10515600" cy="1500187"/>
+            <a:off x="765025" y="4216328"/>
+            <a:ext cx="9612971" cy="1143324"/>
           </a:xfrm>
         </p:spPr>
         <p:txBody>
           <a:bodyPr/>
           <a:lstStyle>
-            <a:lvl1pPr marL="0" indent="0">
+            <a:lvl1pPr marL="0" indent="0" algn="r">
+              <a:lnSpc>
+                <a:spcPct val="112000"/>
+              </a:lnSpc>
+              <a:spcBef>
+                <a:spcPts val="0"/>
+              </a:spcBef>
+              <a:spcAft>
+                <a:spcPts val="0"/>
+              </a:spcAft>
               <a:buNone/>
               <a:defRPr sz="2400">
                 <a:solidFill>
-                  <a:schemeClr val="tx1">
-                    <a:tint val="75000"/>
-                  </a:schemeClr>
+                  <a:schemeClr val="tx2"/>
                 </a:solidFill>
               </a:defRPr>
             </a:lvl1pPr>
@@ -996,8 +1225,8 @@
           <a:p>
             <a:pPr lvl="0"/>
             <a:r>
-              <a:rPr lang="en-US" smtClean="0"/>
-              <a:t>Edit Master text styles</a:t>
+              <a:rPr lang="en-US"/>
+              <a:t>Click to edit Master text styles</a:t>
             </a:r>
           </a:p>
         </p:txBody>
@@ -1012,14 +1241,27 @@
             <p:ph type="dt" sz="half" idx="10"/>
           </p:nvPr>
         </p:nvSpPr>
-        <p:spPr/>
+        <p:spPr>
+          <a:xfrm>
+            <a:off x="738908" y="6453386"/>
+            <a:ext cx="1622409" cy="404614"/>
+          </a:xfrm>
+        </p:spPr>
         <p:txBody>
           <a:bodyPr/>
-          <a:lstStyle/>
+          <a:lstStyle>
+            <a:lvl1pPr>
+              <a:defRPr>
+                <a:solidFill>
+                  <a:schemeClr val="tx2"/>
+                </a:solidFill>
+              </a:defRPr>
+            </a:lvl1pPr>
+          </a:lstStyle>
           <a:p>
             <a:fld id="{5FA259BE-1FB3-4BB7-B632-CC9FB476D9D4}" type="datetimeFigureOut">
               <a:rPr lang="en-US" smtClean="0"/>
-              <a:t>7/5/2017</a:t>
+              <a:t>7/13/2017</a:t>
             </a:fld>
             <a:endParaRPr lang="en-US"/>
           </a:p>
@@ -1035,10 +1277,23 @@
             <p:ph type="ftr" sz="quarter" idx="11"/>
           </p:nvPr>
         </p:nvSpPr>
-        <p:spPr/>
+        <p:spPr>
+          <a:xfrm>
+            <a:off x="2584312" y="6453386"/>
+            <a:ext cx="7023377" cy="404614"/>
+          </a:xfrm>
+        </p:spPr>
         <p:txBody>
           <a:bodyPr/>
-          <a:lstStyle/>
+          <a:lstStyle>
+            <a:lvl1pPr algn="ctr">
+              <a:defRPr>
+                <a:solidFill>
+                  <a:schemeClr val="tx2"/>
+                </a:solidFill>
+              </a:defRPr>
+            </a:lvl1pPr>
+          </a:lstStyle>
           <a:p>
             <a:endParaRPr lang="en-US"/>
           </a:p>
@@ -1054,10 +1309,23 @@
             <p:ph type="sldNum" sz="quarter" idx="12"/>
           </p:nvPr>
         </p:nvSpPr>
-        <p:spPr/>
+        <p:spPr>
+          <a:xfrm>
+            <a:off x="9830683" y="6453386"/>
+            <a:ext cx="1596292" cy="404614"/>
+          </a:xfrm>
+        </p:spPr>
         <p:txBody>
           <a:bodyPr/>
-          <a:lstStyle/>
+          <a:lstStyle>
+            <a:lvl1pPr>
+              <a:defRPr>
+                <a:solidFill>
+                  <a:schemeClr val="tx2"/>
+                </a:solidFill>
+              </a:defRPr>
+            </a:lvl1pPr>
+          </a:lstStyle>
           <a:p>
             <a:fld id="{773047B3-973B-4E5F-B711-E3E3FC4514AD}" type="slidenum">
               <a:rPr lang="en-US" smtClean="0"/>
@@ -1067,15 +1335,71 @@
           </a:p>
         </p:txBody>
       </p:sp>
+      <p:sp>
+        <p:nvSpPr>
+          <p:cNvPr id="7" name="Freeform 6" title="Crop Mark"/>
+          <p:cNvSpPr/>
+          <p:nvPr/>
+        </p:nvSpPr>
+        <p:spPr bwMode="auto">
+          <a:xfrm>
+            <a:off x="8151962" y="1685652"/>
+            <a:ext cx="3275013" cy="4408488"/>
+          </a:xfrm>
+          <a:custGeom>
+            <a:avLst/>
+            <a:gdLst/>
+            <a:ahLst/>
+            <a:cxnLst/>
+            <a:rect l="0" t="0" r="r" b="b"/>
+            <a:pathLst>
+              <a:path w="4125" h="5554">
+                <a:moveTo>
+                  <a:pt x="3614" y="0"/>
+                </a:moveTo>
+                <a:lnTo>
+                  <a:pt x="4125" y="0"/>
+                </a:lnTo>
+                <a:lnTo>
+                  <a:pt x="4125" y="5554"/>
+                </a:lnTo>
+                <a:lnTo>
+                  <a:pt x="0" y="5554"/>
+                </a:lnTo>
+                <a:lnTo>
+                  <a:pt x="0" y="5074"/>
+                </a:lnTo>
+                <a:lnTo>
+                  <a:pt x="3614" y="5074"/>
+                </a:lnTo>
+                <a:lnTo>
+                  <a:pt x="3614" y="0"/>
+                </a:lnTo>
+                <a:close/>
+              </a:path>
+            </a:pathLst>
+          </a:custGeom>
+          <a:solidFill>
+            <a:schemeClr val="accent1"/>
+          </a:solidFill>
+          <a:ln w="0">
+            <a:noFill/>
+            <a:prstDash val="solid"/>
+            <a:round/>
+            <a:headEnd/>
+            <a:tailEnd/>
+          </a:ln>
+        </p:spPr>
+      </p:sp>
     </p:spTree>
     <p:extLst>
       <p:ext uri="{BB962C8B-B14F-4D97-AF65-F5344CB8AC3E}">
-        <p14:creationId xmlns:p14="http://schemas.microsoft.com/office/powerpoint/2010/main" val="4263221580"/>
+        <p14:creationId xmlns:p14="http://schemas.microsoft.com/office/powerpoint/2010/main" val="681575021"/>
       </p:ext>
     </p:extLst>
   </p:cSld>
   <p:clrMapOvr>
-    <a:masterClrMapping/>
+    <a:overrideClrMapping bg1="dk1" tx1="lt1" bg2="dk2" tx2="lt2" accent1="accent1" accent2="accent2" accent3="accent3" accent4="accent4" accent5="accent5" accent6="accent6" hlink="hlink" folHlink="folHlink"/>
   </p:clrMapOvr>
 </p:sldLayout>
 </file>
@@ -1110,13 +1434,21 @@
         <p:spPr/>
         <p:txBody>
           <a:bodyPr/>
-          <a:lstStyle/>
-          <a:p>
-            <a:r>
-              <a:rPr lang="en-US" smtClean="0"/>
+          <a:lstStyle>
+            <a:lvl1pPr>
+              <a:defRPr>
+                <a:solidFill>
+                  <a:schemeClr val="tx2"/>
+                </a:solidFill>
+              </a:defRPr>
+            </a:lvl1pPr>
+          </a:lstStyle>
+          <a:p>
+            <a:r>
+              <a:rPr lang="en-US"/>
               <a:t>Click to edit Master title style</a:t>
             </a:r>
-            <a:endParaRPr lang="en-US"/>
+            <a:endParaRPr lang="en-US" dirty="0"/>
           </a:p>
         </p:txBody>
       </p:sp>
@@ -1132,126 +1464,198 @@
         </p:nvSpPr>
         <p:spPr>
           <a:xfrm>
-            <a:off x="838200" y="1825625"/>
-            <a:ext cx="5181600" cy="4351338"/>
-          </a:xfrm>
-        </p:spPr>
+            <a:off x="1371600" y="2285999"/>
+            <a:ext cx="4447786" cy="3581401"/>
+          </a:xfrm>
+        </p:spPr>
+        <p:txBody>
+          <a:bodyPr/>
+          <a:lstStyle>
+            <a:lvl1pPr>
+              <a:defRPr baseline="0">
+                <a:solidFill>
+                  <a:schemeClr val="tx2"/>
+                </a:solidFill>
+              </a:defRPr>
+            </a:lvl1pPr>
+            <a:lvl2pPr>
+              <a:defRPr baseline="0">
+                <a:solidFill>
+                  <a:schemeClr val="tx2"/>
+                </a:solidFill>
+              </a:defRPr>
+            </a:lvl2pPr>
+            <a:lvl3pPr>
+              <a:defRPr baseline="0">
+                <a:solidFill>
+                  <a:schemeClr val="tx2"/>
+                </a:solidFill>
+              </a:defRPr>
+            </a:lvl3pPr>
+            <a:lvl4pPr>
+              <a:defRPr baseline="0">
+                <a:solidFill>
+                  <a:schemeClr val="tx2"/>
+                </a:solidFill>
+              </a:defRPr>
+            </a:lvl4pPr>
+            <a:lvl5pPr>
+              <a:defRPr baseline="0">
+                <a:solidFill>
+                  <a:schemeClr val="tx2"/>
+                </a:solidFill>
+              </a:defRPr>
+            </a:lvl5pPr>
+          </a:lstStyle>
+          <a:p>
+            <a:pPr lvl="0"/>
+            <a:r>
+              <a:rPr lang="en-US"/>
+              <a:t>Click to edit Master text styles</a:t>
+            </a:r>
+          </a:p>
+          <a:p>
+            <a:pPr lvl="1"/>
+            <a:r>
+              <a:rPr lang="en-US"/>
+              <a:t>Second level</a:t>
+            </a:r>
+          </a:p>
+          <a:p>
+            <a:pPr lvl="2"/>
+            <a:r>
+              <a:rPr lang="en-US"/>
+              <a:t>Third level</a:t>
+            </a:r>
+          </a:p>
+          <a:p>
+            <a:pPr lvl="3"/>
+            <a:r>
+              <a:rPr lang="en-US"/>
+              <a:t>Fourth level</a:t>
+            </a:r>
+          </a:p>
+          <a:p>
+            <a:pPr lvl="4"/>
+            <a:r>
+              <a:rPr lang="en-US"/>
+              <a:t>Fifth level</a:t>
+            </a:r>
+            <a:endParaRPr lang="en-US" dirty="0"/>
+          </a:p>
+        </p:txBody>
+      </p:sp>
+      <p:sp>
+        <p:nvSpPr>
+          <p:cNvPr id="4" name="Content Placeholder 3"/>
+          <p:cNvSpPr>
+            <a:spLocks noGrp="1"/>
+          </p:cNvSpPr>
+          <p:nvPr>
+            <p:ph sz="half" idx="2"/>
+          </p:nvPr>
+        </p:nvSpPr>
+        <p:spPr>
+          <a:xfrm>
+            <a:off x="6525403" y="2285999"/>
+            <a:ext cx="4447786" cy="3581401"/>
+          </a:xfrm>
+        </p:spPr>
+        <p:txBody>
+          <a:bodyPr/>
+          <a:lstStyle>
+            <a:lvl1pPr>
+              <a:defRPr>
+                <a:solidFill>
+                  <a:schemeClr val="tx2"/>
+                </a:solidFill>
+              </a:defRPr>
+            </a:lvl1pPr>
+            <a:lvl2pPr>
+              <a:defRPr>
+                <a:solidFill>
+                  <a:schemeClr val="tx2"/>
+                </a:solidFill>
+              </a:defRPr>
+            </a:lvl2pPr>
+            <a:lvl3pPr>
+              <a:defRPr>
+                <a:solidFill>
+                  <a:schemeClr val="tx2"/>
+                </a:solidFill>
+              </a:defRPr>
+            </a:lvl3pPr>
+            <a:lvl4pPr>
+              <a:defRPr>
+                <a:solidFill>
+                  <a:schemeClr val="tx2"/>
+                </a:solidFill>
+              </a:defRPr>
+            </a:lvl4pPr>
+            <a:lvl5pPr>
+              <a:defRPr>
+                <a:solidFill>
+                  <a:schemeClr val="tx2"/>
+                </a:solidFill>
+              </a:defRPr>
+            </a:lvl5pPr>
+          </a:lstStyle>
+          <a:p>
+            <a:pPr lvl="0"/>
+            <a:r>
+              <a:rPr lang="en-US"/>
+              <a:t>Click to edit Master text styles</a:t>
+            </a:r>
+          </a:p>
+          <a:p>
+            <a:pPr lvl="1"/>
+            <a:r>
+              <a:rPr lang="en-US"/>
+              <a:t>Second level</a:t>
+            </a:r>
+          </a:p>
+          <a:p>
+            <a:pPr lvl="2"/>
+            <a:r>
+              <a:rPr lang="en-US"/>
+              <a:t>Third level</a:t>
+            </a:r>
+          </a:p>
+          <a:p>
+            <a:pPr lvl="3"/>
+            <a:r>
+              <a:rPr lang="en-US"/>
+              <a:t>Fourth level</a:t>
+            </a:r>
+          </a:p>
+          <a:p>
+            <a:pPr lvl="4"/>
+            <a:r>
+              <a:rPr lang="en-US"/>
+              <a:t>Fifth level</a:t>
+            </a:r>
+            <a:endParaRPr lang="en-US" dirty="0"/>
+          </a:p>
+        </p:txBody>
+      </p:sp>
+      <p:sp>
+        <p:nvSpPr>
+          <p:cNvPr id="5" name="Date Placeholder 4"/>
+          <p:cNvSpPr>
+            <a:spLocks noGrp="1"/>
+          </p:cNvSpPr>
+          <p:nvPr>
+            <p:ph type="dt" sz="half" idx="10"/>
+          </p:nvPr>
+        </p:nvSpPr>
+        <p:spPr/>
         <p:txBody>
           <a:bodyPr/>
           <a:lstStyle/>
           <a:p>
-            <a:pPr lvl="0"/>
-            <a:r>
-              <a:rPr lang="en-US" smtClean="0"/>
-              <a:t>Edit Master text styles</a:t>
-            </a:r>
-          </a:p>
-          <a:p>
-            <a:pPr lvl="1"/>
-            <a:r>
-              <a:rPr lang="en-US" smtClean="0"/>
-              <a:t>Second level</a:t>
-            </a:r>
-          </a:p>
-          <a:p>
-            <a:pPr lvl="2"/>
-            <a:r>
-              <a:rPr lang="en-US" smtClean="0"/>
-              <a:t>Third level</a:t>
-            </a:r>
-          </a:p>
-          <a:p>
-            <a:pPr lvl="3"/>
-            <a:r>
-              <a:rPr lang="en-US" smtClean="0"/>
-              <a:t>Fourth level</a:t>
-            </a:r>
-          </a:p>
-          <a:p>
-            <a:pPr lvl="4"/>
-            <a:r>
-              <a:rPr lang="en-US" smtClean="0"/>
-              <a:t>Fifth level</a:t>
-            </a:r>
-            <a:endParaRPr lang="en-US"/>
-          </a:p>
-        </p:txBody>
-      </p:sp>
-      <p:sp>
-        <p:nvSpPr>
-          <p:cNvPr id="4" name="Content Placeholder 3"/>
-          <p:cNvSpPr>
-            <a:spLocks noGrp="1"/>
-          </p:cNvSpPr>
-          <p:nvPr>
-            <p:ph sz="half" idx="2"/>
-          </p:nvPr>
-        </p:nvSpPr>
-        <p:spPr>
-          <a:xfrm>
-            <a:off x="6172200" y="1825625"/>
-            <a:ext cx="5181600" cy="4351338"/>
-          </a:xfrm>
-        </p:spPr>
-        <p:txBody>
-          <a:bodyPr/>
-          <a:lstStyle/>
-          <a:p>
-            <a:pPr lvl="0"/>
-            <a:r>
-              <a:rPr lang="en-US" smtClean="0"/>
-              <a:t>Edit Master text styles</a:t>
-            </a:r>
-          </a:p>
-          <a:p>
-            <a:pPr lvl="1"/>
-            <a:r>
-              <a:rPr lang="en-US" smtClean="0"/>
-              <a:t>Second level</a:t>
-            </a:r>
-          </a:p>
-          <a:p>
-            <a:pPr lvl="2"/>
-            <a:r>
-              <a:rPr lang="en-US" smtClean="0"/>
-              <a:t>Third level</a:t>
-            </a:r>
-          </a:p>
-          <a:p>
-            <a:pPr lvl="3"/>
-            <a:r>
-              <a:rPr lang="en-US" smtClean="0"/>
-              <a:t>Fourth level</a:t>
-            </a:r>
-          </a:p>
-          <a:p>
-            <a:pPr lvl="4"/>
-            <a:r>
-              <a:rPr lang="en-US" smtClean="0"/>
-              <a:t>Fifth level</a:t>
-            </a:r>
-            <a:endParaRPr lang="en-US"/>
-          </a:p>
-        </p:txBody>
-      </p:sp>
-      <p:sp>
-        <p:nvSpPr>
-          <p:cNvPr id="5" name="Date Placeholder 4"/>
-          <p:cNvSpPr>
-            <a:spLocks noGrp="1"/>
-          </p:cNvSpPr>
-          <p:nvPr>
-            <p:ph type="dt" sz="half" idx="10"/>
-          </p:nvPr>
-        </p:nvSpPr>
-        <p:spPr/>
-        <p:txBody>
-          <a:bodyPr/>
-          <a:lstStyle/>
-          <a:p>
             <a:fld id="{5FA259BE-1FB3-4BB7-B632-CC9FB476D9D4}" type="datetimeFigureOut">
               <a:rPr lang="en-US" smtClean="0"/>
-              <a:t>7/5/2017</a:t>
+              <a:t>7/13/2017</a:t>
             </a:fld>
             <a:endParaRPr lang="en-US"/>
           </a:p>
@@ -1302,7 +1706,7 @@
     </p:spTree>
     <p:extLst>
       <p:ext uri="{BB962C8B-B14F-4D97-AF65-F5344CB8AC3E}">
-        <p14:creationId xmlns:p14="http://schemas.microsoft.com/office/powerpoint/2010/main" val="535782107"/>
+        <p14:creationId xmlns:p14="http://schemas.microsoft.com/office/powerpoint/2010/main" val="553604849"/>
       </p:ext>
     </p:extLst>
   </p:cSld>
@@ -1341,19 +1745,27 @@
         </p:nvSpPr>
         <p:spPr>
           <a:xfrm>
-            <a:off x="839788" y="365125"/>
-            <a:ext cx="10515600" cy="1325563"/>
+            <a:off x="1371600" y="685800"/>
+            <a:ext cx="9601200" cy="1485900"/>
           </a:xfrm>
         </p:spPr>
         <p:txBody>
           <a:bodyPr/>
-          <a:lstStyle/>
-          <a:p>
-            <a:r>
-              <a:rPr lang="en-US" smtClean="0"/>
+          <a:lstStyle>
+            <a:lvl1pPr>
+              <a:defRPr>
+                <a:solidFill>
+                  <a:schemeClr val="tx2"/>
+                </a:solidFill>
+              </a:defRPr>
+            </a:lvl1pPr>
+          </a:lstStyle>
+          <a:p>
+            <a:r>
+              <a:rPr lang="en-US"/>
               <a:t>Click to edit Master title style</a:t>
             </a:r>
-            <a:endParaRPr lang="en-US"/>
+            <a:endParaRPr lang="en-US" dirty="0"/>
           </a:p>
         </p:txBody>
       </p:sp>
@@ -1369,16 +1781,31 @@
         </p:nvSpPr>
         <p:spPr>
           <a:xfrm>
-            <a:off x="839788" y="1681163"/>
-            <a:ext cx="5157787" cy="823912"/>
-          </a:xfrm>
-        </p:spPr>
-        <p:txBody>
-          <a:bodyPr anchor="b"/>
+            <a:off x="1371600" y="2340864"/>
+            <a:ext cx="4443984" cy="823912"/>
+          </a:xfrm>
+        </p:spPr>
+        <p:txBody>
+          <a:bodyPr anchor="b">
+            <a:noAutofit/>
+          </a:bodyPr>
           <a:lstStyle>
             <a:lvl1pPr marL="0" indent="0">
+              <a:lnSpc>
+                <a:spcPct val="84000"/>
+              </a:lnSpc>
+              <a:spcBef>
+                <a:spcPts val="0"/>
+              </a:spcBef>
+              <a:spcAft>
+                <a:spcPts val="0"/>
+              </a:spcAft>
               <a:buNone/>
-              <a:defRPr sz="2400" b="1"/>
+              <a:defRPr sz="3000" b="0" baseline="0">
+                <a:solidFill>
+                  <a:schemeClr val="tx2"/>
+                </a:solidFill>
+              </a:defRPr>
             </a:lvl1pPr>
             <a:lvl2pPr marL="457200" indent="0">
               <a:buNone/>
@@ -1416,8 +1843,8 @@
           <a:p>
             <a:pPr lvl="0"/>
             <a:r>
-              <a:rPr lang="en-US" smtClean="0"/>
-              <a:t>Edit Master text styles</a:t>
+              <a:rPr lang="en-US"/>
+              <a:t>Click to edit Master text styles</a:t>
             </a:r>
           </a:p>
         </p:txBody>
@@ -1434,48 +1861,84 @@
         </p:nvSpPr>
         <p:spPr>
           <a:xfrm>
-            <a:off x="839788" y="2505075"/>
-            <a:ext cx="5157787" cy="3684588"/>
+            <a:off x="1371600" y="3305207"/>
+            <a:ext cx="4443984" cy="2562193"/>
           </a:xfrm>
         </p:spPr>
         <p:txBody>
           <a:bodyPr/>
-          <a:lstStyle/>
+          <a:lstStyle>
+            <a:lvl1pPr>
+              <a:defRPr baseline="0">
+                <a:solidFill>
+                  <a:schemeClr val="tx2"/>
+                </a:solidFill>
+              </a:defRPr>
+            </a:lvl1pPr>
+            <a:lvl2pPr>
+              <a:defRPr baseline="0">
+                <a:solidFill>
+                  <a:schemeClr val="tx2"/>
+                </a:solidFill>
+              </a:defRPr>
+            </a:lvl2pPr>
+            <a:lvl3pPr>
+              <a:defRPr baseline="0">
+                <a:solidFill>
+                  <a:schemeClr val="tx2"/>
+                </a:solidFill>
+              </a:defRPr>
+            </a:lvl3pPr>
+            <a:lvl4pPr>
+              <a:defRPr baseline="0">
+                <a:solidFill>
+                  <a:schemeClr val="tx2"/>
+                </a:solidFill>
+              </a:defRPr>
+            </a:lvl4pPr>
+            <a:lvl5pPr>
+              <a:defRPr baseline="0">
+                <a:solidFill>
+                  <a:schemeClr val="tx2"/>
+                </a:solidFill>
+              </a:defRPr>
+            </a:lvl5pPr>
+          </a:lstStyle>
           <a:p>
             <a:pPr lvl="0"/>
             <a:r>
-              <a:rPr lang="en-US" smtClean="0"/>
-              <a:t>Edit Master text styles</a:t>
+              <a:rPr lang="en-US"/>
+              <a:t>Click to edit Master text styles</a:t>
             </a:r>
           </a:p>
           <a:p>
             <a:pPr lvl="1"/>
             <a:r>
-              <a:rPr lang="en-US" smtClean="0"/>
+              <a:rPr lang="en-US"/>
               <a:t>Second level</a:t>
             </a:r>
           </a:p>
           <a:p>
             <a:pPr lvl="2"/>
             <a:r>
-              <a:rPr lang="en-US" smtClean="0"/>
+              <a:rPr lang="en-US"/>
               <a:t>Third level</a:t>
             </a:r>
           </a:p>
           <a:p>
             <a:pPr lvl="3"/>
             <a:r>
-              <a:rPr lang="en-US" smtClean="0"/>
+              <a:rPr lang="en-US"/>
               <a:t>Fourth level</a:t>
             </a:r>
           </a:p>
           <a:p>
             <a:pPr lvl="4"/>
             <a:r>
-              <a:rPr lang="en-US" smtClean="0"/>
+              <a:rPr lang="en-US"/>
               <a:t>Fifth level</a:t>
             </a:r>
-            <a:endParaRPr lang="en-US"/>
+            <a:endParaRPr lang="en-US" dirty="0"/>
           </a:p>
         </p:txBody>
       </p:sp>
@@ -1491,16 +1954,31 @@
         </p:nvSpPr>
         <p:spPr>
           <a:xfrm>
-            <a:off x="6172200" y="1681163"/>
-            <a:ext cx="5183188" cy="823912"/>
-          </a:xfrm>
-        </p:spPr>
-        <p:txBody>
-          <a:bodyPr anchor="b"/>
+            <a:off x="6525014" y="2340864"/>
+            <a:ext cx="4443984" cy="823912"/>
+          </a:xfrm>
+        </p:spPr>
+        <p:txBody>
+          <a:bodyPr anchor="b">
+            <a:noAutofit/>
+          </a:bodyPr>
           <a:lstStyle>
             <a:lvl1pPr marL="0" indent="0">
+              <a:lnSpc>
+                <a:spcPct val="84000"/>
+              </a:lnSpc>
+              <a:spcBef>
+                <a:spcPts val="0"/>
+              </a:spcBef>
+              <a:spcAft>
+                <a:spcPts val="0"/>
+              </a:spcAft>
               <a:buNone/>
-              <a:defRPr sz="2400" b="1"/>
+              <a:defRPr sz="3000" b="0" baseline="0">
+                <a:solidFill>
+                  <a:schemeClr val="tx2"/>
+                </a:solidFill>
+              </a:defRPr>
             </a:lvl1pPr>
             <a:lvl2pPr marL="457200" indent="0">
               <a:buNone/>
@@ -1538,8 +2016,8 @@
           <a:p>
             <a:pPr lvl="0"/>
             <a:r>
-              <a:rPr lang="en-US" smtClean="0"/>
-              <a:t>Edit Master text styles</a:t>
+              <a:rPr lang="en-US"/>
+              <a:t>Click to edit Master text styles</a:t>
             </a:r>
           </a:p>
         </p:txBody>
@@ -1556,69 +2034,105 @@
         </p:nvSpPr>
         <p:spPr>
           <a:xfrm>
-            <a:off x="6172200" y="2505075"/>
-            <a:ext cx="5183188" cy="3684588"/>
-          </a:xfrm>
-        </p:spPr>
+            <a:off x="6525014" y="3305207"/>
+            <a:ext cx="4443984" cy="2562193"/>
+          </a:xfrm>
+        </p:spPr>
+        <p:txBody>
+          <a:bodyPr/>
+          <a:lstStyle>
+            <a:lvl1pPr>
+              <a:defRPr baseline="0">
+                <a:solidFill>
+                  <a:schemeClr val="tx2"/>
+                </a:solidFill>
+              </a:defRPr>
+            </a:lvl1pPr>
+            <a:lvl2pPr>
+              <a:defRPr baseline="0">
+                <a:solidFill>
+                  <a:schemeClr val="tx2"/>
+                </a:solidFill>
+              </a:defRPr>
+            </a:lvl2pPr>
+            <a:lvl3pPr>
+              <a:defRPr baseline="0">
+                <a:solidFill>
+                  <a:schemeClr val="tx2"/>
+                </a:solidFill>
+              </a:defRPr>
+            </a:lvl3pPr>
+            <a:lvl4pPr>
+              <a:defRPr baseline="0">
+                <a:solidFill>
+                  <a:schemeClr val="tx2"/>
+                </a:solidFill>
+              </a:defRPr>
+            </a:lvl4pPr>
+            <a:lvl5pPr>
+              <a:defRPr baseline="0">
+                <a:solidFill>
+                  <a:schemeClr val="tx2"/>
+                </a:solidFill>
+              </a:defRPr>
+            </a:lvl5pPr>
+          </a:lstStyle>
+          <a:p>
+            <a:pPr lvl="0"/>
+            <a:r>
+              <a:rPr lang="en-US"/>
+              <a:t>Click to edit Master text styles</a:t>
+            </a:r>
+          </a:p>
+          <a:p>
+            <a:pPr lvl="1"/>
+            <a:r>
+              <a:rPr lang="en-US"/>
+              <a:t>Second level</a:t>
+            </a:r>
+          </a:p>
+          <a:p>
+            <a:pPr lvl="2"/>
+            <a:r>
+              <a:rPr lang="en-US"/>
+              <a:t>Third level</a:t>
+            </a:r>
+          </a:p>
+          <a:p>
+            <a:pPr lvl="3"/>
+            <a:r>
+              <a:rPr lang="en-US"/>
+              <a:t>Fourth level</a:t>
+            </a:r>
+          </a:p>
+          <a:p>
+            <a:pPr lvl="4"/>
+            <a:r>
+              <a:rPr lang="en-US"/>
+              <a:t>Fifth level</a:t>
+            </a:r>
+            <a:endParaRPr lang="en-US" dirty="0"/>
+          </a:p>
+        </p:txBody>
+      </p:sp>
+      <p:sp>
+        <p:nvSpPr>
+          <p:cNvPr id="7" name="Date Placeholder 6"/>
+          <p:cNvSpPr>
+            <a:spLocks noGrp="1"/>
+          </p:cNvSpPr>
+          <p:nvPr>
+            <p:ph type="dt" sz="half" idx="10"/>
+          </p:nvPr>
+        </p:nvSpPr>
+        <p:spPr/>
         <p:txBody>
           <a:bodyPr/>
           <a:lstStyle/>
           <a:p>
-            <a:pPr lvl="0"/>
-            <a:r>
-              <a:rPr lang="en-US" smtClean="0"/>
-              <a:t>Edit Master text styles</a:t>
-            </a:r>
-          </a:p>
-          <a:p>
-            <a:pPr lvl="1"/>
-            <a:r>
-              <a:rPr lang="en-US" smtClean="0"/>
-              <a:t>Second level</a:t>
-            </a:r>
-          </a:p>
-          <a:p>
-            <a:pPr lvl="2"/>
-            <a:r>
-              <a:rPr lang="en-US" smtClean="0"/>
-              <a:t>Third level</a:t>
-            </a:r>
-          </a:p>
-          <a:p>
-            <a:pPr lvl="3"/>
-            <a:r>
-              <a:rPr lang="en-US" smtClean="0"/>
-              <a:t>Fourth level</a:t>
-            </a:r>
-          </a:p>
-          <a:p>
-            <a:pPr lvl="4"/>
-            <a:r>
-              <a:rPr lang="en-US" smtClean="0"/>
-              <a:t>Fifth level</a:t>
-            </a:r>
-            <a:endParaRPr lang="en-US"/>
-          </a:p>
-        </p:txBody>
-      </p:sp>
-      <p:sp>
-        <p:nvSpPr>
-          <p:cNvPr id="7" name="Date Placeholder 6"/>
-          <p:cNvSpPr>
-            <a:spLocks noGrp="1"/>
-          </p:cNvSpPr>
-          <p:nvPr>
-            <p:ph type="dt" sz="half" idx="10"/>
-          </p:nvPr>
-        </p:nvSpPr>
-        <p:spPr/>
-        <p:txBody>
-          <a:bodyPr/>
-          <a:lstStyle/>
-          <a:p>
             <a:fld id="{5FA259BE-1FB3-4BB7-B632-CC9FB476D9D4}" type="datetimeFigureOut">
               <a:rPr lang="en-US" smtClean="0"/>
-              <a:t>7/5/2017</a:t>
+              <a:t>7/13/2017</a:t>
             </a:fld>
             <a:endParaRPr lang="en-US"/>
           </a:p>
@@ -1669,7 +2183,7 @@
     </p:spTree>
     <p:extLst>
       <p:ext uri="{BB962C8B-B14F-4D97-AF65-F5344CB8AC3E}">
-        <p14:creationId xmlns:p14="http://schemas.microsoft.com/office/powerpoint/2010/main" val="2596585972"/>
+        <p14:creationId xmlns:p14="http://schemas.microsoft.com/office/powerpoint/2010/main" val="1537538339"/>
       </p:ext>
     </p:extLst>
   </p:cSld>
@@ -1712,10 +2226,10 @@
           <a:lstStyle/>
           <a:p>
             <a:r>
-              <a:rPr lang="en-US" smtClean="0"/>
+              <a:rPr lang="en-US"/>
               <a:t>Click to edit Master title style</a:t>
             </a:r>
-            <a:endParaRPr lang="en-US"/>
+            <a:endParaRPr lang="en-US" dirty="0"/>
           </a:p>
         </p:txBody>
       </p:sp>
@@ -1736,7 +2250,7 @@
           <a:p>
             <a:fld id="{5FA259BE-1FB3-4BB7-B632-CC9FB476D9D4}" type="datetimeFigureOut">
               <a:rPr lang="en-US" smtClean="0"/>
-              <a:t>7/5/2017</a:t>
+              <a:t>7/13/2017</a:t>
             </a:fld>
             <a:endParaRPr lang="en-US"/>
           </a:p>
@@ -1787,7 +2301,7 @@
     </p:spTree>
     <p:extLst>
       <p:ext uri="{BB962C8B-B14F-4D97-AF65-F5344CB8AC3E}">
-        <p14:creationId xmlns:p14="http://schemas.microsoft.com/office/powerpoint/2010/main" val="4283064518"/>
+        <p14:creationId xmlns:p14="http://schemas.microsoft.com/office/powerpoint/2010/main" val="736139222"/>
       </p:ext>
     </p:extLst>
   </p:cSld>
@@ -1831,7 +2345,7 @@
           <a:p>
             <a:fld id="{5FA259BE-1FB3-4BB7-B632-CC9FB476D9D4}" type="datetimeFigureOut">
               <a:rPr lang="en-US" smtClean="0"/>
-              <a:t>7/5/2017</a:t>
+              <a:t>7/13/2017</a:t>
             </a:fld>
             <a:endParaRPr lang="en-US"/>
           </a:p>
@@ -1882,7 +2396,7 @@
     </p:spTree>
     <p:extLst>
       <p:ext uri="{BB962C8B-B14F-4D97-AF65-F5344CB8AC3E}">
-        <p14:creationId xmlns:p14="http://schemas.microsoft.com/office/powerpoint/2010/main" val="386786254"/>
+        <p14:creationId xmlns:p14="http://schemas.microsoft.com/office/powerpoint/2010/main" val="638613787"/>
       </p:ext>
     </p:extLst>
   </p:cSld>
@@ -1893,7 +2407,7 @@
 </file>
 
 <file path=ppt/slideLayouts/slideLayout8.xml><?xml version="1.0" encoding="utf-8"?>
-<p:sldLayout xmlns:a="http://schemas.openxmlformats.org/drawingml/2006/main" xmlns:r="http://schemas.openxmlformats.org/officeDocument/2006/relationships" xmlns:p="http://schemas.openxmlformats.org/presentationml/2006/main" type="objTx" preserve="1">
+<p:sldLayout xmlns:a="http://schemas.openxmlformats.org/drawingml/2006/main" xmlns:r="http://schemas.openxmlformats.org/officeDocument/2006/relationships" xmlns:p="http://schemas.openxmlformats.org/presentationml/2006/main" showMasterSp="0" type="objTx" preserve="1">
   <p:cSld name="Content with Caption">
     <p:spTree>
       <p:nvGrpSpPr>
@@ -1911,6 +2425,44 @@
       </p:grpSpPr>
       <p:sp>
         <p:nvSpPr>
+          <p:cNvPr id="8" name="Rectangle 7" title="Background Shape"/>
+          <p:cNvSpPr/>
+          <p:nvPr/>
+        </p:nvSpPr>
+        <p:spPr>
+          <a:xfrm>
+            <a:off x="0" y="376"/>
+            <a:ext cx="5303520" cy="6857624"/>
+          </a:xfrm>
+          <a:prstGeom prst="rect">
+            <a:avLst/>
+          </a:prstGeom>
+          <a:solidFill>
+            <a:schemeClr val="accent1"/>
+          </a:solidFill>
+          <a:ln>
+            <a:noFill/>
+          </a:ln>
+        </p:spPr>
+        <p:style>
+          <a:lnRef idx="2">
+            <a:schemeClr val="accent1">
+              <a:shade val="50000"/>
+            </a:schemeClr>
+          </a:lnRef>
+          <a:fillRef idx="1">
+            <a:schemeClr val="accent1"/>
+          </a:fillRef>
+          <a:effectRef idx="0">
+            <a:schemeClr val="accent1"/>
+          </a:effectRef>
+          <a:fontRef idx="minor">
+            <a:schemeClr val="lt1"/>
+          </a:fontRef>
+        </p:style>
+      </p:sp>
+      <p:sp>
+        <p:nvSpPr>
           <p:cNvPr id="2" name="Title 1"/>
           <p:cNvSpPr>
             <a:spLocks noGrp="1"/>
@@ -1921,23 +2473,32 @@
         </p:nvSpPr>
         <p:spPr>
           <a:xfrm>
-            <a:off x="839788" y="457200"/>
-            <a:ext cx="3932237" cy="1600200"/>
-          </a:xfrm>
-        </p:spPr>
-        <p:txBody>
-          <a:bodyPr anchor="b"/>
+            <a:off x="723900" y="685800"/>
+            <a:ext cx="3855720" cy="2157884"/>
+          </a:xfrm>
+        </p:spPr>
+        <p:txBody>
+          <a:bodyPr anchor="t">
+            <a:noAutofit/>
+          </a:bodyPr>
           <a:lstStyle>
             <a:lvl1pPr>
-              <a:defRPr sz="3200"/>
+              <a:lnSpc>
+                <a:spcPct val="84000"/>
+              </a:lnSpc>
+              <a:defRPr sz="4800" baseline="0">
+                <a:solidFill>
+                  <a:schemeClr val="tx2"/>
+                </a:solidFill>
+              </a:defRPr>
             </a:lvl1pPr>
           </a:lstStyle>
           <a:p>
             <a:r>
-              <a:rPr lang="en-US" smtClean="0"/>
+              <a:rPr lang="en-US"/>
               <a:t>Click to edit Master title style</a:t>
             </a:r>
-            <a:endParaRPr lang="en-US"/>
+            <a:endParaRPr lang="en-US" dirty="0"/>
           </a:p>
         </p:txBody>
       </p:sp>
@@ -1953,76 +2514,76 @@
         </p:nvSpPr>
         <p:spPr>
           <a:xfrm>
-            <a:off x="5183188" y="987425"/>
-            <a:ext cx="6172200" cy="4873625"/>
+            <a:off x="6256020" y="685801"/>
+            <a:ext cx="5212080" cy="5175250"/>
           </a:xfrm>
         </p:spPr>
         <p:txBody>
           <a:bodyPr/>
           <a:lstStyle>
             <a:lvl1pPr>
-              <a:defRPr sz="3200"/>
+              <a:defRPr sz="2000"/>
             </a:lvl1pPr>
             <a:lvl2pPr>
-              <a:defRPr sz="2800"/>
+              <a:defRPr sz="2000"/>
             </a:lvl2pPr>
             <a:lvl3pPr>
-              <a:defRPr sz="2400"/>
+              <a:defRPr sz="1800"/>
             </a:lvl3pPr>
             <a:lvl4pPr>
-              <a:defRPr sz="2000"/>
+              <a:defRPr sz="1800"/>
             </a:lvl4pPr>
             <a:lvl5pPr>
-              <a:defRPr sz="2000"/>
+              <a:defRPr sz="1600"/>
             </a:lvl5pPr>
             <a:lvl6pPr>
-              <a:defRPr sz="2000"/>
+              <a:defRPr sz="1600"/>
             </a:lvl6pPr>
             <a:lvl7pPr>
-              <a:defRPr sz="2000"/>
+              <a:defRPr sz="1600"/>
             </a:lvl7pPr>
             <a:lvl8pPr>
-              <a:defRPr sz="2000"/>
+              <a:defRPr sz="1600"/>
             </a:lvl8pPr>
             <a:lvl9pPr>
-              <a:defRPr sz="2000"/>
+              <a:defRPr sz="1600"/>
             </a:lvl9pPr>
           </a:lstStyle>
           <a:p>
             <a:pPr lvl="0"/>
             <a:r>
-              <a:rPr lang="en-US" smtClean="0"/>
-              <a:t>Edit Master text styles</a:t>
+              <a:rPr lang="en-US"/>
+              <a:t>Click to edit Master text styles</a:t>
             </a:r>
           </a:p>
           <a:p>
             <a:pPr lvl="1"/>
             <a:r>
-              <a:rPr lang="en-US" smtClean="0"/>
+              <a:rPr lang="en-US"/>
               <a:t>Second level</a:t>
             </a:r>
           </a:p>
           <a:p>
             <a:pPr lvl="2"/>
             <a:r>
-              <a:rPr lang="en-US" smtClean="0"/>
+              <a:rPr lang="en-US"/>
               <a:t>Third level</a:t>
             </a:r>
           </a:p>
           <a:p>
             <a:pPr lvl="3"/>
             <a:r>
-              <a:rPr lang="en-US" smtClean="0"/>
+              <a:rPr lang="en-US"/>
               <a:t>Fourth level</a:t>
             </a:r>
           </a:p>
           <a:p>
             <a:pPr lvl="4"/>
             <a:r>
-              <a:rPr lang="en-US" smtClean="0"/>
+              <a:rPr lang="en-US"/>
               <a:t>Fifth level</a:t>
             </a:r>
-            <a:endParaRPr lang="en-US"/>
+            <a:endParaRPr lang="en-US" dirty="0"/>
           </a:p>
         </p:txBody>
       </p:sp>
@@ -2038,14 +2599,23 @@
         </p:nvSpPr>
         <p:spPr>
           <a:xfrm>
-            <a:off x="839788" y="2057400"/>
-            <a:ext cx="3932237" cy="3811588"/>
+            <a:off x="723900" y="2856344"/>
+            <a:ext cx="3855720" cy="3011056"/>
           </a:xfrm>
         </p:spPr>
         <p:txBody>
           <a:bodyPr/>
           <a:lstStyle>
             <a:lvl1pPr marL="0" indent="0">
+              <a:lnSpc>
+                <a:spcPct val="113000"/>
+              </a:lnSpc>
+              <a:spcBef>
+                <a:spcPts val="0"/>
+              </a:spcBef>
+              <a:spcAft>
+                <a:spcPts val="1500"/>
+              </a:spcAft>
               <a:buNone/>
               <a:defRPr sz="1600"/>
             </a:lvl1pPr>
@@ -2085,8 +2655,8 @@
           <a:p>
             <a:pPr lvl="0"/>
             <a:r>
-              <a:rPr lang="en-US" smtClean="0"/>
-              <a:t>Edit Master text styles</a:t>
+              <a:rPr lang="en-US"/>
+              <a:t>Click to edit Master text styles</a:t>
             </a:r>
           </a:p>
         </p:txBody>
@@ -2101,14 +2671,27 @@
             <p:ph type="dt" sz="half" idx="10"/>
           </p:nvPr>
         </p:nvSpPr>
-        <p:spPr/>
+        <p:spPr>
+          <a:xfrm>
+            <a:off x="723900" y="6453386"/>
+            <a:ext cx="1204572" cy="404614"/>
+          </a:xfrm>
+        </p:spPr>
         <p:txBody>
           <a:bodyPr/>
-          <a:lstStyle/>
+          <a:lstStyle>
+            <a:lvl1pPr>
+              <a:defRPr>
+                <a:solidFill>
+                  <a:schemeClr val="tx2"/>
+                </a:solidFill>
+              </a:defRPr>
+            </a:lvl1pPr>
+          </a:lstStyle>
           <a:p>
             <a:fld id="{5FA259BE-1FB3-4BB7-B632-CC9FB476D9D4}" type="datetimeFigureOut">
               <a:rPr lang="en-US" smtClean="0"/>
-              <a:t>7/5/2017</a:t>
+              <a:t>7/13/2017</a:t>
             </a:fld>
             <a:endParaRPr lang="en-US"/>
           </a:p>
@@ -2124,10 +2707,23 @@
             <p:ph type="ftr" sz="quarter" idx="11"/>
           </p:nvPr>
         </p:nvSpPr>
-        <p:spPr/>
+        <p:spPr>
+          <a:xfrm>
+            <a:off x="2205945" y="6453386"/>
+            <a:ext cx="2373675" cy="404614"/>
+          </a:xfrm>
+        </p:spPr>
         <p:txBody>
           <a:bodyPr/>
-          <a:lstStyle/>
+          <a:lstStyle>
+            <a:lvl1pPr>
+              <a:defRPr>
+                <a:solidFill>
+                  <a:schemeClr val="tx2"/>
+                </a:solidFill>
+              </a:defRPr>
+            </a:lvl1pPr>
+          </a:lstStyle>
           <a:p>
             <a:endParaRPr lang="en-US"/>
           </a:p>
@@ -2143,10 +2739,23 @@
             <p:ph type="sldNum" sz="quarter" idx="12"/>
           </p:nvPr>
         </p:nvSpPr>
-        <p:spPr/>
+        <p:spPr>
+          <a:xfrm>
+            <a:off x="9883140" y="6453386"/>
+            <a:ext cx="1596292" cy="404614"/>
+          </a:xfrm>
+        </p:spPr>
         <p:txBody>
           <a:bodyPr/>
-          <a:lstStyle/>
+          <a:lstStyle>
+            <a:lvl1pPr>
+              <a:defRPr>
+                <a:solidFill>
+                  <a:schemeClr val="tx2"/>
+                </a:solidFill>
+              </a:defRPr>
+            </a:lvl1pPr>
+          </a:lstStyle>
           <a:p>
             <a:fld id="{773047B3-973B-4E5F-B711-E3E3FC4514AD}" type="slidenum">
               <a:rPr lang="en-US" smtClean="0"/>
@@ -2156,10 +2765,48 @@
           </a:p>
         </p:txBody>
       </p:sp>
+      <p:sp>
+        <p:nvSpPr>
+          <p:cNvPr id="9" name="Rectangle 8" title="Divider Bar"/>
+          <p:cNvSpPr/>
+          <p:nvPr/>
+        </p:nvSpPr>
+        <p:spPr>
+          <a:xfrm>
+            <a:off x="5303520" y="376"/>
+            <a:ext cx="228600" cy="6858000"/>
+          </a:xfrm>
+          <a:prstGeom prst="rect">
+            <a:avLst/>
+          </a:prstGeom>
+          <a:solidFill>
+            <a:schemeClr val="tx2"/>
+          </a:solidFill>
+          <a:ln>
+            <a:noFill/>
+          </a:ln>
+        </p:spPr>
+        <p:style>
+          <a:lnRef idx="2">
+            <a:schemeClr val="accent1">
+              <a:shade val="50000"/>
+            </a:schemeClr>
+          </a:lnRef>
+          <a:fillRef idx="1">
+            <a:schemeClr val="accent1"/>
+          </a:fillRef>
+          <a:effectRef idx="0">
+            <a:schemeClr val="accent1"/>
+          </a:effectRef>
+          <a:fontRef idx="minor">
+            <a:schemeClr val="lt1"/>
+          </a:fontRef>
+        </p:style>
+      </p:sp>
     </p:spTree>
     <p:extLst>
       <p:ext uri="{BB962C8B-B14F-4D97-AF65-F5344CB8AC3E}">
-        <p14:creationId xmlns:p14="http://schemas.microsoft.com/office/powerpoint/2010/main" val="1366459304"/>
+        <p14:creationId xmlns:p14="http://schemas.microsoft.com/office/powerpoint/2010/main" val="58650403"/>
       </p:ext>
     </p:extLst>
   </p:cSld>
@@ -2170,7 +2817,7 @@
 </file>
 
 <file path=ppt/slideLayouts/slideLayout9.xml><?xml version="1.0" encoding="utf-8"?>
-<p:sldLayout xmlns:a="http://schemas.openxmlformats.org/drawingml/2006/main" xmlns:r="http://schemas.openxmlformats.org/officeDocument/2006/relationships" xmlns:p="http://schemas.openxmlformats.org/presentationml/2006/main" type="picTx" preserve="1">
+<p:sldLayout xmlns:a="http://schemas.openxmlformats.org/drawingml/2006/main" xmlns:r="http://schemas.openxmlformats.org/officeDocument/2006/relationships" xmlns:p="http://schemas.openxmlformats.org/presentationml/2006/main" showMasterSp="0" type="picTx" preserve="1">
   <p:cSld name="Picture with Caption">
     <p:spTree>
       <p:nvGrpSpPr>
@@ -2188,6 +2835,44 @@
       </p:grpSpPr>
       <p:sp>
         <p:nvSpPr>
+          <p:cNvPr id="8" name="Rectangle 7" title="Background Shape"/>
+          <p:cNvSpPr/>
+          <p:nvPr/>
+        </p:nvSpPr>
+        <p:spPr>
+          <a:xfrm>
+            <a:off x="0" y="376"/>
+            <a:ext cx="5303520" cy="6857624"/>
+          </a:xfrm>
+          <a:prstGeom prst="rect">
+            <a:avLst/>
+          </a:prstGeom>
+          <a:solidFill>
+            <a:schemeClr val="accent1"/>
+          </a:solidFill>
+          <a:ln>
+            <a:noFill/>
+          </a:ln>
+        </p:spPr>
+        <p:style>
+          <a:lnRef idx="2">
+            <a:schemeClr val="accent1">
+              <a:shade val="50000"/>
+            </a:schemeClr>
+          </a:lnRef>
+          <a:fillRef idx="1">
+            <a:schemeClr val="accent1"/>
+          </a:fillRef>
+          <a:effectRef idx="0">
+            <a:schemeClr val="accent1"/>
+          </a:effectRef>
+          <a:fontRef idx="minor">
+            <a:schemeClr val="lt1"/>
+          </a:fontRef>
+        </p:style>
+      </p:sp>
+      <p:sp>
+        <p:nvSpPr>
           <p:cNvPr id="2" name="Title 1"/>
           <p:cNvSpPr>
             <a:spLocks noGrp="1"/>
@@ -2198,23 +2883,28 @@
         </p:nvSpPr>
         <p:spPr>
           <a:xfrm>
-            <a:off x="839788" y="457200"/>
-            <a:ext cx="3932237" cy="1600200"/>
-          </a:xfrm>
-        </p:spPr>
-        <p:txBody>
-          <a:bodyPr anchor="b"/>
+            <a:off x="723900" y="685800"/>
+            <a:ext cx="3855720" cy="2157884"/>
+          </a:xfrm>
+        </p:spPr>
+        <p:txBody>
+          <a:bodyPr anchor="t">
+            <a:normAutofit/>
+          </a:bodyPr>
           <a:lstStyle>
             <a:lvl1pPr>
-              <a:defRPr sz="3200"/>
+              <a:lnSpc>
+                <a:spcPct val="84000"/>
+              </a:lnSpc>
+              <a:defRPr sz="4800" baseline="0"/>
             </a:lvl1pPr>
           </a:lstStyle>
           <a:p>
             <a:r>
-              <a:rPr lang="en-US" smtClean="0"/>
+              <a:rPr lang="en-US"/>
               <a:t>Click to edit Master title style</a:t>
             </a:r>
-            <a:endParaRPr lang="en-US"/>
+            <a:endParaRPr lang="en-US" dirty="0"/>
           </a:p>
         </p:txBody>
       </p:sp>
@@ -2222,7 +2912,7 @@
         <p:nvSpPr>
           <p:cNvPr id="3" name="Picture Placeholder 2"/>
           <p:cNvSpPr>
-            <a:spLocks noGrp="1"/>
+            <a:spLocks noGrp="1" noChangeAspect="1"/>
           </p:cNvSpPr>
           <p:nvPr>
             <p:ph type="pic" idx="1"/>
@@ -2230,24 +2920,26 @@
         </p:nvSpPr>
         <p:spPr>
           <a:xfrm>
-            <a:off x="5183188" y="987425"/>
-            <a:ext cx="6172200" cy="4873625"/>
-          </a:xfrm>
-        </p:spPr>
-        <p:txBody>
-          <a:bodyPr/>
+            <a:off x="5532120" y="0"/>
+            <a:ext cx="6659880" cy="6857999"/>
+          </a:xfrm>
+        </p:spPr>
+        <p:txBody>
+          <a:bodyPr anchor="t">
+            <a:normAutofit/>
+          </a:bodyPr>
           <a:lstStyle>
             <a:lvl1pPr marL="0" indent="0">
               <a:buNone/>
-              <a:defRPr sz="3200"/>
+              <a:defRPr sz="2000"/>
             </a:lvl1pPr>
             <a:lvl2pPr marL="457200" indent="0">
               <a:buNone/>
-              <a:defRPr sz="2800"/>
+              <a:defRPr sz="2000"/>
             </a:lvl2pPr>
             <a:lvl3pPr marL="914400" indent="0">
               <a:buNone/>
-              <a:defRPr sz="2400"/>
+              <a:defRPr sz="2000"/>
             </a:lvl3pPr>
             <a:lvl4pPr marL="1371600" indent="0">
               <a:buNone/>
@@ -2275,7 +2967,11 @@
             </a:lvl9pPr>
           </a:lstStyle>
           <a:p>
-            <a:endParaRPr lang="en-US"/>
+            <a:r>
+              <a:rPr lang="en-US"/>
+              <a:t>Drag picture to placeholder or click icon to add</a:t>
+            </a:r>
+            <a:endParaRPr lang="en-US" dirty="0"/>
           </a:p>
         </p:txBody>
       </p:sp>
@@ -2291,14 +2987,23 @@
         </p:nvSpPr>
         <p:spPr>
           <a:xfrm>
-            <a:off x="839788" y="2057400"/>
-            <a:ext cx="3932237" cy="3811588"/>
+            <a:off x="723900" y="2855968"/>
+            <a:ext cx="3855720" cy="3011432"/>
           </a:xfrm>
         </p:spPr>
         <p:txBody>
           <a:bodyPr/>
           <a:lstStyle>
             <a:lvl1pPr marL="0" indent="0">
+              <a:lnSpc>
+                <a:spcPct val="113000"/>
+              </a:lnSpc>
+              <a:spcBef>
+                <a:spcPts val="0"/>
+              </a:spcBef>
+              <a:spcAft>
+                <a:spcPts val="1500"/>
+              </a:spcAft>
               <a:buNone/>
               <a:defRPr sz="1600"/>
             </a:lvl1pPr>
@@ -2338,8 +3043,8 @@
           <a:p>
             <a:pPr lvl="0"/>
             <a:r>
-              <a:rPr lang="en-US" smtClean="0"/>
-              <a:t>Edit Master text styles</a:t>
+              <a:rPr lang="en-US"/>
+              <a:t>Click to edit Master text styles</a:t>
             </a:r>
           </a:p>
         </p:txBody>
@@ -2354,14 +3059,27 @@
             <p:ph type="dt" sz="half" idx="10"/>
           </p:nvPr>
         </p:nvSpPr>
-        <p:spPr/>
+        <p:spPr>
+          <a:xfrm>
+            <a:off x="723900" y="6453386"/>
+            <a:ext cx="1204572" cy="404614"/>
+          </a:xfrm>
+        </p:spPr>
         <p:txBody>
           <a:bodyPr/>
-          <a:lstStyle/>
+          <a:lstStyle>
+            <a:lvl1pPr>
+              <a:defRPr>
+                <a:solidFill>
+                  <a:schemeClr val="tx2"/>
+                </a:solidFill>
+              </a:defRPr>
+            </a:lvl1pPr>
+          </a:lstStyle>
           <a:p>
             <a:fld id="{5FA259BE-1FB3-4BB7-B632-CC9FB476D9D4}" type="datetimeFigureOut">
               <a:rPr lang="en-US" smtClean="0"/>
-              <a:t>7/5/2017</a:t>
+              <a:t>7/13/2017</a:t>
             </a:fld>
             <a:endParaRPr lang="en-US"/>
           </a:p>
@@ -2377,10 +3095,23 @@
             <p:ph type="ftr" sz="quarter" idx="11"/>
           </p:nvPr>
         </p:nvSpPr>
-        <p:spPr/>
+        <p:spPr>
+          <a:xfrm>
+            <a:off x="2205945" y="6453386"/>
+            <a:ext cx="2373675" cy="404614"/>
+          </a:xfrm>
+        </p:spPr>
         <p:txBody>
           <a:bodyPr/>
-          <a:lstStyle/>
+          <a:lstStyle>
+            <a:lvl1pPr>
+              <a:defRPr>
+                <a:solidFill>
+                  <a:schemeClr val="tx2"/>
+                </a:solidFill>
+              </a:defRPr>
+            </a:lvl1pPr>
+          </a:lstStyle>
           <a:p>
             <a:endParaRPr lang="en-US"/>
           </a:p>
@@ -2396,10 +3127,23 @@
             <p:ph type="sldNum" sz="quarter" idx="12"/>
           </p:nvPr>
         </p:nvSpPr>
-        <p:spPr/>
+        <p:spPr>
+          <a:xfrm>
+            <a:off x="9883140" y="6453386"/>
+            <a:ext cx="1596292" cy="404614"/>
+          </a:xfrm>
+        </p:spPr>
         <p:txBody>
           <a:bodyPr/>
-          <a:lstStyle/>
+          <a:lstStyle>
+            <a:lvl1pPr>
+              <a:defRPr>
+                <a:solidFill>
+                  <a:schemeClr val="tx2"/>
+                </a:solidFill>
+              </a:defRPr>
+            </a:lvl1pPr>
+          </a:lstStyle>
           <a:p>
             <a:fld id="{773047B3-973B-4E5F-B711-E3E3FC4514AD}" type="slidenum">
               <a:rPr lang="en-US" smtClean="0"/>
@@ -2409,10 +3153,48 @@
           </a:p>
         </p:txBody>
       </p:sp>
+      <p:sp>
+        <p:nvSpPr>
+          <p:cNvPr id="9" name="Rectangle 8" title="Divider Bar"/>
+          <p:cNvSpPr/>
+          <p:nvPr/>
+        </p:nvSpPr>
+        <p:spPr>
+          <a:xfrm>
+            <a:off x="5303520" y="376"/>
+            <a:ext cx="228600" cy="6858000"/>
+          </a:xfrm>
+          <a:prstGeom prst="rect">
+            <a:avLst/>
+          </a:prstGeom>
+          <a:solidFill>
+            <a:schemeClr val="tx2"/>
+          </a:solidFill>
+          <a:ln>
+            <a:noFill/>
+          </a:ln>
+        </p:spPr>
+        <p:style>
+          <a:lnRef idx="2">
+            <a:schemeClr val="accent1">
+              <a:shade val="50000"/>
+            </a:schemeClr>
+          </a:lnRef>
+          <a:fillRef idx="1">
+            <a:schemeClr val="accent1"/>
+          </a:fillRef>
+          <a:effectRef idx="0">
+            <a:schemeClr val="accent1"/>
+          </a:effectRef>
+          <a:fontRef idx="minor">
+            <a:schemeClr val="lt1"/>
+          </a:fontRef>
+        </p:style>
+      </p:sp>
     </p:spTree>
     <p:extLst>
       <p:ext uri="{BB962C8B-B14F-4D97-AF65-F5344CB8AC3E}">
-        <p14:creationId xmlns:p14="http://schemas.microsoft.com/office/powerpoint/2010/main" val="1039293396"/>
+        <p14:creationId xmlns:p14="http://schemas.microsoft.com/office/powerpoint/2010/main" val="42329248"/>
       </p:ext>
     </p:extLst>
   </p:cSld>
@@ -2426,9 +3208,12 @@
 <p:sldMaster xmlns:a="http://schemas.openxmlformats.org/drawingml/2006/main" xmlns:r="http://schemas.openxmlformats.org/officeDocument/2006/relationships" xmlns:p="http://schemas.openxmlformats.org/presentationml/2006/main">
   <p:cSld>
     <p:bg>
-      <p:bgRef idx="1001">
-        <a:schemeClr val="bg1"/>
-      </p:bgRef>
+      <p:bgPr>
+        <a:solidFill>
+          <a:schemeClr val="bg2"/>
+        </a:solidFill>
+        <a:effectLst/>
+      </p:bgPr>
     </p:bg>
     <p:spTree>
       <p:nvGrpSpPr>
@@ -2456,24 +3241,24 @@
         </p:nvSpPr>
         <p:spPr>
           <a:xfrm>
-            <a:off x="838200" y="365125"/>
-            <a:ext cx="10515600" cy="1325563"/>
+            <a:off x="1371600" y="685800"/>
+            <a:ext cx="9601200" cy="1485900"/>
           </a:xfrm>
           <a:prstGeom prst="rect">
             <a:avLst/>
           </a:prstGeom>
         </p:spPr>
         <p:txBody>
-          <a:bodyPr vert="horz" lIns="91440" tIns="45720" rIns="91440" bIns="45720" rtlCol="0" anchor="ctr">
+          <a:bodyPr vert="horz" lIns="91440" tIns="45720" rIns="91440" bIns="45720" rtlCol="0" anchor="t">
             <a:normAutofit/>
           </a:bodyPr>
           <a:lstStyle/>
           <a:p>
             <a:r>
-              <a:rPr lang="en-US" smtClean="0"/>
+              <a:rPr lang="en-US"/>
               <a:t>Click to edit Master title style</a:t>
             </a:r>
-            <a:endParaRPr lang="en-US"/>
+            <a:endParaRPr lang="en-US" dirty="0"/>
           </a:p>
         </p:txBody>
       </p:sp>
@@ -2489,8 +3274,8 @@
         </p:nvSpPr>
         <p:spPr>
           <a:xfrm>
-            <a:off x="838200" y="1825625"/>
-            <a:ext cx="10515600" cy="4351338"/>
+            <a:off x="1371600" y="2286000"/>
+            <a:ext cx="9601200" cy="3581400"/>
           </a:xfrm>
           <a:prstGeom prst="rect">
             <a:avLst/>
@@ -2504,38 +3289,38 @@
           <a:p>
             <a:pPr lvl="0"/>
             <a:r>
-              <a:rPr lang="en-US" smtClean="0"/>
-              <a:t>Edit Master text styles</a:t>
+              <a:rPr lang="en-US"/>
+              <a:t>Click to edit Master text styles</a:t>
             </a:r>
           </a:p>
           <a:p>
             <a:pPr lvl="1"/>
             <a:r>
-              <a:rPr lang="en-US" smtClean="0"/>
+              <a:rPr lang="en-US"/>
               <a:t>Second level</a:t>
             </a:r>
           </a:p>
           <a:p>
             <a:pPr lvl="2"/>
             <a:r>
-              <a:rPr lang="en-US" smtClean="0"/>
+              <a:rPr lang="en-US"/>
               <a:t>Third level</a:t>
             </a:r>
           </a:p>
           <a:p>
             <a:pPr lvl="3"/>
             <a:r>
-              <a:rPr lang="en-US" smtClean="0"/>
+              <a:rPr lang="en-US"/>
               <a:t>Fourth level</a:t>
             </a:r>
           </a:p>
           <a:p>
             <a:pPr lvl="4"/>
             <a:r>
-              <a:rPr lang="en-US" smtClean="0"/>
+              <a:rPr lang="en-US"/>
               <a:t>Fifth level</a:t>
             </a:r>
-            <a:endParaRPr lang="en-US"/>
+            <a:endParaRPr lang="en-US" dirty="0"/>
           </a:p>
         </p:txBody>
       </p:sp>
@@ -2551,8 +3336,8 @@
         </p:nvSpPr>
         <p:spPr>
           <a:xfrm>
-            <a:off x="838200" y="6356350"/>
-            <a:ext cx="2743200" cy="365125"/>
+            <a:off x="1390650" y="6453386"/>
+            <a:ext cx="1204572" cy="404614"/>
           </a:xfrm>
           <a:prstGeom prst="rect">
             <a:avLst/>
@@ -2562,11 +3347,9 @@
           <a:bodyPr vert="horz" lIns="91440" tIns="45720" rIns="91440" bIns="45720" rtlCol="0" anchor="ctr"/>
           <a:lstStyle>
             <a:lvl1pPr algn="l">
-              <a:defRPr sz="1200">
+              <a:defRPr sz="1200" baseline="0">
                 <a:solidFill>
-                  <a:schemeClr val="tx1">
-                    <a:tint val="75000"/>
-                  </a:schemeClr>
+                  <a:schemeClr val="tx2"/>
                 </a:solidFill>
               </a:defRPr>
             </a:lvl1pPr>
@@ -2574,7 +3357,7 @@
           <a:p>
             <a:fld id="{5FA259BE-1FB3-4BB7-B632-CC9FB476D9D4}" type="datetimeFigureOut">
               <a:rPr lang="en-US" smtClean="0"/>
-              <a:t>7/5/2017</a:t>
+              <a:t>7/13/2017</a:t>
             </a:fld>
             <a:endParaRPr lang="en-US"/>
           </a:p>
@@ -2592,8 +3375,8 @@
         </p:nvSpPr>
         <p:spPr>
           <a:xfrm>
-            <a:off x="4038600" y="6356350"/>
-            <a:ext cx="4114800" cy="365125"/>
+            <a:off x="2893564" y="6453386"/>
+            <a:ext cx="6280830" cy="404614"/>
           </a:xfrm>
           <a:prstGeom prst="rect">
             <a:avLst/>
@@ -2602,12 +3385,10 @@
         <p:txBody>
           <a:bodyPr vert="horz" lIns="91440" tIns="45720" rIns="91440" bIns="45720" rtlCol="0" anchor="ctr"/>
           <a:lstStyle>
-            <a:lvl1pPr algn="ctr">
-              <a:defRPr sz="1200">
+            <a:lvl1pPr algn="l">
+              <a:defRPr sz="1200" baseline="0">
                 <a:solidFill>
-                  <a:schemeClr val="tx1">
-                    <a:tint val="75000"/>
-                  </a:schemeClr>
+                  <a:schemeClr val="tx2"/>
                 </a:solidFill>
               </a:defRPr>
             </a:lvl1pPr>
@@ -2629,8 +3410,8 @@
         </p:nvSpPr>
         <p:spPr>
           <a:xfrm>
-            <a:off x="8610600" y="6356350"/>
-            <a:ext cx="2743200" cy="365125"/>
+            <a:off x="9472736" y="6453386"/>
+            <a:ext cx="1596292" cy="404614"/>
           </a:xfrm>
           <a:prstGeom prst="rect">
             <a:avLst/>
@@ -2640,11 +3421,9 @@
           <a:bodyPr vert="horz" lIns="91440" tIns="45720" rIns="91440" bIns="45720" rtlCol="0" anchor="ctr"/>
           <a:lstStyle>
             <a:lvl1pPr algn="r">
-              <a:defRPr sz="1200">
+              <a:defRPr sz="1200" baseline="0">
                 <a:solidFill>
-                  <a:schemeClr val="tx1">
-                    <a:tint val="75000"/>
-                  </a:schemeClr>
+                  <a:schemeClr val="tx2"/>
                 </a:solidFill>
               </a:defRPr>
             </a:lvl1pPr>
@@ -2658,40 +3437,78 @@
           </a:p>
         </p:txBody>
       </p:sp>
+      <p:sp>
+        <p:nvSpPr>
+          <p:cNvPr id="9" name="Rectangle 8" title="Side bar"/>
+          <p:cNvSpPr/>
+          <p:nvPr/>
+        </p:nvSpPr>
+        <p:spPr>
+          <a:xfrm>
+            <a:off x="478095" y="376"/>
+            <a:ext cx="228600" cy="6858000"/>
+          </a:xfrm>
+          <a:prstGeom prst="rect">
+            <a:avLst/>
+          </a:prstGeom>
+          <a:solidFill>
+            <a:schemeClr val="tx2"/>
+          </a:solidFill>
+          <a:ln>
+            <a:noFill/>
+          </a:ln>
+        </p:spPr>
+        <p:style>
+          <a:lnRef idx="2">
+            <a:schemeClr val="accent1">
+              <a:shade val="50000"/>
+            </a:schemeClr>
+          </a:lnRef>
+          <a:fillRef idx="1">
+            <a:schemeClr val="accent1"/>
+          </a:fillRef>
+          <a:effectRef idx="0">
+            <a:schemeClr val="accent1"/>
+          </a:effectRef>
+          <a:fontRef idx="minor">
+            <a:schemeClr val="lt1"/>
+          </a:fontRef>
+        </p:style>
+      </p:sp>
     </p:spTree>
     <p:extLst>
       <p:ext uri="{BB962C8B-B14F-4D97-AF65-F5344CB8AC3E}">
-        <p14:creationId xmlns:p14="http://schemas.microsoft.com/office/powerpoint/2010/main" val="2695315079"/>
+        <p14:creationId xmlns:p14="http://schemas.microsoft.com/office/powerpoint/2010/main" val="227802885"/>
       </p:ext>
     </p:extLst>
   </p:cSld>
   <p:clrMap bg1="lt1" tx1="dk1" bg2="lt2" tx2="dk2" accent1="accent1" accent2="accent2" accent3="accent3" accent4="accent4" accent5="accent5" accent6="accent6" hlink="hlink" folHlink="folHlink"/>
   <p:sldLayoutIdLst>
-    <p:sldLayoutId id="2147483649" r:id="rId1"/>
-    <p:sldLayoutId id="2147483650" r:id="rId2"/>
-    <p:sldLayoutId id="2147483651" r:id="rId3"/>
-    <p:sldLayoutId id="2147483652" r:id="rId4"/>
-    <p:sldLayoutId id="2147483653" r:id="rId5"/>
-    <p:sldLayoutId id="2147483654" r:id="rId6"/>
-    <p:sldLayoutId id="2147483655" r:id="rId7"/>
-    <p:sldLayoutId id="2147483656" r:id="rId8"/>
-    <p:sldLayoutId id="2147483657" r:id="rId9"/>
-    <p:sldLayoutId id="2147483658" r:id="rId10"/>
-    <p:sldLayoutId id="2147483659" r:id="rId11"/>
+    <p:sldLayoutId id="2147483763" r:id="rId1"/>
+    <p:sldLayoutId id="2147483764" r:id="rId2"/>
+    <p:sldLayoutId id="2147483765" r:id="rId3"/>
+    <p:sldLayoutId id="2147483766" r:id="rId4"/>
+    <p:sldLayoutId id="2147483767" r:id="rId5"/>
+    <p:sldLayoutId id="2147483768" r:id="rId6"/>
+    <p:sldLayoutId id="2147483769" r:id="rId7"/>
+    <p:sldLayoutId id="2147483770" r:id="rId8"/>
+    <p:sldLayoutId id="2147483771" r:id="rId9"/>
+    <p:sldLayoutId id="2147483772" r:id="rId10"/>
+    <p:sldLayoutId id="2147483773" r:id="rId11"/>
   </p:sldLayoutIdLst>
   <p:txStyles>
     <p:titleStyle>
       <a:lvl1pPr algn="l" defTabSz="914400" rtl="0" eaLnBrk="1" latinLnBrk="0" hangingPunct="1">
         <a:lnSpc>
-          <a:spcPct val="90000"/>
+          <a:spcPct val="89000"/>
         </a:lnSpc>
         <a:spcBef>
           <a:spcPct val="0"/>
         </a:spcBef>
         <a:buNone/>
-        <a:defRPr sz="4400" kern="1200">
+        <a:defRPr sz="4400" kern="1200" baseline="0">
           <a:solidFill>
-            <a:schemeClr val="tx1"/>
+            <a:schemeClr val="tx2"/>
           </a:solidFill>
           <a:latin typeface="+mj-lt"/>
           <a:ea typeface="+mj-ea"/>
@@ -2700,162 +3517,189 @@
       </a:lvl1pPr>
     </p:titleStyle>
     <p:bodyStyle>
-      <a:lvl1pPr marL="228600" indent="-228600" algn="l" defTabSz="914400" rtl="0" eaLnBrk="1" latinLnBrk="0" hangingPunct="1">
+      <a:lvl1pPr marL="384048" indent="-384048" algn="l" defTabSz="914400" rtl="0" eaLnBrk="1" latinLnBrk="0" hangingPunct="1">
         <a:lnSpc>
-          <a:spcPct val="90000"/>
+          <a:spcPct val="94000"/>
         </a:lnSpc>
         <a:spcBef>
           <a:spcPts val="1000"/>
         </a:spcBef>
-        <a:buFont typeface="Arial" panose="020B0604020202020204" pitchFamily="34" charset="0"/>
-        <a:buChar char="•"/>
-        <a:defRPr sz="2800" kern="1200">
+        <a:spcAft>
+          <a:spcPts val="200"/>
+        </a:spcAft>
+        <a:buFont typeface="Franklin Gothic Book" panose="020B0503020102020204" pitchFamily="34" charset="0"/>
+        <a:buChar char="■"/>
+        <a:defRPr sz="2000" kern="1200" baseline="0">
           <a:solidFill>
-            <a:schemeClr val="tx1"/>
+            <a:schemeClr val="tx2"/>
           </a:solidFill>
           <a:latin typeface="+mn-lt"/>
           <a:ea typeface="+mn-ea"/>
           <a:cs typeface="+mn-cs"/>
         </a:defRPr>
       </a:lvl1pPr>
-      <a:lvl2pPr marL="685800" indent="-228600" algn="l" defTabSz="914400" rtl="0" eaLnBrk="1" latinLnBrk="0" hangingPunct="1">
+      <a:lvl2pPr marL="384048" indent="-384048" algn="l" defTabSz="914400" rtl="0" eaLnBrk="1" latinLnBrk="0" hangingPunct="1">
         <a:lnSpc>
-          <a:spcPct val="90000"/>
+          <a:spcPct val="94000"/>
         </a:lnSpc>
         <a:spcBef>
           <a:spcPts val="500"/>
         </a:spcBef>
-        <a:buFont typeface="Arial" panose="020B0604020202020204" pitchFamily="34" charset="0"/>
-        <a:buChar char="•"/>
-        <a:defRPr sz="2400" kern="1200">
+        <a:spcAft>
+          <a:spcPts val="200"/>
+        </a:spcAft>
+        <a:buFont typeface="Franklin Gothic Book" panose="020B0503020102020204" pitchFamily="34" charset="0"/>
+        <a:buChar char="–"/>
+        <a:defRPr sz="2000" i="1" kern="1200" baseline="0">
           <a:solidFill>
-            <a:schemeClr val="tx1"/>
+            <a:schemeClr val="tx2"/>
           </a:solidFill>
           <a:latin typeface="+mn-lt"/>
           <a:ea typeface="+mn-ea"/>
           <a:cs typeface="+mn-cs"/>
         </a:defRPr>
       </a:lvl2pPr>
-      <a:lvl3pPr marL="1143000" indent="-228600" algn="l" defTabSz="914400" rtl="0" eaLnBrk="1" latinLnBrk="0" hangingPunct="1">
+      <a:lvl3pPr marL="384048" indent="-384048" algn="l" defTabSz="914400" rtl="0" eaLnBrk="1" latinLnBrk="0" hangingPunct="1">
         <a:lnSpc>
-          <a:spcPct val="90000"/>
+          <a:spcPct val="94000"/>
         </a:lnSpc>
         <a:spcBef>
           <a:spcPts val="500"/>
         </a:spcBef>
-        <a:buFont typeface="Arial" panose="020B0604020202020204" pitchFamily="34" charset="0"/>
-        <a:buChar char="•"/>
-        <a:defRPr sz="2000" kern="1200">
+        <a:spcAft>
+          <a:spcPts val="200"/>
+        </a:spcAft>
+        <a:buFont typeface="Franklin Gothic Book" panose="020B0503020102020204" pitchFamily="34" charset="0"/>
+        <a:buChar char="■"/>
+        <a:defRPr sz="1800" kern="1200" baseline="0">
           <a:solidFill>
-            <a:schemeClr val="tx1"/>
+            <a:schemeClr val="tx2"/>
           </a:solidFill>
           <a:latin typeface="+mn-lt"/>
           <a:ea typeface="+mn-ea"/>
           <a:cs typeface="+mn-cs"/>
         </a:defRPr>
       </a:lvl3pPr>
-      <a:lvl4pPr marL="1600200" indent="-228600" algn="l" defTabSz="914400" rtl="0" eaLnBrk="1" latinLnBrk="0" hangingPunct="1">
+      <a:lvl4pPr marL="384048" indent="-384048" algn="l" defTabSz="914400" rtl="0" eaLnBrk="1" latinLnBrk="0" hangingPunct="1">
         <a:lnSpc>
-          <a:spcPct val="90000"/>
+          <a:spcPct val="94000"/>
         </a:lnSpc>
         <a:spcBef>
           <a:spcPts val="500"/>
         </a:spcBef>
-        <a:buFont typeface="Arial" panose="020B0604020202020204" pitchFamily="34" charset="0"/>
-        <a:buChar char="•"/>
-        <a:defRPr sz="1800" kern="1200">
+        <a:spcAft>
+          <a:spcPts val="200"/>
+        </a:spcAft>
+        <a:buFont typeface="Franklin Gothic Book" panose="020B0503020102020204" pitchFamily="34" charset="0"/>
+        <a:buChar char="–"/>
+        <a:defRPr sz="1800" i="1" kern="1200" baseline="0">
           <a:solidFill>
-            <a:schemeClr val="tx1"/>
+            <a:schemeClr val="tx2"/>
           </a:solidFill>
           <a:latin typeface="+mn-lt"/>
           <a:ea typeface="+mn-ea"/>
           <a:cs typeface="+mn-cs"/>
         </a:defRPr>
       </a:lvl4pPr>
-      <a:lvl5pPr marL="2057400" indent="-228600" algn="l" defTabSz="914400" rtl="0" eaLnBrk="1" latinLnBrk="0" hangingPunct="1">
+      <a:lvl5pPr marL="384048" indent="-384048" algn="l" defTabSz="914400" rtl="0" eaLnBrk="1" latinLnBrk="0" hangingPunct="1">
         <a:lnSpc>
-          <a:spcPct val="90000"/>
+          <a:spcPct val="94000"/>
         </a:lnSpc>
         <a:spcBef>
           <a:spcPts val="500"/>
         </a:spcBef>
-        <a:buFont typeface="Arial" panose="020B0604020202020204" pitchFamily="34" charset="0"/>
-        <a:buChar char="•"/>
-        <a:defRPr sz="1800" kern="1200">
+        <a:spcAft>
+          <a:spcPts val="200"/>
+        </a:spcAft>
+        <a:buFont typeface="Franklin Gothic Book" panose="020B0503020102020204" pitchFamily="34" charset="0"/>
+        <a:buChar char="■"/>
+        <a:defRPr sz="1600" kern="1200" baseline="0">
           <a:solidFill>
-            <a:schemeClr val="tx1"/>
+            <a:schemeClr val="tx2"/>
           </a:solidFill>
           <a:latin typeface="+mn-lt"/>
           <a:ea typeface="+mn-ea"/>
           <a:cs typeface="+mn-cs"/>
         </a:defRPr>
       </a:lvl5pPr>
-      <a:lvl6pPr marL="2514600" indent="-228600" algn="l" defTabSz="914400" rtl="0" eaLnBrk="1" latinLnBrk="0" hangingPunct="1">
+      <a:lvl6pPr marL="384048" indent="-384048" algn="l" defTabSz="914400" rtl="0" eaLnBrk="1" latinLnBrk="0" hangingPunct="1">
         <a:lnSpc>
-          <a:spcPct val="90000"/>
+          <a:spcPct val="94000"/>
         </a:lnSpc>
         <a:spcBef>
           <a:spcPts val="500"/>
         </a:spcBef>
-        <a:buFont typeface="Arial" panose="020B0604020202020204" pitchFamily="34" charset="0"/>
-        <a:buChar char="•"/>
-        <a:defRPr sz="1800" kern="1200">
+        <a:spcAft>
+          <a:spcPts val="200"/>
+        </a:spcAft>
+        <a:buFont typeface="Franklin Gothic Book" panose="020B0503020102020204" pitchFamily="34" charset="0"/>
+        <a:buChar char="–"/>
+        <a:defRPr sz="1600" i="1" kern="1200" baseline="0">
           <a:solidFill>
-            <a:schemeClr val="tx1"/>
+            <a:schemeClr val="tx2"/>
           </a:solidFill>
           <a:latin typeface="+mn-lt"/>
           <a:ea typeface="+mn-ea"/>
           <a:cs typeface="+mn-cs"/>
         </a:defRPr>
       </a:lvl6pPr>
-      <a:lvl7pPr marL="2971800" indent="-228600" algn="l" defTabSz="914400" rtl="0" eaLnBrk="1" latinLnBrk="0" hangingPunct="1">
+      <a:lvl7pPr marL="384048" indent="-384048" algn="l" defTabSz="914400" rtl="0" eaLnBrk="1" latinLnBrk="0" hangingPunct="1">
         <a:lnSpc>
-          <a:spcPct val="90000"/>
+          <a:spcPct val="94000"/>
         </a:lnSpc>
         <a:spcBef>
           <a:spcPts val="500"/>
         </a:spcBef>
-        <a:buFont typeface="Arial" panose="020B0604020202020204" pitchFamily="34" charset="0"/>
-        <a:buChar char="•"/>
-        <a:defRPr sz="1800" kern="1200">
+        <a:spcAft>
+          <a:spcPts val="200"/>
+        </a:spcAft>
+        <a:buFont typeface="Franklin Gothic Book" panose="020B0503020102020204" pitchFamily="34" charset="0"/>
+        <a:buChar char="■"/>
+        <a:defRPr sz="1400" kern="1200" baseline="0">
           <a:solidFill>
-            <a:schemeClr val="tx1"/>
+            <a:schemeClr val="tx2"/>
           </a:solidFill>
           <a:latin typeface="+mn-lt"/>
           <a:ea typeface="+mn-ea"/>
           <a:cs typeface="+mn-cs"/>
         </a:defRPr>
       </a:lvl7pPr>
-      <a:lvl8pPr marL="3429000" indent="-228600" algn="l" defTabSz="914400" rtl="0" eaLnBrk="1" latinLnBrk="0" hangingPunct="1">
+      <a:lvl8pPr marL="384048" indent="-384048" algn="l" defTabSz="914400" rtl="0" eaLnBrk="1" latinLnBrk="0" hangingPunct="1">
         <a:lnSpc>
-          <a:spcPct val="90000"/>
+          <a:spcPct val="94000"/>
         </a:lnSpc>
         <a:spcBef>
           <a:spcPts val="500"/>
         </a:spcBef>
-        <a:buFont typeface="Arial" panose="020B0604020202020204" pitchFamily="34" charset="0"/>
-        <a:buChar char="•"/>
-        <a:defRPr sz="1800" kern="1200">
+        <a:spcAft>
+          <a:spcPts val="200"/>
+        </a:spcAft>
+        <a:buFont typeface="Franklin Gothic Book" panose="020B0503020102020204" pitchFamily="34" charset="0"/>
+        <a:buChar char="–"/>
+        <a:defRPr sz="1400" i="1" kern="1200" baseline="0">
           <a:solidFill>
-            <a:schemeClr val="tx1"/>
+            <a:schemeClr val="tx2"/>
           </a:solidFill>
           <a:latin typeface="+mn-lt"/>
           <a:ea typeface="+mn-ea"/>
           <a:cs typeface="+mn-cs"/>
         </a:defRPr>
       </a:lvl8pPr>
-      <a:lvl9pPr marL="3886200" indent="-228600" algn="l" defTabSz="914400" rtl="0" eaLnBrk="1" latinLnBrk="0" hangingPunct="1">
+      <a:lvl9pPr marL="384048" indent="-384048" algn="l" defTabSz="914400" rtl="0" eaLnBrk="1" latinLnBrk="0" hangingPunct="1">
         <a:lnSpc>
-          <a:spcPct val="90000"/>
+          <a:spcPct val="94000"/>
         </a:lnSpc>
         <a:spcBef>
           <a:spcPts val="500"/>
         </a:spcBef>
-        <a:buFont typeface="Arial" panose="020B0604020202020204" pitchFamily="34" charset="0"/>
-        <a:buChar char="•"/>
-        <a:defRPr sz="1800" kern="1200">
+        <a:spcAft>
+          <a:spcPts val="200"/>
+        </a:spcAft>
+        <a:buFont typeface="Franklin Gothic Book" panose="020B0503020102020204" pitchFamily="34" charset="0"/>
+        <a:buChar char="■"/>
+        <a:defRPr sz="1400" kern="1200" baseline="0">
           <a:solidFill>
-            <a:schemeClr val="tx1"/>
+            <a:schemeClr val="tx2"/>
           </a:solidFill>
           <a:latin typeface="+mn-lt"/>
           <a:ea typeface="+mn-ea"/>
@@ -2959,6 +3803,52 @@
       </a:lvl9pPr>
     </p:otherStyle>
   </p:txStyles>
+  <p:extLst mod="1">
+    <p:ext uri="{27BBF7A9-308A-43DC-89C8-2F10F3537804}">
+      <p15:sldGuideLst xmlns:p15="http://schemas.microsoft.com/office/powerpoint/2012/main">
+        <p15:guide id="3" orient="horz" pos="1368">
+          <p15:clr>
+            <a:srgbClr val="F26B43"/>
+          </p15:clr>
+        </p15:guide>
+        <p15:guide id="4" orient="horz" pos="1440">
+          <p15:clr>
+            <a:srgbClr val="F26B43"/>
+          </p15:clr>
+        </p15:guide>
+        <p15:guide id="6" orient="horz" pos="3696">
+          <p15:clr>
+            <a:srgbClr val="F26B43"/>
+          </p15:clr>
+        </p15:guide>
+        <p15:guide id="7" orient="horz" pos="432">
+          <p15:clr>
+            <a:srgbClr val="F26B43"/>
+          </p15:clr>
+        </p15:guide>
+        <p15:guide id="8" orient="horz" pos="1512">
+          <p15:clr>
+            <a:srgbClr val="F26B43"/>
+          </p15:clr>
+        </p15:guide>
+        <p15:guide id="9" pos="6912">
+          <p15:clr>
+            <a:srgbClr val="F26B43"/>
+          </p15:clr>
+        </p15:guide>
+        <p15:guide id="10" pos="936">
+          <p15:clr>
+            <a:srgbClr val="F26B43"/>
+          </p15:clr>
+        </p15:guide>
+        <p15:guide id="11" pos="864">
+          <p15:clr>
+            <a:srgbClr val="F26B43"/>
+          </p15:clr>
+        </p15:guide>
+      </p15:sldGuideLst>
+    </p:ext>
+  </p:extLst>
 </p:sldMaster>
 </file>
 
@@ -2989,31 +3879,53 @@
             <p:ph type="ctrTitle"/>
           </p:nvPr>
         </p:nvSpPr>
-        <p:spPr/>
+        <p:spPr>
+          <a:xfrm>
+            <a:off x="2725753" y="1274481"/>
+            <a:ext cx="8361229" cy="2098226"/>
+          </a:xfrm>
+        </p:spPr>
         <p:txBody>
           <a:bodyPr>
-            <a:normAutofit fontScale="90000"/>
+            <a:noAutofit/>
           </a:bodyPr>
           <a:lstStyle/>
           <a:p>
             <a:r>
-              <a:rPr lang="en-GB" cap="all" dirty="0"/>
-              <a:t>Lightweight Multilingual Software Analysis</a:t>
-            </a:r>
-            <a:r>
-              <a:rPr lang="en-US" b="1" cap="all" dirty="0">
-                <a:latin typeface="Times New Roman" panose="02020603050405020304" pitchFamily="18" charset="0"/>
-                <a:ea typeface="Times New Roman" panose="02020603050405020304" pitchFamily="18" charset="0"/>
+              <a:rPr lang="en-GB" sz="4800" b="1" cap="all" dirty="0">
+                <a:latin typeface="Consolas" charset="0"/>
+                <a:ea typeface="Consolas" charset="0"/>
+                <a:cs typeface="Consolas" charset="0"/>
               </a:rPr>
-              <a:t/>
+              <a:t>Lightweight Multilingual </a:t>
             </a:r>
             <a:br>
-              <a:rPr lang="en-US" b="1" cap="all" dirty="0">
-                <a:latin typeface="Times New Roman" panose="02020603050405020304" pitchFamily="18" charset="0"/>
-                <a:ea typeface="Times New Roman" panose="02020603050405020304" pitchFamily="18" charset="0"/>
+              <a:rPr lang="en-GB" sz="4800" b="1" cap="all" dirty="0">
+                <a:latin typeface="Consolas" charset="0"/>
+                <a:ea typeface="Consolas" charset="0"/>
+                <a:cs typeface="Consolas" charset="0"/>
               </a:rPr>
             </a:br>
-            <a:endParaRPr lang="en-US" dirty="0"/>
+            <a:r>
+              <a:rPr lang="en-GB" sz="4800" b="1" cap="all" dirty="0">
+                <a:latin typeface="Consolas" charset="0"/>
+                <a:ea typeface="Consolas" charset="0"/>
+                <a:cs typeface="Consolas" charset="0"/>
+              </a:rPr>
+              <a:t>Software Analysis</a:t>
+            </a:r>
+            <a:br>
+              <a:rPr lang="en-US" sz="4800" b="1" cap="all" dirty="0">
+                <a:latin typeface="Consolas" charset="0"/>
+                <a:ea typeface="Consolas" charset="0"/>
+                <a:cs typeface="Consolas" charset="0"/>
+              </a:rPr>
+            </a:br>
+            <a:endParaRPr lang="en-US" sz="4800" b="1" dirty="0">
+              <a:latin typeface="Consolas" charset="0"/>
+              <a:ea typeface="Consolas" charset="0"/>
+              <a:cs typeface="Consolas" charset="0"/>
+            </a:endParaRPr>
           </a:p>
         </p:txBody>
       </p:sp>
@@ -3029,13 +3941,13 @@
         </p:nvSpPr>
         <p:spPr>
           <a:xfrm>
-            <a:off x="1176453" y="2854712"/>
-            <a:ext cx="9839093" cy="3624146"/>
+            <a:off x="1914525" y="2685262"/>
+            <a:ext cx="8872419" cy="3268080"/>
           </a:xfrm>
         </p:spPr>
         <p:txBody>
           <a:bodyPr>
-            <a:normAutofit/>
+            <a:normAutofit fontScale="92500" lnSpcReduction="10000"/>
           </a:bodyPr>
           <a:lstStyle/>
           <a:p>
@@ -3061,39 +3973,27 @@
               <a:t>1</a:t>
             </a:r>
             <a:r>
-              <a:rPr lang="en-GB" sz="2600" u="sng" dirty="0"/>
-              <a:t> </a:t>
-            </a:r>
-            <a:r>
               <a:rPr lang="en-GB" sz="2600" dirty="0"/>
-              <a:t>and David </a:t>
-            </a:r>
-            <a:r>
-              <a:rPr lang="en-GB" sz="2600" dirty="0" smtClean="0"/>
-              <a:t>Baird</a:t>
-            </a:r>
-            <a:r>
-              <a:rPr lang="en-GB" sz="2600" baseline="30000" dirty="0" smtClean="0"/>
+              <a:t> and David Baird</a:t>
+            </a:r>
+            <a:r>
+              <a:rPr lang="en-GB" sz="2600" baseline="30000" dirty="0"/>
               <a:t>2</a:t>
             </a:r>
             <a:br>
-              <a:rPr lang="en-GB" sz="2600" baseline="30000" dirty="0" smtClean="0"/>
+              <a:rPr lang="en-GB" sz="2600" baseline="30000" dirty="0"/>
             </a:br>
-            <a:endParaRPr lang="en-GB" sz="2600" baseline="30000" dirty="0" smtClean="0"/>
+            <a:endParaRPr lang="en-GB" sz="2600" baseline="30000" dirty="0"/>
           </a:p>
           <a:p>
             <a:pPr fontAlgn="t"/>
             <a:r>
-              <a:rPr lang="en-GB" sz="2000" baseline="30000" dirty="0" smtClean="0"/>
+              <a:rPr lang="en-GB" sz="2000" baseline="30000" dirty="0"/>
               <a:t>1</a:t>
             </a:r>
             <a:r>
-              <a:rPr lang="en-GB" sz="2000" dirty="0" smtClean="0"/>
-              <a:t>Department </a:t>
-            </a:r>
-            <a:r>
               <a:rPr lang="en-GB" sz="2000" dirty="0"/>
-              <a:t>of Computer &amp; Information Science, Fordham University, New York NY USA</a:t>
+              <a:t>Department of Computer &amp; Information Science, Fordham University, New York NY USA</a:t>
             </a:r>
             <a:endParaRPr lang="en-US" sz="2000" dirty="0"/>
           </a:p>
@@ -3121,15 +4021,15 @@
             </a:r>
             <a:r>
               <a:rPr lang="en-GB" sz="2000" dirty="0"/>
-              <a:t>}@fordham.edu, </a:t>
-            </a:r>
-            <a:r>
-              <a:rPr lang="en-GB" sz="2000" dirty="0" smtClean="0">
-                <a:hlinkClick r:id="rId2"/>
-              </a:rPr>
-              <a:t>dbaird16@bloomberg.net</a:t>
-            </a:r>
-            <a:endParaRPr lang="en-GB" sz="2000" dirty="0" smtClean="0"/>
+              <a:t>}@fordham.edu, dbaird16@bloomberg.net</a:t>
+            </a:r>
+            <a:endParaRPr lang="en-GB" sz="2000" dirty="0">
+              <a:solidFill>
+                <a:schemeClr val="accent6">
+                  <a:lumMod val="50000"/>
+                </a:schemeClr>
+              </a:solidFill>
+            </a:endParaRPr>
           </a:p>
           <a:p>
             <a:pPr fontAlgn="t"/>
@@ -3138,31 +4038,31 @@
           <a:p>
             <a:pPr fontAlgn="t"/>
             <a:r>
-              <a:rPr lang="en-GB" dirty="0" smtClean="0"/>
+              <a:rPr lang="en-GB" dirty="0"/>
               <a:t>The authors acknowledge the contributions of Bruno Vieira, </a:t>
             </a:r>
             <a:r>
-              <a:rPr lang="en-GB" dirty="0" err="1" smtClean="0"/>
+              <a:rPr lang="en-GB" dirty="0" err="1"/>
               <a:t>Sunand</a:t>
             </a:r>
             <a:r>
-              <a:rPr lang="en-GB" dirty="0" smtClean="0"/>
+              <a:rPr lang="en-GB" dirty="0"/>
               <a:t> </a:t>
             </a:r>
             <a:r>
-              <a:rPr lang="en-GB" dirty="0" err="1" smtClean="0"/>
-              <a:t>Raghapathi</a:t>
-            </a:r>
-            <a:r>
-              <a:rPr lang="en-GB" dirty="0" smtClean="0"/>
+              <a:rPr lang="en-GB" dirty="0" err="1"/>
+              <a:t>Raghupathi</a:t>
+            </a:r>
+            <a:r>
+              <a:rPr lang="en-GB" dirty="0"/>
               <a:t> and Nicholas </a:t>
             </a:r>
             <a:r>
-              <a:rPr lang="en-GB" dirty="0" err="1" smtClean="0"/>
+              <a:rPr lang="en-GB" dirty="0" err="1"/>
               <a:t>Estelami</a:t>
             </a:r>
             <a:r>
-              <a:rPr lang="en-GB" dirty="0" smtClean="0"/>
+              <a:rPr lang="en-GB" dirty="0"/>
               <a:t> in building MLSA Tools</a:t>
             </a:r>
           </a:p>
@@ -3176,21 +4076,51 @@
           </a:p>
           <a:p>
             <a:pPr fontAlgn="t"/>
-            <a:endParaRPr lang="en-GB" sz="2600" baseline="30000" dirty="0" smtClean="0"/>
-          </a:p>
-          <a:p>
-            <a:pPr fontAlgn="t"/>
-            <a:endParaRPr lang="en-US" dirty="0" smtClean="0"/>
+            <a:endParaRPr lang="en-GB" sz="2600" baseline="30000" dirty="0"/>
           </a:p>
           <a:p>
             <a:pPr fontAlgn="t"/>
             <a:endParaRPr lang="en-US" dirty="0"/>
           </a:p>
           <a:p>
+            <a:pPr fontAlgn="t"/>
             <a:endParaRPr lang="en-US" dirty="0"/>
           </a:p>
-        </p:txBody>
-      </p:sp>
+          <a:p>
+            <a:endParaRPr lang="en-US" dirty="0"/>
+          </a:p>
+        </p:txBody>
+      </p:sp>
+      <p:pic>
+        <p:nvPicPr>
+          <p:cNvPr id="5" name="Picture 4"/>
+          <p:cNvPicPr>
+            <a:picLocks noChangeAspect="1"/>
+          </p:cNvPicPr>
+          <p:nvPr/>
+        </p:nvPicPr>
+        <p:blipFill>
+          <a:blip r:embed="rId2">
+            <a:extLst>
+              <a:ext uri="{28A0092B-C50C-407E-A947-70E740481C1C}">
+                <a14:useLocalDpi xmlns:a14="http://schemas.microsoft.com/office/drawing/2010/main" val="0"/>
+              </a:ext>
+            </a:extLst>
+          </a:blip>
+          <a:stretch>
+            <a:fillRect/>
+          </a:stretch>
+        </p:blipFill>
+        <p:spPr>
+          <a:xfrm>
+            <a:off x="1176451" y="1274481"/>
+            <a:ext cx="1760771" cy="1196092"/>
+          </a:xfrm>
+          <a:prstGeom prst="rect">
+            <a:avLst/>
+          </a:prstGeom>
+        </p:spPr>
+      </p:pic>
     </p:spTree>
     <p:extLst>
       <p:ext uri="{BB962C8B-B14F-4D97-AF65-F5344CB8AC3E}">
@@ -3237,10 +4167,18 @@
           <a:lstStyle/>
           <a:p>
             <a:r>
-              <a:rPr lang="en-US" dirty="0" smtClean="0"/>
+              <a:rPr lang="en-US" b="1" dirty="0">
+                <a:solidFill>
+                  <a:schemeClr val="accent6">
+                    <a:lumMod val="50000"/>
+                  </a:schemeClr>
+                </a:solidFill>
+                <a:latin typeface="Consolas" charset="0"/>
+                <a:ea typeface="Consolas" charset="0"/>
+                <a:cs typeface="Consolas" charset="0"/>
+              </a:rPr>
               <a:t>Terminology</a:t>
             </a:r>
-            <a:endParaRPr lang="en-US" dirty="0"/>
           </a:p>
         </p:txBody>
       </p:sp>
@@ -3260,219 +4198,224 @@
           <a:lstStyle/>
           <a:p>
             <a:r>
-              <a:rPr lang="en-GB" dirty="0" smtClean="0"/>
+              <a:rPr lang="en-GB" sz="2800" dirty="0"/>
               <a:t>Program </a:t>
             </a:r>
             <a:r>
-              <a:rPr lang="en-GB" dirty="0" err="1" smtClean="0"/>
+              <a:rPr lang="en-GB" sz="2800" dirty="0" err="1"/>
               <a:t>S</a:t>
             </a:r>
             <a:r>
-              <a:rPr lang="en-GB" baseline="-25000" dirty="0" err="1" smtClean="0"/>
+              <a:rPr lang="en-GB" sz="2800" baseline="-25000" dirty="0" err="1"/>
               <a:t>c</a:t>
             </a:r>
             <a:r>
-              <a:rPr lang="en-GB" dirty="0" smtClean="0"/>
-              <a:t> is </a:t>
-            </a:r>
-            <a:r>
-              <a:rPr lang="en-GB" dirty="0"/>
-              <a:t>a set of </a:t>
-            </a:r>
-            <a:r>
-              <a:rPr lang="en-GB" i="1" dirty="0"/>
+              <a:rPr lang="en-GB" sz="2800" dirty="0"/>
+              <a:t> is a set of </a:t>
+            </a:r>
+            <a:r>
+              <a:rPr lang="en-GB" sz="2800" i="1" dirty="0"/>
               <a:t>(ℓ,b)</a:t>
             </a:r>
             <a:r>
-              <a:rPr lang="en-GB" dirty="0"/>
+              <a:rPr lang="en-GB" sz="2800" dirty="0"/>
               <a:t> basic block </a:t>
             </a:r>
             <a:r>
-              <a:rPr lang="en-GB" i="1" dirty="0"/>
+              <a:rPr lang="en-GB" sz="2800" i="1" dirty="0"/>
               <a:t>b</a:t>
             </a:r>
             <a:r>
-              <a:rPr lang="en-GB" dirty="0"/>
-              <a:t> </a:t>
-            </a:r>
-            <a:r>
-              <a:rPr lang="en-GB" dirty="0" smtClean="0"/>
-              <a:t>with </a:t>
-            </a:r>
-            <a:r>
-              <a:rPr lang="en-GB" dirty="0"/>
-              <a:t>line number </a:t>
-            </a:r>
-            <a:r>
-              <a:rPr lang="en-GB" i="1" dirty="0"/>
+              <a:rPr lang="en-GB" sz="2800" dirty="0"/>
+              <a:t> with line number </a:t>
+            </a:r>
+            <a:r>
+              <a:rPr lang="en-GB" sz="2800" i="1" dirty="0"/>
               <a:t>ℓ</a:t>
             </a:r>
             <a:r>
-              <a:rPr lang="en-GB" dirty="0"/>
+              <a:rPr lang="en-GB" sz="2800" dirty="0"/>
               <a:t>. </a:t>
             </a:r>
-            <a:endParaRPr lang="en-GB" dirty="0" smtClean="0"/>
-          </a:p>
-          <a:p>
-            <a:r>
-              <a:rPr lang="en-GB" dirty="0" smtClean="0"/>
-              <a:t>The </a:t>
-            </a:r>
-            <a:r>
-              <a:rPr lang="en-GB" dirty="0"/>
-              <a:t>set </a:t>
-            </a:r>
-            <a:r>
-              <a:rPr lang="en-GB" i="1" dirty="0"/>
+          </a:p>
+          <a:p>
+            <a:r>
+              <a:rPr lang="en-GB" sz="2800" dirty="0"/>
+              <a:t>The set </a:t>
+            </a:r>
+            <a:r>
+              <a:rPr lang="en-GB" sz="2800" i="1" dirty="0"/>
               <a:t>B</a:t>
             </a:r>
             <a:r>
-              <a:rPr lang="en-GB" dirty="0"/>
+              <a:rPr lang="en-GB" sz="2800" dirty="0"/>
               <a:t> of elementary statements includes a procedure call statement, and for </a:t>
             </a:r>
             <a:r>
-              <a:rPr lang="en-GB" i="1" dirty="0"/>
+              <a:rPr lang="en-GB" sz="2800" i="1" dirty="0"/>
               <a:t>(ℓ,b), </a:t>
             </a:r>
             <a:r>
-              <a:rPr lang="en-GB" i="1" dirty="0" err="1"/>
+              <a:rPr lang="en-GB" sz="2800" i="1" dirty="0" err="1"/>
               <a:t>b</a:t>
             </a:r>
             <a:r>
-              <a:rPr lang="en-GB" i="1" dirty="0" err="1">
+              <a:rPr lang="en-GB" sz="2800" i="1" dirty="0" err="1">
                 <a:sym typeface="Symbol" panose="05050102010706020507" pitchFamily="18" charset="2"/>
               </a:rPr>
               <a:t></a:t>
             </a:r>
             <a:r>
-              <a:rPr lang="en-GB" i="1" dirty="0" err="1"/>
+              <a:rPr lang="en-GB" sz="2800" i="1" dirty="0" err="1"/>
               <a:t>B</a:t>
             </a:r>
             <a:r>
-              <a:rPr lang="en-GB" dirty="0"/>
+              <a:rPr lang="en-GB" sz="2800" dirty="0"/>
               <a:t> procedure call, we define:</a:t>
             </a:r>
-            <a:endParaRPr lang="en-US" dirty="0"/>
+            <a:endParaRPr lang="en-US" sz="2800" dirty="0"/>
           </a:p>
           <a:p>
             <a:pPr lvl="1"/>
             <a:r>
-              <a:rPr lang="en-GB" i="1" dirty="0"/>
+              <a:rPr lang="en-GB" sz="2800" i="1" dirty="0"/>
               <a:t>target(b)</a:t>
             </a:r>
             <a:r>
-              <a:rPr lang="en-GB" dirty="0"/>
+              <a:rPr lang="en-GB" sz="2800" dirty="0"/>
               <a:t>: name of the called procedure</a:t>
             </a:r>
-            <a:endParaRPr lang="en-US" dirty="0"/>
+            <a:endParaRPr lang="en-US" sz="2800" dirty="0"/>
           </a:p>
           <a:p>
             <a:pPr lvl="1"/>
             <a:r>
-              <a:rPr lang="en-GB" i="1" dirty="0" err="1"/>
+              <a:rPr lang="en-GB" sz="2800" i="1" dirty="0" err="1"/>
               <a:t>arg</a:t>
             </a:r>
             <a:r>
-              <a:rPr lang="en-GB" i="1" dirty="0"/>
+              <a:rPr lang="en-GB" sz="2800" i="1" dirty="0"/>
               <a:t>(b)=a</a:t>
             </a:r>
             <a:r>
-              <a:rPr lang="en-GB" i="1" baseline="-25000" dirty="0"/>
+              <a:rPr lang="en-GB" sz="2800" i="1" baseline="-25000" dirty="0"/>
               <a:t>0</a:t>
             </a:r>
             <a:r>
-              <a:rPr lang="en-GB" i="1" dirty="0"/>
+              <a:rPr lang="en-GB" sz="2800" i="1" dirty="0"/>
               <a:t>,…,a</a:t>
             </a:r>
             <a:r>
-              <a:rPr lang="en-GB" i="1" baseline="-25000" dirty="0"/>
+              <a:rPr lang="en-GB" sz="2800" i="1" baseline="-25000" dirty="0"/>
               <a:t>n</a:t>
             </a:r>
             <a:r>
-              <a:rPr lang="en-GB" dirty="0"/>
+              <a:rPr lang="en-GB" sz="2800" dirty="0"/>
               <a:t>: arguments of the call</a:t>
             </a:r>
-            <a:endParaRPr lang="en-US" dirty="0"/>
+            <a:endParaRPr lang="en-US" sz="2800" dirty="0"/>
           </a:p>
           <a:p>
             <a:pPr lvl="1"/>
             <a:r>
-              <a:rPr lang="en-GB" i="1" dirty="0" smtClean="0"/>
+              <a:rPr lang="en-GB" sz="2800" i="1" dirty="0"/>
               <a:t>RDA(</a:t>
             </a:r>
             <a:r>
-              <a:rPr lang="en-GB" i="1" dirty="0" err="1" smtClean="0"/>
+              <a:rPr lang="en-GB" sz="2800" i="1" dirty="0" err="1"/>
               <a:t>p,X</a:t>
             </a:r>
             <a:r>
-              <a:rPr lang="en-GB" i="1" dirty="0"/>
+              <a:rPr lang="en-GB" sz="2800" i="1" dirty="0"/>
               <a:t>, ℓ) = {(x, ℓ’)|</a:t>
             </a:r>
             <a:r>
-              <a:rPr lang="en-GB" i="1" dirty="0" err="1"/>
+              <a:rPr lang="en-GB" sz="2800" i="1" dirty="0" err="1"/>
               <a:t>x</a:t>
             </a:r>
             <a:r>
-              <a:rPr lang="en-GB" i="1" dirty="0" err="1">
+              <a:rPr lang="en-GB" sz="2800" i="1" dirty="0" err="1">
                 <a:sym typeface="Symbol" panose="05050102010706020507" pitchFamily="18" charset="2"/>
               </a:rPr>
               <a:t></a:t>
             </a:r>
             <a:r>
-              <a:rPr lang="en-GB" i="1" dirty="0" err="1"/>
+              <a:rPr lang="en-GB" sz="2800" i="1" dirty="0" err="1"/>
               <a:t>X</a:t>
             </a:r>
             <a:r>
-              <a:rPr lang="en-GB" i="1" dirty="0"/>
+              <a:rPr lang="en-GB" sz="2800" i="1"/>
               <a:t>}</a:t>
             </a:r>
             <a:r>
-              <a:rPr lang="en-GB" dirty="0"/>
-              <a:t> </a:t>
-            </a:r>
-            <a:r>
-              <a:rPr lang="en-GB" dirty="0" err="1" smtClean="0"/>
-              <a:t>isthe</a:t>
-            </a:r>
-            <a:r>
-              <a:rPr lang="en-GB" dirty="0" smtClean="0"/>
-              <a:t> </a:t>
-            </a:r>
-            <a:r>
-              <a:rPr lang="en-GB" dirty="0"/>
+              <a:rPr lang="en-GB" sz="2800"/>
+              <a:t> is the </a:t>
+            </a:r>
+            <a:r>
+              <a:rPr lang="en-GB" sz="2800" dirty="0"/>
               <a:t>line number </a:t>
             </a:r>
             <a:r>
-              <a:rPr lang="en-GB" i="1" dirty="0"/>
+              <a:rPr lang="en-GB" sz="2800" i="1" dirty="0"/>
               <a:t>ℓ’ </a:t>
             </a:r>
             <a:r>
-              <a:rPr lang="en-GB" dirty="0"/>
+              <a:rPr lang="en-GB" sz="2800" dirty="0"/>
               <a:t>of the last assignment in procedure </a:t>
             </a:r>
             <a:r>
-              <a:rPr lang="en-GB" i="1" dirty="0"/>
+              <a:rPr lang="en-GB" sz="2800" i="1" dirty="0"/>
               <a:t>p </a:t>
             </a:r>
             <a:r>
-              <a:rPr lang="en-GB" dirty="0"/>
+              <a:rPr lang="en-GB" sz="2800" dirty="0"/>
               <a:t>for each variable </a:t>
             </a:r>
             <a:r>
-              <a:rPr lang="en-GB" i="1" dirty="0"/>
+              <a:rPr lang="en-GB" sz="2800" i="1" dirty="0"/>
               <a:t>x</a:t>
             </a:r>
             <a:r>
-              <a:rPr lang="en-GB" dirty="0"/>
+              <a:rPr lang="en-GB" sz="2800" dirty="0"/>
               <a:t>.</a:t>
             </a:r>
+            <a:endParaRPr lang="en-US" sz="2800" dirty="0"/>
+          </a:p>
+          <a:p>
             <a:endParaRPr lang="en-US" dirty="0"/>
           </a:p>
-          <a:p>
-            <a:endParaRPr lang="en-US" dirty="0"/>
-          </a:p>
-        </p:txBody>
-      </p:sp>
+        </p:txBody>
+      </p:sp>
+      <p:pic>
+        <p:nvPicPr>
+          <p:cNvPr id="4" name="Picture 3"/>
+          <p:cNvPicPr>
+            <a:picLocks noChangeAspect="1"/>
+          </p:cNvPicPr>
+          <p:nvPr/>
+        </p:nvPicPr>
+        <p:blipFill>
+          <a:blip r:embed="rId2">
+            <a:extLst>
+              <a:ext uri="{28A0092B-C50C-407E-A947-70E740481C1C}">
+                <a14:useLocalDpi xmlns:a14="http://schemas.microsoft.com/office/drawing/2010/main" val="0"/>
+              </a:ext>
+            </a:extLst>
+          </a:blip>
+          <a:stretch>
+            <a:fillRect/>
+          </a:stretch>
+        </p:blipFill>
+        <p:spPr>
+          <a:xfrm>
+            <a:off x="10375682" y="5586412"/>
+            <a:ext cx="1663918" cy="1130300"/>
+          </a:xfrm>
+          <a:prstGeom prst="rect">
+            <a:avLst/>
+          </a:prstGeom>
+        </p:spPr>
+      </p:pic>
     </p:spTree>
     <p:extLst>
       <p:ext uri="{BB962C8B-B14F-4D97-AF65-F5344CB8AC3E}">
@@ -3519,18 +4462,54 @@
           <a:lstStyle/>
           <a:p>
             <a:r>
-              <a:rPr lang="en-GB" dirty="0" smtClean="0"/>
+              <a:rPr lang="en-GB" b="1" dirty="0">
+                <a:solidFill>
+                  <a:schemeClr val="accent6">
+                    <a:lumMod val="50000"/>
+                  </a:schemeClr>
+                </a:solidFill>
+                <a:latin typeface="Consolas" charset="0"/>
+                <a:ea typeface="Consolas" charset="0"/>
+                <a:cs typeface="Consolas" charset="0"/>
+              </a:rPr>
               <a:t>The </a:t>
             </a:r>
             <a:r>
-              <a:rPr lang="en-GB" dirty="0" err="1" smtClean="0"/>
+              <a:rPr lang="en-GB" b="1" dirty="0" err="1">
+                <a:solidFill>
+                  <a:schemeClr val="accent6">
+                    <a:lumMod val="50000"/>
+                  </a:schemeClr>
+                </a:solidFill>
+                <a:latin typeface="Consolas" charset="0"/>
+                <a:ea typeface="Consolas" charset="0"/>
+                <a:cs typeface="Consolas" charset="0"/>
+              </a:rPr>
               <a:t>PyRun_SimpleFile</a:t>
             </a:r>
             <a:r>
-              <a:rPr lang="en-GB" dirty="0" smtClean="0"/>
+              <a:rPr lang="en-GB" b="1" dirty="0">
+                <a:solidFill>
+                  <a:schemeClr val="accent6">
+                    <a:lumMod val="50000"/>
+                  </a:schemeClr>
+                </a:solidFill>
+                <a:latin typeface="Consolas" charset="0"/>
+                <a:ea typeface="Consolas" charset="0"/>
+                <a:cs typeface="Consolas" charset="0"/>
+              </a:rPr>
               <a:t> API call </a:t>
             </a:r>
-            <a:endParaRPr lang="en-US" dirty="0"/>
+            <a:endParaRPr lang="en-US" b="1" dirty="0">
+              <a:solidFill>
+                <a:schemeClr val="accent6">
+                  <a:lumMod val="50000"/>
+                </a:schemeClr>
+              </a:solidFill>
+              <a:latin typeface="Consolas" charset="0"/>
+              <a:ea typeface="Consolas" charset="0"/>
+              <a:cs typeface="Consolas" charset="0"/>
+            </a:endParaRPr>
           </a:p>
         </p:txBody>
       </p:sp>
@@ -3552,229 +4531,259 @@
             <a:pPr marL="0" indent="0">
               <a:buNone/>
             </a:pPr>
-            <a:endParaRPr lang="en-GB" dirty="0" smtClean="0"/>
+            <a:endParaRPr lang="en-GB" dirty="0"/>
           </a:p>
           <a:p>
             <a:pPr marL="0" indent="0">
               <a:buNone/>
             </a:pPr>
             <a:r>
-              <a:rPr lang="en-GB" dirty="0" smtClean="0"/>
+              <a:rPr lang="en-GB" sz="2800" dirty="0"/>
               <a:t>If </a:t>
             </a:r>
             <a:r>
-              <a:rPr lang="en-GB" i="1" dirty="0"/>
+              <a:rPr lang="en-GB" sz="2800" i="1" dirty="0"/>
               <a:t>(ℓ,b), </a:t>
             </a:r>
             <a:r>
-              <a:rPr lang="en-GB" i="1" dirty="0" err="1"/>
+              <a:rPr lang="en-GB" sz="2800" i="1" dirty="0" err="1"/>
               <a:t>b</a:t>
             </a:r>
             <a:r>
-              <a:rPr lang="en-GB" i="1" dirty="0" err="1">
+              <a:rPr lang="en-GB" sz="2800" i="1" dirty="0" err="1">
                 <a:sym typeface="Symbol" panose="05050102010706020507" pitchFamily="18" charset="2"/>
               </a:rPr>
               <a:t></a:t>
             </a:r>
             <a:r>
-              <a:rPr lang="en-GB" i="1" dirty="0" err="1"/>
+              <a:rPr lang="en-GB" sz="2800" i="1" dirty="0" err="1"/>
               <a:t>B</a:t>
             </a:r>
             <a:r>
-              <a:rPr lang="en-GB" dirty="0"/>
+              <a:rPr lang="en-GB" sz="2800" dirty="0"/>
               <a:t>, </a:t>
             </a:r>
             <a:r>
-              <a:rPr lang="en-GB" i="1" dirty="0"/>
+              <a:rPr lang="en-GB" sz="2800" i="1" dirty="0"/>
               <a:t>target(b)=</a:t>
             </a:r>
             <a:r>
-              <a:rPr lang="en-GB" dirty="0" err="1"/>
+              <a:rPr lang="en-GB" sz="2800" dirty="0" err="1"/>
               <a:t>PyRun_SimpleFile</a:t>
             </a:r>
-            <a:endParaRPr lang="en-US" dirty="0"/>
+            <a:endParaRPr lang="en-US" sz="2800" dirty="0"/>
           </a:p>
           <a:p>
             <a:pPr marL="0" indent="0">
               <a:buNone/>
             </a:pPr>
             <a:r>
-              <a:rPr lang="en-GB" dirty="0"/>
+              <a:rPr lang="en-GB" sz="2800" dirty="0"/>
               <a:t> For </a:t>
             </a:r>
             <a:r>
-              <a:rPr lang="en-GB" i="1" dirty="0"/>
+              <a:rPr lang="en-GB" sz="2800" i="1" dirty="0"/>
               <a:t>(x,ℓ’)</a:t>
             </a:r>
             <a:r>
-              <a:rPr lang="en-GB" i="1" dirty="0">
+              <a:rPr lang="en-GB" sz="2800" i="1" dirty="0">
                 <a:sym typeface="Symbol" panose="05050102010706020507" pitchFamily="18" charset="2"/>
               </a:rPr>
               <a:t></a:t>
             </a:r>
             <a:r>
-              <a:rPr lang="en-GB" i="1" dirty="0"/>
+              <a:rPr lang="en-GB" sz="2800" i="1" dirty="0"/>
               <a:t>RDA(p,{a</a:t>
             </a:r>
             <a:r>
-              <a:rPr lang="en-GB" i="1" baseline="-25000" dirty="0"/>
+              <a:rPr lang="en-GB" sz="2800" i="1" baseline="-25000" dirty="0"/>
               <a:t>0</a:t>
             </a:r>
             <a:r>
-              <a:rPr lang="en-GB" i="1" dirty="0"/>
+              <a:rPr lang="en-GB" sz="2800" i="1" dirty="0"/>
               <a:t>},ℓ), </a:t>
             </a:r>
             <a:r>
-              <a:rPr lang="en-GB" dirty="0"/>
+              <a:rPr lang="en-GB" sz="2800" dirty="0"/>
               <a:t>with</a:t>
             </a:r>
             <a:r>
-              <a:rPr lang="en-GB" i="1" dirty="0"/>
+              <a:rPr lang="en-GB" sz="2800" i="1" dirty="0"/>
               <a:t> </a:t>
             </a:r>
             <a:r>
-              <a:rPr lang="en-GB" i="1" dirty="0" err="1"/>
+              <a:rPr lang="en-GB" sz="2800" i="1" dirty="0" err="1"/>
               <a:t>arg</a:t>
             </a:r>
             <a:r>
-              <a:rPr lang="en-GB" i="1" dirty="0"/>
+              <a:rPr lang="en-GB" sz="2800" i="1" dirty="0"/>
               <a:t>(b)=a</a:t>
             </a:r>
             <a:r>
-              <a:rPr lang="en-GB" i="1" baseline="-25000" dirty="0"/>
+              <a:rPr lang="en-GB" sz="2800" i="1" baseline="-25000" dirty="0"/>
               <a:t>0</a:t>
             </a:r>
             <a:r>
-              <a:rPr lang="en-GB" i="1" dirty="0"/>
+              <a:rPr lang="en-GB" sz="2800" i="1" dirty="0"/>
               <a:t>,…,a</a:t>
             </a:r>
             <a:r>
-              <a:rPr lang="en-GB" i="1" baseline="-25000" dirty="0"/>
+              <a:rPr lang="en-GB" sz="2800" i="1" baseline="-25000" dirty="0"/>
               <a:t>n</a:t>
             </a:r>
-            <a:endParaRPr lang="en-US" dirty="0"/>
+            <a:endParaRPr lang="en-US" sz="2800" dirty="0"/>
           </a:p>
           <a:p>
             <a:pPr marL="0" indent="0">
               <a:buNone/>
             </a:pPr>
             <a:r>
-              <a:rPr lang="en-GB" dirty="0"/>
+              <a:rPr lang="en-GB" sz="2800" dirty="0"/>
               <a:t>   Calculate </a:t>
             </a:r>
             <a:r>
-              <a:rPr lang="en-GB" i="1" dirty="0"/>
+              <a:rPr lang="en-GB" sz="2800" i="1" dirty="0"/>
               <a:t>y=</a:t>
             </a:r>
             <a:r>
-              <a:rPr lang="en-GB" i="1" dirty="0" err="1"/>
+              <a:rPr lang="en-GB" sz="2800" i="1" dirty="0" err="1"/>
               <a:t>Eval</a:t>
             </a:r>
             <a:r>
-              <a:rPr lang="en-GB" i="1" dirty="0"/>
+              <a:rPr lang="en-GB" sz="2800" i="1" dirty="0"/>
               <a:t>(x, ℓ’), </a:t>
             </a:r>
             <a:r>
-              <a:rPr lang="en-GB" dirty="0"/>
+              <a:rPr lang="en-GB" sz="2800" dirty="0"/>
               <a:t>and if</a:t>
             </a:r>
             <a:r>
-              <a:rPr lang="en-GB" i="1" dirty="0"/>
+              <a:rPr lang="en-GB" sz="2800" i="1" dirty="0"/>
               <a:t> y</a:t>
             </a:r>
             <a:r>
-              <a:rPr lang="en-GB" i="1" dirty="0">
+              <a:rPr lang="en-GB" sz="2800" i="1" dirty="0">
                 <a:sym typeface="Symbol" panose="05050102010706020507" pitchFamily="18" charset="2"/>
               </a:rPr>
               <a:t></a:t>
             </a:r>
             <a:r>
-              <a:rPr lang="en-GB" i="1" dirty="0"/>
+              <a:rPr lang="en-GB" sz="2800" i="1" dirty="0"/>
               <a:t>, </a:t>
             </a:r>
-            <a:endParaRPr lang="en-US" dirty="0"/>
+            <a:endParaRPr lang="en-US" sz="2800" dirty="0"/>
           </a:p>
           <a:p>
             <a:pPr marL="0" indent="0">
               <a:buNone/>
             </a:pPr>
             <a:r>
-              <a:rPr lang="en-GB" dirty="0"/>
+              <a:rPr lang="en-GB" sz="2800" dirty="0"/>
               <a:t>     Add </a:t>
             </a:r>
             <a:r>
-              <a:rPr lang="en-GB" i="1" dirty="0"/>
+              <a:rPr lang="en-GB" sz="2800" i="1" dirty="0"/>
               <a:t>(y,</a:t>
             </a:r>
             <a:r>
-              <a:rPr lang="en-GB" i="1" dirty="0">
+              <a:rPr lang="en-GB" sz="2800" i="1" dirty="0">
                 <a:sym typeface="Symbol" panose="05050102010706020507" pitchFamily="18" charset="2"/>
               </a:rPr>
               <a:t></a:t>
             </a:r>
             <a:r>
-              <a:rPr lang="en-GB" i="1" dirty="0"/>
+              <a:rPr lang="en-GB" sz="2800" i="1" dirty="0"/>
               <a:t>) </a:t>
             </a:r>
             <a:r>
-              <a:rPr lang="en-GB" dirty="0"/>
+              <a:rPr lang="en-GB" sz="2800" dirty="0"/>
               <a:t>to </a:t>
             </a:r>
             <a:r>
-              <a:rPr lang="en-GB" i="1" dirty="0"/>
+              <a:rPr lang="en-GB" sz="2800" i="1" dirty="0"/>
               <a:t>V</a:t>
             </a:r>
             <a:r>
-              <a:rPr lang="en-GB" i="1" baseline="-25000" dirty="0"/>
+              <a:rPr lang="en-GB" sz="2800" i="1" baseline="-25000" dirty="0"/>
               <a:t>C</a:t>
             </a:r>
             <a:r>
-              <a:rPr lang="en-GB" dirty="0"/>
+              <a:rPr lang="en-GB" sz="2800" dirty="0"/>
               <a:t> and </a:t>
             </a:r>
             <a:r>
-              <a:rPr lang="en-GB" i="1" dirty="0"/>
+              <a:rPr lang="en-GB" sz="2800" i="1" dirty="0"/>
               <a:t>((p,</a:t>
             </a:r>
             <a:r>
-              <a:rPr lang="en-GB" i="1" dirty="0">
+              <a:rPr lang="en-GB" sz="2800" i="1" dirty="0">
                 <a:sym typeface="Symbol" panose="05050102010706020507" pitchFamily="18" charset="2"/>
               </a:rPr>
               <a:t></a:t>
             </a:r>
             <a:r>
-              <a:rPr lang="en-GB" i="1" dirty="0"/>
+              <a:rPr lang="en-GB" sz="2800" i="1" dirty="0"/>
               <a:t>),(y,</a:t>
             </a:r>
             <a:r>
-              <a:rPr lang="en-GB" i="1" dirty="0">
+              <a:rPr lang="en-GB" sz="2800" i="1" dirty="0">
                 <a:sym typeface="Symbol" panose="05050102010706020507" pitchFamily="18" charset="2"/>
               </a:rPr>
               <a:t></a:t>
             </a:r>
             <a:r>
-              <a:rPr lang="en-GB" i="1" dirty="0"/>
+              <a:rPr lang="en-GB" sz="2800" i="1" dirty="0"/>
               <a:t>)) </a:t>
             </a:r>
             <a:r>
-              <a:rPr lang="en-GB" dirty="0"/>
+              <a:rPr lang="en-GB" sz="2800" dirty="0"/>
               <a:t>to </a:t>
             </a:r>
             <a:r>
-              <a:rPr lang="en-GB" i="1" dirty="0"/>
+              <a:rPr lang="en-GB" sz="2800" i="1" dirty="0"/>
               <a:t>E</a:t>
             </a:r>
             <a:r>
-              <a:rPr lang="en-GB" i="1" baseline="-25000" dirty="0"/>
+              <a:rPr lang="en-GB" sz="2800" i="1" baseline="-25000" dirty="0"/>
               <a:t>C</a:t>
             </a:r>
-            <a:endParaRPr lang="en-US" dirty="0"/>
-          </a:p>
-          <a:p>
-            <a:endParaRPr lang="en-US" dirty="0"/>
-          </a:p>
-        </p:txBody>
-      </p:sp>
+            <a:endParaRPr lang="en-US" sz="2800" dirty="0"/>
+          </a:p>
+          <a:p>
+            <a:endParaRPr lang="en-US" sz="2800" dirty="0"/>
+          </a:p>
+        </p:txBody>
+      </p:sp>
+      <p:pic>
+        <p:nvPicPr>
+          <p:cNvPr id="4" name="Picture 3"/>
+          <p:cNvPicPr>
+            <a:picLocks noChangeAspect="1"/>
+          </p:cNvPicPr>
+          <p:nvPr/>
+        </p:nvPicPr>
+        <p:blipFill>
+          <a:blip r:embed="rId2">
+            <a:extLst>
+              <a:ext uri="{28A0092B-C50C-407E-A947-70E740481C1C}">
+                <a14:useLocalDpi xmlns:a14="http://schemas.microsoft.com/office/drawing/2010/main" val="0"/>
+              </a:ext>
+            </a:extLst>
+          </a:blip>
+          <a:stretch>
+            <a:fillRect/>
+          </a:stretch>
+        </p:blipFill>
+        <p:spPr>
+          <a:xfrm>
+            <a:off x="10375682" y="5586412"/>
+            <a:ext cx="1663918" cy="1130300"/>
+          </a:xfrm>
+          <a:prstGeom prst="rect">
+            <a:avLst/>
+          </a:prstGeom>
+        </p:spPr>
+      </p:pic>
     </p:spTree>
     <p:extLst>
       <p:ext uri="{BB962C8B-B14F-4D97-AF65-F5344CB8AC3E}">
@@ -3821,18 +4830,54 @@
           <a:lstStyle/>
           <a:p>
             <a:r>
-              <a:rPr lang="en-GB" dirty="0"/>
+              <a:rPr lang="en-GB" b="1" dirty="0">
+                <a:solidFill>
+                  <a:schemeClr val="accent6">
+                    <a:lumMod val="50000"/>
+                  </a:schemeClr>
+                </a:solidFill>
+                <a:latin typeface="Consolas" charset="0"/>
+                <a:ea typeface="Consolas" charset="0"/>
+                <a:cs typeface="Consolas" charset="0"/>
+              </a:rPr>
               <a:t>The </a:t>
             </a:r>
             <a:r>
-              <a:rPr lang="en-GB" dirty="0" err="1"/>
+              <a:rPr lang="en-GB" b="1" dirty="0" err="1">
+                <a:solidFill>
+                  <a:schemeClr val="accent6">
+                    <a:lumMod val="50000"/>
+                  </a:schemeClr>
+                </a:solidFill>
+                <a:latin typeface="Consolas" charset="0"/>
+                <a:ea typeface="Consolas" charset="0"/>
+                <a:cs typeface="Consolas" charset="0"/>
+              </a:rPr>
               <a:t>PyObject_CallObject</a:t>
             </a:r>
             <a:r>
-              <a:rPr lang="en-GB" dirty="0"/>
+              <a:rPr lang="en-GB" b="1" dirty="0">
+                <a:solidFill>
+                  <a:schemeClr val="accent6">
+                    <a:lumMod val="50000"/>
+                  </a:schemeClr>
+                </a:solidFill>
+                <a:latin typeface="Consolas" charset="0"/>
+                <a:ea typeface="Consolas" charset="0"/>
+                <a:cs typeface="Consolas" charset="0"/>
+              </a:rPr>
               <a:t> API </a:t>
             </a:r>
-            <a:endParaRPr lang="en-US" dirty="0"/>
+            <a:endParaRPr lang="en-US" b="1" dirty="0">
+              <a:solidFill>
+                <a:schemeClr val="accent6">
+                  <a:lumMod val="50000"/>
+                </a:schemeClr>
+              </a:solidFill>
+              <a:latin typeface="Consolas" charset="0"/>
+              <a:ea typeface="Consolas" charset="0"/>
+              <a:cs typeface="Consolas" charset="0"/>
+            </a:endParaRPr>
           </a:p>
         </p:txBody>
       </p:sp>
@@ -3861,298 +4906,328 @@
               <a:buNone/>
             </a:pPr>
             <a:r>
-              <a:rPr lang="en-GB" dirty="0" smtClean="0"/>
+              <a:rPr lang="en-GB" sz="2800" dirty="0"/>
               <a:t>If </a:t>
             </a:r>
             <a:r>
-              <a:rPr lang="en-GB" i="1" dirty="0"/>
+              <a:rPr lang="en-GB" sz="2800" i="1" dirty="0"/>
               <a:t>(ℓ,b), </a:t>
             </a:r>
             <a:r>
-              <a:rPr lang="en-GB" i="1" dirty="0" err="1"/>
+              <a:rPr lang="en-GB" sz="2800" i="1" dirty="0" err="1"/>
               <a:t>b</a:t>
             </a:r>
             <a:r>
-              <a:rPr lang="en-GB" i="1" dirty="0" err="1">
+              <a:rPr lang="en-GB" sz="2800" i="1" dirty="0" err="1">
                 <a:sym typeface="Symbol" panose="05050102010706020507" pitchFamily="18" charset="2"/>
               </a:rPr>
               <a:t></a:t>
             </a:r>
             <a:r>
-              <a:rPr lang="en-GB" i="1" dirty="0" err="1"/>
+              <a:rPr lang="en-GB" sz="2800" i="1" dirty="0" err="1"/>
               <a:t>B</a:t>
             </a:r>
             <a:r>
-              <a:rPr lang="en-GB" dirty="0"/>
+              <a:rPr lang="en-GB" sz="2800" dirty="0"/>
               <a:t>, </a:t>
             </a:r>
             <a:r>
-              <a:rPr lang="en-GB" i="1" dirty="0"/>
+              <a:rPr lang="en-GB" sz="2800" i="1" dirty="0"/>
               <a:t>target(b)=</a:t>
             </a:r>
             <a:r>
-              <a:rPr lang="en-GB" dirty="0" err="1"/>
+              <a:rPr lang="en-GB" sz="2800" dirty="0" err="1"/>
               <a:t>PyObject_CallObject</a:t>
             </a:r>
-            <a:endParaRPr lang="en-US" dirty="0"/>
+            <a:endParaRPr lang="en-US" sz="2800" dirty="0"/>
           </a:p>
           <a:p>
             <a:pPr marL="0" indent="0">
               <a:buNone/>
             </a:pPr>
             <a:r>
-              <a:rPr lang="en-GB" dirty="0"/>
+              <a:rPr lang="en-GB" sz="2800" dirty="0"/>
               <a:t> For </a:t>
             </a:r>
             <a:r>
-              <a:rPr lang="en-GB" i="1" dirty="0"/>
+              <a:rPr lang="en-GB" sz="2800" i="1" dirty="0"/>
               <a:t>(x</a:t>
             </a:r>
             <a:r>
-              <a:rPr lang="en-GB" i="1" baseline="-25000" dirty="0"/>
+              <a:rPr lang="en-GB" sz="2800" i="1" baseline="-25000" dirty="0"/>
               <a:t>i</a:t>
             </a:r>
             <a:r>
-              <a:rPr lang="en-GB" i="1" dirty="0"/>
+              <a:rPr lang="en-GB" sz="2800" i="1" dirty="0"/>
               <a:t>,ℓ’)</a:t>
             </a:r>
             <a:r>
-              <a:rPr lang="en-GB" i="1" dirty="0">
+              <a:rPr lang="en-GB" sz="2800" i="1" dirty="0">
                 <a:sym typeface="Symbol" panose="05050102010706020507" pitchFamily="18" charset="2"/>
               </a:rPr>
               <a:t></a:t>
             </a:r>
             <a:r>
-              <a:rPr lang="en-GB" i="1" dirty="0"/>
+              <a:rPr lang="en-GB" sz="2800" i="1" dirty="0"/>
               <a:t>RDA(p,{a</a:t>
             </a:r>
             <a:r>
-              <a:rPr lang="en-GB" i="1" baseline="-25000" dirty="0"/>
+              <a:rPr lang="en-GB" sz="2800" i="1" baseline="-25000" dirty="0"/>
               <a:t>0</a:t>
             </a:r>
             <a:r>
-              <a:rPr lang="en-GB" i="1" dirty="0"/>
+              <a:rPr lang="en-GB" sz="2800" i="1" dirty="0"/>
               <a:t>},ℓ), </a:t>
             </a:r>
             <a:r>
-              <a:rPr lang="en-GB" dirty="0"/>
+              <a:rPr lang="en-GB" sz="2800" dirty="0"/>
               <a:t>with</a:t>
             </a:r>
             <a:r>
-              <a:rPr lang="en-GB" i="1" dirty="0"/>
+              <a:rPr lang="en-GB" sz="2800" i="1" dirty="0"/>
               <a:t> </a:t>
             </a:r>
             <a:r>
-              <a:rPr lang="en-GB" i="1" dirty="0" err="1"/>
+              <a:rPr lang="en-GB" sz="2800" i="1" dirty="0" err="1"/>
               <a:t>arg</a:t>
             </a:r>
             <a:r>
-              <a:rPr lang="en-GB" i="1" dirty="0"/>
+              <a:rPr lang="en-GB" sz="2800" i="1" dirty="0"/>
               <a:t>(b)=</a:t>
             </a:r>
             <a:r>
-              <a:rPr lang="en-GB" i="1" dirty="0" err="1"/>
+              <a:rPr lang="en-GB" sz="2800" i="1" dirty="0" err="1"/>
               <a:t>a</a:t>
             </a:r>
             <a:r>
-              <a:rPr lang="en-GB" i="1" baseline="-25000" dirty="0" err="1"/>
+              <a:rPr lang="en-GB" sz="2800" i="1" baseline="-25000" dirty="0" err="1"/>
               <a:t>i</a:t>
             </a:r>
             <a:r>
-              <a:rPr lang="en-GB" i="1" dirty="0"/>
+              <a:rPr lang="en-GB" sz="2800" i="1" dirty="0"/>
               <a:t> </a:t>
             </a:r>
             <a:r>
-              <a:rPr lang="en-GB" i="1" dirty="0" err="1"/>
+              <a:rPr lang="en-GB" sz="2800" i="1" dirty="0" err="1"/>
               <a:t>i</a:t>
             </a:r>
             <a:r>
-              <a:rPr lang="en-GB" i="1" dirty="0"/>
+              <a:rPr lang="en-GB" sz="2800" i="1" dirty="0"/>
               <a:t>=0..n</a:t>
             </a:r>
-            <a:endParaRPr lang="en-US" dirty="0"/>
+            <a:endParaRPr lang="en-US" sz="2800" dirty="0"/>
           </a:p>
           <a:p>
             <a:pPr marL="0" indent="0">
               <a:buNone/>
             </a:pPr>
             <a:r>
-              <a:rPr lang="en-GB" dirty="0"/>
+              <a:rPr lang="en-GB" sz="2800" dirty="0"/>
               <a:t>   Calculate </a:t>
             </a:r>
             <a:r>
-              <a:rPr lang="en-GB" i="1" dirty="0" err="1"/>
+              <a:rPr lang="en-GB" sz="2800" i="1" dirty="0" err="1"/>
               <a:t>y</a:t>
             </a:r>
             <a:r>
-              <a:rPr lang="en-GB" i="1" baseline="-25000" dirty="0" err="1"/>
+              <a:rPr lang="en-GB" sz="2800" i="1" baseline="-25000" dirty="0" err="1"/>
               <a:t>i</a:t>
             </a:r>
             <a:r>
-              <a:rPr lang="en-GB" i="1" dirty="0"/>
+              <a:rPr lang="en-GB" sz="2800" i="1" dirty="0"/>
               <a:t>=</a:t>
             </a:r>
             <a:r>
-              <a:rPr lang="en-GB" i="1" dirty="0" err="1"/>
+              <a:rPr lang="en-GB" sz="2800" i="1" dirty="0" err="1"/>
               <a:t>Eval</a:t>
             </a:r>
             <a:r>
-              <a:rPr lang="en-GB" i="1" dirty="0"/>
+              <a:rPr lang="en-GB" sz="2800" i="1" dirty="0"/>
               <a:t>(x</a:t>
             </a:r>
             <a:r>
-              <a:rPr lang="en-GB" i="1" baseline="-25000" dirty="0"/>
+              <a:rPr lang="en-GB" sz="2800" i="1" baseline="-25000" dirty="0"/>
               <a:t>i</a:t>
             </a:r>
             <a:r>
-              <a:rPr lang="en-GB" i="1" dirty="0"/>
+              <a:rPr lang="en-GB" sz="2800" i="1" dirty="0"/>
               <a:t>, ℓ’), </a:t>
             </a:r>
             <a:r>
-              <a:rPr lang="en-GB" dirty="0"/>
+              <a:rPr lang="en-GB" sz="2800" dirty="0"/>
               <a:t>and if all</a:t>
             </a:r>
             <a:r>
-              <a:rPr lang="en-GB" i="1" dirty="0"/>
+              <a:rPr lang="en-GB" sz="2800" i="1" dirty="0"/>
               <a:t> </a:t>
             </a:r>
             <a:r>
-              <a:rPr lang="en-GB" i="1" dirty="0" err="1"/>
+              <a:rPr lang="en-GB" sz="2800" i="1" dirty="0" err="1"/>
               <a:t>y</a:t>
             </a:r>
             <a:r>
-              <a:rPr lang="en-GB" i="1" baseline="-25000" dirty="0" err="1"/>
+              <a:rPr lang="en-GB" sz="2800" i="1" baseline="-25000" dirty="0" err="1"/>
               <a:t>i</a:t>
             </a:r>
             <a:r>
-              <a:rPr lang="en-GB" i="1" dirty="0">
+              <a:rPr lang="en-GB" sz="2800" i="1" dirty="0">
                 <a:sym typeface="Symbol" panose="05050102010706020507" pitchFamily="18" charset="2"/>
               </a:rPr>
               <a:t></a:t>
             </a:r>
             <a:r>
-              <a:rPr lang="en-GB" i="1" dirty="0"/>
+              <a:rPr lang="en-GB" sz="2800" i="1" dirty="0"/>
               <a:t>, </a:t>
             </a:r>
-            <a:endParaRPr lang="en-US" dirty="0"/>
+            <a:endParaRPr lang="en-US" sz="2800" dirty="0"/>
           </a:p>
           <a:p>
             <a:pPr marL="0" indent="0">
               <a:buNone/>
             </a:pPr>
             <a:r>
-              <a:rPr lang="en-GB" dirty="0"/>
+              <a:rPr lang="en-GB" sz="2800" dirty="0"/>
               <a:t>     Add </a:t>
             </a:r>
             <a:r>
-              <a:rPr lang="en-GB" i="1" dirty="0"/>
+              <a:rPr lang="en-GB" sz="2800" i="1" dirty="0"/>
               <a:t>(y</a:t>
             </a:r>
             <a:r>
-              <a:rPr lang="en-GB" i="1" baseline="-25000" dirty="0"/>
+              <a:rPr lang="en-GB" sz="2800" i="1" baseline="-25000" dirty="0"/>
               <a:t>0</a:t>
             </a:r>
             <a:r>
-              <a:rPr lang="en-GB" i="1" dirty="0"/>
+              <a:rPr lang="en-GB" sz="2800" i="1" dirty="0"/>
               <a:t>,y</a:t>
             </a:r>
             <a:r>
-              <a:rPr lang="en-GB" i="1" baseline="-25000" dirty="0"/>
+              <a:rPr lang="en-GB" sz="2800" i="1" baseline="-25000" dirty="0"/>
               <a:t>1</a:t>
             </a:r>
             <a:r>
-              <a:rPr lang="en-GB" i="1" dirty="0"/>
+              <a:rPr lang="en-GB" sz="2800" i="1" dirty="0"/>
               <a:t>,…,</a:t>
             </a:r>
             <a:r>
-              <a:rPr lang="en-GB" i="1" dirty="0" err="1"/>
+              <a:rPr lang="en-GB" sz="2800" i="1" dirty="0" err="1"/>
               <a:t>y</a:t>
             </a:r>
             <a:r>
-              <a:rPr lang="en-GB" i="1" baseline="-25000" dirty="0" err="1"/>
+              <a:rPr lang="en-GB" sz="2800" i="1" baseline="-25000" dirty="0" err="1"/>
               <a:t>n</a:t>
             </a:r>
             <a:r>
-              <a:rPr lang="en-GB" i="1" dirty="0"/>
+              <a:rPr lang="en-GB" sz="2800" i="1" dirty="0"/>
               <a:t>) </a:t>
             </a:r>
             <a:r>
-              <a:rPr lang="en-GB" dirty="0"/>
+              <a:rPr lang="en-GB" sz="2800" dirty="0"/>
               <a:t>to </a:t>
             </a:r>
             <a:r>
-              <a:rPr lang="en-GB" i="1" dirty="0"/>
+              <a:rPr lang="en-GB" sz="2800" i="1" dirty="0"/>
               <a:t>V</a:t>
             </a:r>
             <a:r>
-              <a:rPr lang="en-GB" i="1" baseline="-25000" dirty="0"/>
+              <a:rPr lang="en-GB" sz="2800" i="1" baseline="-25000" dirty="0"/>
               <a:t>C</a:t>
             </a:r>
             <a:r>
-              <a:rPr lang="en-GB" dirty="0"/>
+              <a:rPr lang="en-GB" sz="2800" dirty="0"/>
               <a:t> , </a:t>
             </a:r>
             <a:r>
-              <a:rPr lang="en-GB" i="1" dirty="0"/>
+              <a:rPr lang="en-GB" sz="2800" i="1" dirty="0"/>
               <a:t>((p,</a:t>
             </a:r>
             <a:r>
-              <a:rPr lang="en-GB" i="1" dirty="0">
+              <a:rPr lang="en-GB" sz="2800" i="1" dirty="0">
                 <a:sym typeface="Symbol" panose="05050102010706020507" pitchFamily="18" charset="2"/>
               </a:rPr>
               <a:t></a:t>
             </a:r>
             <a:r>
-              <a:rPr lang="en-GB" i="1" dirty="0"/>
+              <a:rPr lang="en-GB" sz="2800" i="1" dirty="0"/>
               <a:t>),(y</a:t>
             </a:r>
             <a:r>
-              <a:rPr lang="en-GB" i="1" baseline="-25000" dirty="0"/>
+              <a:rPr lang="en-GB" sz="2800" i="1" baseline="-25000" dirty="0"/>
               <a:t>0</a:t>
             </a:r>
             <a:r>
-              <a:rPr lang="en-GB" i="1" dirty="0"/>
+              <a:rPr lang="en-GB" sz="2800" i="1" dirty="0"/>
               <a:t>,y</a:t>
             </a:r>
             <a:r>
-              <a:rPr lang="en-GB" i="1" baseline="-25000" dirty="0"/>
+              <a:rPr lang="en-GB" sz="2800" i="1" baseline="-25000" dirty="0"/>
               <a:t>1</a:t>
             </a:r>
             <a:r>
-              <a:rPr lang="en-GB" i="1" dirty="0"/>
+              <a:rPr lang="en-GB" sz="2800" i="1" dirty="0"/>
               <a:t>,…,</a:t>
             </a:r>
             <a:r>
-              <a:rPr lang="en-GB" i="1" dirty="0" err="1"/>
+              <a:rPr lang="en-GB" sz="2800" i="1" dirty="0" err="1"/>
               <a:t>y</a:t>
             </a:r>
             <a:r>
-              <a:rPr lang="en-GB" i="1" baseline="-25000" dirty="0" err="1"/>
+              <a:rPr lang="en-GB" sz="2800" i="1" baseline="-25000" dirty="0" err="1"/>
               <a:t>n</a:t>
             </a:r>
             <a:r>
-              <a:rPr lang="en-GB" i="1" dirty="0"/>
+              <a:rPr lang="en-GB" sz="2800" i="1" dirty="0"/>
               <a:t>)) </a:t>
             </a:r>
             <a:r>
-              <a:rPr lang="en-GB" dirty="0"/>
+              <a:rPr lang="en-GB" sz="2800" dirty="0"/>
               <a:t>to </a:t>
             </a:r>
             <a:r>
-              <a:rPr lang="en-GB" i="1" dirty="0"/>
+              <a:rPr lang="en-GB" sz="2800" i="1" dirty="0"/>
               <a:t>E</a:t>
             </a:r>
             <a:r>
-              <a:rPr lang="en-GB" i="1" baseline="-25000" dirty="0"/>
+              <a:rPr lang="en-GB" sz="2800" i="1" baseline="-25000" dirty="0"/>
               <a:t>C</a:t>
             </a:r>
-            <a:endParaRPr lang="en-US" dirty="0"/>
-          </a:p>
-          <a:p>
-            <a:endParaRPr lang="en-US" dirty="0"/>
-          </a:p>
-        </p:txBody>
-      </p:sp>
+            <a:endParaRPr lang="en-US" sz="2800" dirty="0"/>
+          </a:p>
+          <a:p>
+            <a:endParaRPr lang="en-US" sz="2800" dirty="0"/>
+          </a:p>
+        </p:txBody>
+      </p:sp>
+      <p:pic>
+        <p:nvPicPr>
+          <p:cNvPr id="4" name="Picture 3"/>
+          <p:cNvPicPr>
+            <a:picLocks noChangeAspect="1"/>
+          </p:cNvPicPr>
+          <p:nvPr/>
+        </p:nvPicPr>
+        <p:blipFill>
+          <a:blip r:embed="rId2">
+            <a:extLst>
+              <a:ext uri="{28A0092B-C50C-407E-A947-70E740481C1C}">
+                <a14:useLocalDpi xmlns:a14="http://schemas.microsoft.com/office/drawing/2010/main" val="0"/>
+              </a:ext>
+            </a:extLst>
+          </a:blip>
+          <a:stretch>
+            <a:fillRect/>
+          </a:stretch>
+        </p:blipFill>
+        <p:spPr>
+          <a:xfrm>
+            <a:off x="10375682" y="5586412"/>
+            <a:ext cx="1663918" cy="1130300"/>
+          </a:xfrm>
+          <a:prstGeom prst="rect">
+            <a:avLst/>
+          </a:prstGeom>
+        </p:spPr>
+      </p:pic>
     </p:spTree>
     <p:extLst>
       <p:ext uri="{BB962C8B-B14F-4D97-AF65-F5344CB8AC3E}">
@@ -4199,10 +5274,18 @@
           <a:lstStyle/>
           <a:p>
             <a:r>
-              <a:rPr lang="en-US" dirty="0" smtClean="0"/>
+              <a:rPr lang="en-US" b="1" dirty="0">
+                <a:solidFill>
+                  <a:schemeClr val="accent6">
+                    <a:lumMod val="50000"/>
+                  </a:schemeClr>
+                </a:solidFill>
+                <a:latin typeface="Consolas" charset="0"/>
+                <a:ea typeface="Consolas" charset="0"/>
+                <a:cs typeface="Consolas" charset="0"/>
+              </a:rPr>
               <a:t>Example</a:t>
             </a:r>
-            <a:endParaRPr lang="en-US" dirty="0"/>
           </a:p>
         </p:txBody>
       </p:sp>
@@ -4225,8 +5308,8 @@
         </p:blipFill>
         <p:spPr bwMode="auto">
           <a:xfrm>
-            <a:off x="5286165" y="2365336"/>
-            <a:ext cx="5522595" cy="1190625"/>
+            <a:off x="5286165" y="2131715"/>
+            <a:ext cx="6606223" cy="1424246"/>
           </a:xfrm>
           <a:prstGeom prst="rect">
             <a:avLst/>
@@ -4260,8 +5343,8 @@
         </p:blipFill>
         <p:spPr bwMode="auto">
           <a:xfrm>
-            <a:off x="1858538" y="2487256"/>
-            <a:ext cx="2526665" cy="1068705"/>
+            <a:off x="1371600" y="2131715"/>
+            <a:ext cx="3367246" cy="1424246"/>
           </a:xfrm>
           <a:prstGeom prst="rect">
             <a:avLst/>
@@ -4290,7 +5373,7 @@
         </p:blipFill>
         <p:spPr>
           <a:xfrm>
-            <a:off x="2829786" y="3925229"/>
+            <a:off x="2520175" y="4200013"/>
             <a:ext cx="7304049" cy="2516699"/>
           </a:xfrm>
           <a:prstGeom prst="rect">
@@ -4309,7 +5392,7 @@
         </p:nvSpPr>
         <p:spPr>
           <a:xfrm>
-            <a:off x="2509024" y="1996068"/>
+            <a:off x="2302997" y="1714520"/>
             <a:ext cx="1504451" cy="369332"/>
           </a:xfrm>
           <a:prstGeom prst="rect">
@@ -4324,10 +5407,9 @@
           <a:lstStyle/>
           <a:p>
             <a:r>
-              <a:rPr lang="en-US" dirty="0" smtClean="0"/>
+              <a:rPr lang="en-US" dirty="0"/>
               <a:t>Python library</a:t>
             </a:r>
-            <a:endParaRPr lang="en-US" dirty="0"/>
           </a:p>
         </p:txBody>
       </p:sp>
@@ -4339,7 +5421,7 @@
         </p:nvSpPr>
         <p:spPr>
           <a:xfrm>
-            <a:off x="7348654" y="1996068"/>
+            <a:off x="7262928" y="1714520"/>
             <a:ext cx="2651367" cy="369332"/>
           </a:xfrm>
           <a:prstGeom prst="rect">
@@ -4354,10 +5436,9 @@
           <a:lstStyle/>
           <a:p>
             <a:r>
-              <a:rPr lang="en-US" dirty="0" smtClean="0"/>
+              <a:rPr lang="en-US" dirty="0"/>
               <a:t>C Codebase calling python</a:t>
             </a:r>
-            <a:endParaRPr lang="en-US" dirty="0"/>
           </a:p>
         </p:txBody>
       </p:sp>
@@ -4369,8 +5450,8 @@
         </p:nvSpPr>
         <p:spPr>
           <a:xfrm>
-            <a:off x="6096000" y="4045943"/>
-            <a:ext cx="2239780" cy="369332"/>
+            <a:off x="5052309" y="3762123"/>
+            <a:ext cx="2388795" cy="369332"/>
           </a:xfrm>
           <a:prstGeom prst="rect">
             <a:avLst/>
@@ -4384,17 +5465,42 @@
           <a:lstStyle/>
           <a:p>
             <a:r>
-              <a:rPr lang="en-US" dirty="0" smtClean="0"/>
-              <a:t>Multilingual </a:t>
-            </a:r>
-            <a:r>
-              <a:rPr lang="en-US" dirty="0" err="1" smtClean="0"/>
-              <a:t>Callgraph</a:t>
-            </a:r>
-            <a:endParaRPr lang="en-US" dirty="0"/>
-          </a:p>
-        </p:txBody>
-      </p:sp>
+              <a:rPr lang="en-US" dirty="0"/>
+              <a:t>Multilingual Call Graph</a:t>
+            </a:r>
+          </a:p>
+        </p:txBody>
+      </p:sp>
+      <p:pic>
+        <p:nvPicPr>
+          <p:cNvPr id="9" name="Picture 8"/>
+          <p:cNvPicPr>
+            <a:picLocks noChangeAspect="1"/>
+          </p:cNvPicPr>
+          <p:nvPr/>
+        </p:nvPicPr>
+        <p:blipFill>
+          <a:blip r:embed="rId5">
+            <a:extLst>
+              <a:ext uri="{28A0092B-C50C-407E-A947-70E740481C1C}">
+                <a14:useLocalDpi xmlns:a14="http://schemas.microsoft.com/office/drawing/2010/main" val="0"/>
+              </a:ext>
+            </a:extLst>
+          </a:blip>
+          <a:stretch>
+            <a:fillRect/>
+          </a:stretch>
+        </p:blipFill>
+        <p:spPr>
+          <a:xfrm>
+            <a:off x="10375682" y="5586412"/>
+            <a:ext cx="1663918" cy="1130300"/>
+          </a:xfrm>
+          <a:prstGeom prst="rect">
+            <a:avLst/>
+          </a:prstGeom>
+        </p:spPr>
+      </p:pic>
     </p:spTree>
     <p:extLst>
       <p:ext uri="{BB962C8B-B14F-4D97-AF65-F5344CB8AC3E}">
@@ -4435,16 +5541,29 @@
             <p:ph type="title"/>
           </p:nvPr>
         </p:nvSpPr>
-        <p:spPr/>
+        <p:spPr>
+          <a:xfrm>
+            <a:off x="1371600" y="428625"/>
+            <a:ext cx="9601200" cy="1485900"/>
+          </a:xfrm>
+        </p:spPr>
         <p:txBody>
           <a:bodyPr/>
           <a:lstStyle/>
           <a:p>
             <a:r>
-              <a:rPr lang="en-US" dirty="0" smtClean="0"/>
+              <a:rPr lang="en-US" b="1" dirty="0">
+                <a:solidFill>
+                  <a:schemeClr val="accent6">
+                    <a:lumMod val="50000"/>
+                  </a:schemeClr>
+                </a:solidFill>
+                <a:latin typeface="Consolas" charset="0"/>
+                <a:ea typeface="Consolas" charset="0"/>
+                <a:cs typeface="Consolas" charset="0"/>
+              </a:rPr>
               <a:t>Status</a:t>
             </a:r>
-            <a:endParaRPr lang="en-US" dirty="0"/>
           </a:p>
         </p:txBody>
       </p:sp>
@@ -4458,121 +5577,150 @@
             <p:ph idx="1"/>
           </p:nvPr>
         </p:nvSpPr>
-        <p:spPr/>
-        <p:txBody>
-          <a:bodyPr/>
+        <p:spPr>
+          <a:xfrm>
+            <a:off x="1371600" y="1287462"/>
+            <a:ext cx="9601200" cy="5429250"/>
+          </a:xfrm>
+        </p:spPr>
+        <p:txBody>
+          <a:bodyPr>
+            <a:noAutofit/>
+          </a:bodyPr>
           <a:lstStyle/>
           <a:p>
             <a:r>
-              <a:rPr lang="en-US" dirty="0" smtClean="0"/>
+              <a:rPr lang="en-US" sz="2800" dirty="0"/>
               <a:t>Filter modules</a:t>
             </a:r>
           </a:p>
           <a:p>
             <a:pPr lvl="1"/>
             <a:r>
-              <a:rPr lang="en-US" dirty="0" smtClean="0"/>
-              <a:t>Call Graph Generators for C,C++ Python, </a:t>
-            </a:r>
-            <a:r>
-              <a:rPr lang="en-US" dirty="0" err="1" smtClean="0"/>
-              <a:t>Javascript</a:t>
-            </a:r>
-            <a:r>
-              <a:rPr lang="en-US" dirty="0" smtClean="0"/>
-              <a:t/>
+              <a:rPr lang="en-US" sz="2800" dirty="0"/>
+              <a:t>Call Graph Generators for C/C++, Python, and JavaScript</a:t>
             </a:r>
             <a:br>
-              <a:rPr lang="en-US" dirty="0" smtClean="0"/>
+              <a:rPr lang="en-US" sz="2800" dirty="0"/>
             </a:br>
             <a:r>
-              <a:rPr lang="en-US" i="1" dirty="0" smtClean="0"/>
+              <a:rPr lang="en-US" sz="2800" i="1" dirty="0"/>
               <a:t>Status: Non OO calls only, but OO calls statically identified</a:t>
             </a:r>
           </a:p>
           <a:p>
             <a:pPr lvl="1"/>
             <a:r>
-              <a:rPr lang="en-US" dirty="0" smtClean="0"/>
+              <a:rPr lang="en-US" sz="2800" dirty="0"/>
               <a:t>Interoperability filters: </a:t>
             </a:r>
             <a:r>
-              <a:rPr lang="en-US" dirty="0" err="1" smtClean="0"/>
+              <a:rPr lang="en-US" sz="2800" dirty="0" err="1"/>
               <a:t>PyViaC</a:t>
             </a:r>
             <a:r>
-              <a:rPr lang="en-US" dirty="0" smtClean="0"/>
+              <a:rPr lang="en-US" sz="2800" dirty="0"/>
               <a:t>/C++, </a:t>
             </a:r>
             <a:r>
-              <a:rPr lang="en-US" dirty="0" err="1" smtClean="0"/>
+              <a:rPr lang="en-US" sz="2800" dirty="0" err="1"/>
               <a:t>PyViaJs</a:t>
             </a:r>
             <a:r>
-              <a:rPr lang="en-US" dirty="0" smtClean="0"/>
+              <a:rPr lang="en-US" sz="2800" dirty="0"/>
               <a:t>, </a:t>
             </a:r>
             <a:r>
-              <a:rPr lang="en-US" dirty="0" err="1" smtClean="0"/>
+              <a:rPr lang="en-US" sz="2800" dirty="0" err="1"/>
               <a:t>JsViaPy</a:t>
             </a:r>
             <a:r>
-              <a:rPr lang="en-US" dirty="0" smtClean="0"/>
+              <a:rPr lang="en-US" sz="2800" dirty="0"/>
               <a:t> </a:t>
             </a:r>
             <a:br>
-              <a:rPr lang="en-US" dirty="0" smtClean="0"/>
+              <a:rPr lang="en-US" sz="2800" dirty="0"/>
             </a:br>
             <a:r>
-              <a:rPr lang="en-US" i="1" dirty="0" smtClean="0"/>
+              <a:rPr lang="en-US" sz="2800" i="1" dirty="0"/>
               <a:t>Status: One or two API calls implemented for each; none complete.</a:t>
             </a:r>
           </a:p>
           <a:p>
             <a:pPr lvl="1"/>
             <a:r>
-              <a:rPr lang="en-US" dirty="0" smtClean="0"/>
+              <a:rPr lang="en-US" sz="2800" dirty="0"/>
               <a:t>Flow Graph Generators for C/C++</a:t>
             </a:r>
             <a:br>
-              <a:rPr lang="en-US" dirty="0" smtClean="0"/>
+              <a:rPr lang="en-US" sz="2800" dirty="0"/>
             </a:br>
             <a:r>
-              <a:rPr lang="en-US" i="1" dirty="0" smtClean="0"/>
+              <a:rPr lang="en-US" sz="2800" i="1" dirty="0"/>
               <a:t>Status: Partial implementation.</a:t>
             </a:r>
           </a:p>
           <a:p>
             <a:pPr lvl="1"/>
             <a:r>
-              <a:rPr lang="en-US" dirty="0" smtClean="0"/>
+              <a:rPr lang="en-US" sz="2800" dirty="0"/>
               <a:t>Assignment Collector/Static Evaluator for C</a:t>
             </a:r>
             <a:br>
-              <a:rPr lang="en-US" dirty="0" smtClean="0"/>
+              <a:rPr lang="en-US" sz="2800" dirty="0"/>
             </a:br>
             <a:r>
-              <a:rPr lang="en-US" i="1" dirty="0" smtClean="0"/>
+              <a:rPr lang="en-US" sz="2800" i="1" dirty="0"/>
               <a:t>Status: Only evaluates literal assignments</a:t>
             </a:r>
           </a:p>
           <a:p>
             <a:pPr lvl="1"/>
             <a:r>
-              <a:rPr lang="en-US" dirty="0" smtClean="0"/>
+              <a:rPr lang="en-US" sz="2800" dirty="0"/>
               <a:t>Reaching Definitions Module </a:t>
             </a:r>
             <a:br>
-              <a:rPr lang="en-US" dirty="0" smtClean="0"/>
+              <a:rPr lang="en-US" sz="2800" dirty="0"/>
             </a:br>
             <a:r>
-              <a:rPr lang="en-US" i="1" dirty="0" smtClean="0"/>
+              <a:rPr lang="en-US" sz="2800" i="1" dirty="0"/>
               <a:t>Status: Tested on C but is language independent</a:t>
             </a:r>
-            <a:endParaRPr lang="en-US" dirty="0"/>
-          </a:p>
-        </p:txBody>
-      </p:sp>
+            <a:endParaRPr lang="en-US" sz="2800" dirty="0"/>
+          </a:p>
+        </p:txBody>
+      </p:sp>
+      <p:pic>
+        <p:nvPicPr>
+          <p:cNvPr id="4" name="Picture 3"/>
+          <p:cNvPicPr>
+            <a:picLocks noChangeAspect="1"/>
+          </p:cNvPicPr>
+          <p:nvPr/>
+        </p:nvPicPr>
+        <p:blipFill>
+          <a:blip r:embed="rId2">
+            <a:extLst>
+              <a:ext uri="{28A0092B-C50C-407E-A947-70E740481C1C}">
+                <a14:useLocalDpi xmlns:a14="http://schemas.microsoft.com/office/drawing/2010/main" val="0"/>
+              </a:ext>
+            </a:extLst>
+          </a:blip>
+          <a:stretch>
+            <a:fillRect/>
+          </a:stretch>
+        </p:blipFill>
+        <p:spPr>
+          <a:xfrm>
+            <a:off x="10375682" y="5586412"/>
+            <a:ext cx="1663918" cy="1130300"/>
+          </a:xfrm>
+          <a:prstGeom prst="rect">
+            <a:avLst/>
+          </a:prstGeom>
+        </p:spPr>
+      </p:pic>
     </p:spTree>
     <p:extLst>
       <p:ext uri="{BB962C8B-B14F-4D97-AF65-F5344CB8AC3E}">
@@ -4619,10 +5767,28 @@
           <a:lstStyle/>
           <a:p>
             <a:r>
-              <a:rPr lang="en-US" dirty="0" smtClean="0"/>
+              <a:rPr lang="en-US" b="1" dirty="0">
+                <a:solidFill>
+                  <a:schemeClr val="accent6">
+                    <a:lumMod val="50000"/>
+                  </a:schemeClr>
+                </a:solidFill>
+                <a:latin typeface="Consolas" charset="0"/>
+                <a:ea typeface="Consolas" charset="0"/>
+                <a:cs typeface="Consolas" charset="0"/>
+              </a:rPr>
               <a:t>Collaboration</a:t>
             </a:r>
-            <a:endParaRPr lang="en-US" dirty="0"/>
+            <a:endParaRPr lang="en-US" dirty="0">
+              <a:solidFill>
+                <a:schemeClr val="accent6">
+                  <a:lumMod val="50000"/>
+                </a:schemeClr>
+              </a:solidFill>
+              <a:latin typeface="Consolas" charset="0"/>
+              <a:ea typeface="Consolas" charset="0"/>
+              <a:cs typeface="Consolas" charset="0"/>
+            </a:endParaRPr>
           </a:p>
         </p:txBody>
       </p:sp>
@@ -4636,82 +5802,144 @@
             <p:ph idx="1"/>
           </p:nvPr>
         </p:nvSpPr>
-        <p:spPr/>
-        <p:txBody>
-          <a:bodyPr/>
+        <p:spPr>
+          <a:xfrm>
+            <a:off x="1371600" y="1516062"/>
+            <a:ext cx="9601200" cy="5200650"/>
+          </a:xfrm>
+        </p:spPr>
+        <p:txBody>
+          <a:bodyPr>
+            <a:noAutofit/>
+          </a:bodyPr>
           <a:lstStyle/>
           <a:p>
             <a:r>
-              <a:rPr lang="en-US" dirty="0" smtClean="0"/>
+              <a:rPr lang="en-US" sz="2800" dirty="0"/>
               <a:t>MLSA is open-source and freely available at</a:t>
             </a:r>
           </a:p>
           <a:p>
             <a:pPr lvl="1"/>
             <a:r>
-              <a:rPr lang="en-US" dirty="0" smtClean="0"/>
-              <a:t>TWIKI URL – please fill these in</a:t>
-            </a:r>
+              <a:rPr lang="en-US" sz="2800" dirty="0"/>
+              <a:t>TWIKI – </a:t>
+            </a:r>
+            <a:r>
+              <a:rPr lang="en-US" sz="2800" dirty="0">
+                <a:hlinkClick r:id="rId2"/>
+              </a:rPr>
+              <a:t>https://goo.gl/6mvyNS</a:t>
+            </a:r>
+            <a:endParaRPr lang="en-US" sz="2800" dirty="0"/>
           </a:p>
           <a:p>
             <a:pPr lvl="1"/>
             <a:r>
-              <a:rPr lang="en-US" dirty="0" err="1" smtClean="0"/>
+              <a:rPr lang="en-US" sz="2800" dirty="0" err="1"/>
               <a:t>GitHUB</a:t>
             </a:r>
             <a:r>
-              <a:rPr lang="en-US" dirty="0" smtClean="0"/>
-              <a:t> </a:t>
-            </a:r>
-            <a:r>
-              <a:rPr lang="en-US" dirty="0" err="1" smtClean="0"/>
-              <a:t>url</a:t>
-            </a:r>
-            <a:endParaRPr lang="en-US" dirty="0" smtClean="0"/>
+              <a:rPr lang="en-US" sz="2800" dirty="0"/>
+              <a:t> – </a:t>
+            </a:r>
+            <a:r>
+              <a:rPr lang="en-US" sz="2800" dirty="0">
+                <a:hlinkClick r:id="rId3"/>
+              </a:rPr>
+              <a:t>https://git.io/MLSA</a:t>
+            </a:r>
+            <a:endParaRPr lang="en-US" sz="2800" dirty="0"/>
           </a:p>
           <a:p>
             <a:pPr lvl="1"/>
             <a:r>
-              <a:rPr lang="en-US" dirty="0" smtClean="0"/>
-              <a:t>Email address</a:t>
-            </a:r>
-          </a:p>
-          <a:p>
-            <a:r>
-              <a:rPr lang="en-US" dirty="0" smtClean="0"/>
+              <a:rPr lang="en-US" sz="2800" dirty="0"/>
+              <a:t>Email – </a:t>
+            </a:r>
+            <a:r>
+              <a:rPr lang="en-US" sz="2800" dirty="0">
+                <a:hlinkClick r:id="rId4"/>
+              </a:rPr>
+              <a:t>multilingualsa@gmail.com</a:t>
+            </a:r>
+            <a:endParaRPr lang="en-US" sz="2800" dirty="0"/>
+          </a:p>
+          <a:p>
+            <a:r>
+              <a:rPr lang="en-US" sz="2800" dirty="0"/>
               <a:t>We are actively seeking open source collaborators and participants</a:t>
             </a:r>
           </a:p>
           <a:p>
             <a:r>
-              <a:rPr lang="en-US" dirty="0" smtClean="0"/>
-              <a:t>There are videos available at XXXX showing </a:t>
+              <a:rPr lang="en-US" sz="2800" dirty="0"/>
+              <a:t>There are videos available at </a:t>
+            </a:r>
+            <a:r>
+              <a:rPr lang="en-US" sz="2800" dirty="0">
+                <a:hlinkClick r:id="rId5"/>
+              </a:rPr>
+              <a:t>https://goo.gl/g8ra15</a:t>
+            </a:r>
+            <a:r>
+              <a:rPr lang="en-US" sz="2800" dirty="0"/>
+              <a:t> showing </a:t>
             </a:r>
           </a:p>
           <a:p>
             <a:pPr lvl="1"/>
             <a:r>
-              <a:rPr lang="en-US" dirty="0" smtClean="0"/>
+              <a:rPr lang="en-US" sz="2800" dirty="0"/>
               <a:t>How to download and install MLSA</a:t>
             </a:r>
           </a:p>
           <a:p>
             <a:pPr lvl="1"/>
             <a:r>
-              <a:rPr lang="en-US" dirty="0" smtClean="0"/>
+              <a:rPr lang="en-US" sz="2800" dirty="0"/>
               <a:t>How to test on the test folders provided</a:t>
             </a:r>
           </a:p>
           <a:p>
             <a:pPr lvl="1"/>
             <a:r>
-              <a:rPr lang="en-US" dirty="0" smtClean="0"/>
+              <a:rPr lang="en-US" sz="2800" dirty="0"/>
               <a:t>How to add to MLSA</a:t>
             </a:r>
-            <a:endParaRPr lang="en-US" dirty="0"/>
-          </a:p>
-        </p:txBody>
-      </p:sp>
+          </a:p>
+        </p:txBody>
+      </p:sp>
+      <p:pic>
+        <p:nvPicPr>
+          <p:cNvPr id="4" name="Picture 3"/>
+          <p:cNvPicPr>
+            <a:picLocks noChangeAspect="1"/>
+          </p:cNvPicPr>
+          <p:nvPr/>
+        </p:nvPicPr>
+        <p:blipFill>
+          <a:blip r:embed="rId6">
+            <a:extLst>
+              <a:ext uri="{28A0092B-C50C-407E-A947-70E740481C1C}">
+                <a14:useLocalDpi xmlns:a14="http://schemas.microsoft.com/office/drawing/2010/main" val="0"/>
+              </a:ext>
+            </a:extLst>
+          </a:blip>
+          <a:stretch>
+            <a:fillRect/>
+          </a:stretch>
+        </p:blipFill>
+        <p:spPr>
+          <a:xfrm>
+            <a:off x="10375682" y="5586412"/>
+            <a:ext cx="1663918" cy="1130300"/>
+          </a:xfrm>
+          <a:prstGeom prst="rect">
+            <a:avLst/>
+          </a:prstGeom>
+        </p:spPr>
+      </p:pic>
     </p:spTree>
     <p:extLst>
       <p:ext uri="{BB962C8B-B14F-4D97-AF65-F5344CB8AC3E}">
@@ -4758,10 +5986,18 @@
           <a:lstStyle/>
           <a:p>
             <a:r>
-              <a:rPr lang="en-US" dirty="0" smtClean="0"/>
+              <a:rPr lang="en-US" b="1" dirty="0">
+                <a:solidFill>
+                  <a:schemeClr val="accent6">
+                    <a:lumMod val="50000"/>
+                  </a:schemeClr>
+                </a:solidFill>
+                <a:latin typeface="Consolas" charset="0"/>
+                <a:ea typeface="Consolas" charset="0"/>
+                <a:cs typeface="Consolas" charset="0"/>
+              </a:rPr>
               <a:t>Conclusion &amp; Future Work</a:t>
             </a:r>
-            <a:endParaRPr lang="en-US" dirty="0"/>
           </a:p>
         </p:txBody>
       </p:sp>
@@ -4775,48 +6011,76 @@
             <p:ph idx="1"/>
           </p:nvPr>
         </p:nvSpPr>
-        <p:spPr/>
-        <p:txBody>
-          <a:bodyPr/>
+        <p:spPr>
+          <a:xfrm>
+            <a:off x="1128712" y="1428750"/>
+            <a:ext cx="9601200" cy="5286375"/>
+          </a:xfrm>
+        </p:spPr>
+        <p:txBody>
+          <a:bodyPr>
+            <a:noAutofit/>
+          </a:bodyPr>
           <a:lstStyle/>
           <a:p>
             <a:r>
-              <a:rPr lang="en-GB" dirty="0"/>
+              <a:rPr lang="en-GB" sz="2800" dirty="0"/>
               <a:t>We propose an architecture comprised of monolingual filter programs that analyse single language AST and identify the cross-language boundary. The filters generate language independent information in CSV format. Additional multilingual filters operate on the CSV files in pipelines. This architecture has advantages of modularity and efficiency and is open-source friendly. </a:t>
             </a:r>
-            <a:endParaRPr lang="en-US" dirty="0"/>
-          </a:p>
-          <a:p>
-            <a:r>
-              <a:rPr lang="en-US" dirty="0" smtClean="0"/>
+            <a:endParaRPr lang="en-US" sz="2800" dirty="0"/>
+          </a:p>
+          <a:p>
+            <a:r>
+              <a:rPr lang="en-US" sz="2800" dirty="0"/>
               <a:t>Future work includes </a:t>
             </a:r>
           </a:p>
           <a:p>
             <a:pPr lvl="1"/>
             <a:r>
-              <a:rPr lang="en-US" dirty="0" smtClean="0"/>
+              <a:rPr lang="en-US" sz="2800" dirty="0"/>
               <a:t>extension of the RDA analysis for more complex interoperability APIs, including use of DATALOG for analysis.</a:t>
             </a:r>
           </a:p>
           <a:p>
             <a:pPr lvl="1"/>
             <a:r>
-              <a:rPr lang="en-US" dirty="0" smtClean="0"/>
-              <a:t>More extensive testing and comparisons of the CGs generated with </a:t>
-            </a:r>
-            <a:r>
-              <a:rPr lang="en-US" smtClean="0"/>
-              <a:t>those for existing </a:t>
-            </a:r>
-            <a:r>
-              <a:rPr lang="en-US" dirty="0" smtClean="0"/>
-              <a:t>CG tools</a:t>
-            </a:r>
-            <a:endParaRPr lang="en-US" dirty="0"/>
-          </a:p>
-        </p:txBody>
-      </p:sp>
+              <a:rPr lang="en-US" sz="2800" dirty="0"/>
+              <a:t>More extensive testing and comparisons of the CGs generated with those for existing CG tools</a:t>
+            </a:r>
+          </a:p>
+        </p:txBody>
+      </p:sp>
+      <p:pic>
+        <p:nvPicPr>
+          <p:cNvPr id="4" name="Picture 3"/>
+          <p:cNvPicPr>
+            <a:picLocks noChangeAspect="1"/>
+          </p:cNvPicPr>
+          <p:nvPr/>
+        </p:nvPicPr>
+        <p:blipFill>
+          <a:blip r:embed="rId2">
+            <a:extLst>
+              <a:ext uri="{28A0092B-C50C-407E-A947-70E740481C1C}">
+                <a14:useLocalDpi xmlns:a14="http://schemas.microsoft.com/office/drawing/2010/main" val="0"/>
+              </a:ext>
+            </a:extLst>
+          </a:blip>
+          <a:stretch>
+            <a:fillRect/>
+          </a:stretch>
+        </p:blipFill>
+        <p:spPr>
+          <a:xfrm>
+            <a:off x="10375682" y="5586412"/>
+            <a:ext cx="1663918" cy="1130300"/>
+          </a:xfrm>
+          <a:prstGeom prst="rect">
+            <a:avLst/>
+          </a:prstGeom>
+        </p:spPr>
+      </p:pic>
     </p:spTree>
     <p:extLst>
       <p:ext uri="{BB962C8B-B14F-4D97-AF65-F5344CB8AC3E}">
@@ -4863,10 +6127,18 @@
           <a:lstStyle/>
           <a:p>
             <a:r>
-              <a:rPr lang="en-US" dirty="0" smtClean="0"/>
+              <a:rPr lang="en-US" b="1" dirty="0">
+                <a:solidFill>
+                  <a:schemeClr val="accent6">
+                    <a:lumMod val="50000"/>
+                  </a:schemeClr>
+                </a:solidFill>
+                <a:latin typeface="Consolas" charset="0"/>
+                <a:ea typeface="Consolas" charset="0"/>
+                <a:cs typeface="Consolas" charset="0"/>
+              </a:rPr>
               <a:t>Motivation</a:t>
             </a:r>
-            <a:endParaRPr lang="en-US" dirty="0"/>
           </a:p>
         </p:txBody>
       </p:sp>
@@ -4880,126 +6152,113 @@
             <p:ph idx="1"/>
           </p:nvPr>
         </p:nvSpPr>
-        <p:spPr/>
-        <p:txBody>
-          <a:bodyPr/>
+        <p:spPr>
+          <a:xfrm>
+            <a:off x="1371600" y="1757363"/>
+            <a:ext cx="9601200" cy="4959349"/>
+          </a:xfrm>
+        </p:spPr>
+        <p:txBody>
+          <a:bodyPr>
+            <a:noAutofit/>
+          </a:bodyPr>
           <a:lstStyle/>
           <a:p>
             <a:pPr marL="0" indent="0">
               <a:buNone/>
             </a:pPr>
             <a:r>
-              <a:rPr lang="en-GB" dirty="0"/>
-              <a:t>Companies with a large software </a:t>
-            </a:r>
-            <a:r>
-              <a:rPr lang="en-GB" dirty="0" smtClean="0"/>
-              <a:t>base:</a:t>
-            </a:r>
-          </a:p>
-          <a:p>
-            <a:r>
-              <a:rPr lang="en-GB" dirty="0"/>
-              <a:t>h</a:t>
-            </a:r>
-            <a:r>
-              <a:rPr lang="en-GB" dirty="0" smtClean="0"/>
-              <a:t>ave to manage </a:t>
-            </a:r>
-            <a:r>
-              <a:rPr lang="en-GB" dirty="0"/>
-              <a:t>software architectures </a:t>
-            </a:r>
-            <a:r>
-              <a:rPr lang="en-GB" dirty="0" smtClean="0"/>
-              <a:t>and </a:t>
-            </a:r>
-            <a:r>
-              <a:rPr lang="en-GB" dirty="0"/>
-              <a:t>libraries </a:t>
-            </a:r>
-            <a:endParaRPr lang="en-GB" dirty="0" smtClean="0"/>
-          </a:p>
-          <a:p>
-            <a:r>
-              <a:rPr lang="en-GB" dirty="0" smtClean="0"/>
-              <a:t>By different developers (in &amp; out house)</a:t>
-            </a:r>
-          </a:p>
-          <a:p>
-            <a:r>
-              <a:rPr lang="en-GB" dirty="0" smtClean="0"/>
-              <a:t>Over many decades</a:t>
-            </a:r>
-          </a:p>
-          <a:p>
-            <a:r>
-              <a:rPr lang="en-GB" dirty="0"/>
-              <a:t>I</a:t>
-            </a:r>
-            <a:r>
-              <a:rPr lang="en-GB" dirty="0" smtClean="0"/>
-              <a:t>n </a:t>
-            </a:r>
-            <a:r>
-              <a:rPr lang="en-GB" dirty="0"/>
-              <a:t>different languages </a:t>
-            </a:r>
-            <a:endParaRPr lang="en-GB" dirty="0" smtClean="0"/>
-          </a:p>
-          <a:p>
-            <a:r>
-              <a:rPr lang="en-GB" dirty="0"/>
-              <a:t>T</a:t>
-            </a:r>
-            <a:r>
-              <a:rPr lang="en-GB" dirty="0" smtClean="0"/>
-              <a:t>o </a:t>
-            </a:r>
-            <a:r>
-              <a:rPr lang="en-GB" dirty="0"/>
-              <a:t>enforce </a:t>
-            </a:r>
-            <a:endParaRPr lang="en-GB" dirty="0" smtClean="0"/>
+              <a:rPr lang="en-GB" sz="2800" dirty="0"/>
+              <a:t>Companies with a large software base:</a:t>
+            </a:r>
+          </a:p>
+          <a:p>
+            <a:r>
+              <a:rPr lang="en-GB" sz="2800" dirty="0"/>
+              <a:t>have to manage software architectures and libraries that</a:t>
+            </a:r>
           </a:p>
           <a:p>
             <a:pPr lvl="1"/>
             <a:r>
-              <a:rPr lang="en-GB" dirty="0" smtClean="0"/>
-              <a:t>security</a:t>
-            </a:r>
-            <a:r>
-              <a:rPr lang="en-GB" dirty="0"/>
-              <a:t>, </a:t>
-            </a:r>
-            <a:endParaRPr lang="en-GB" dirty="0" smtClean="0"/>
+              <a:rPr lang="en-GB" sz="2800" dirty="0"/>
+              <a:t>Are written by different developers (in &amp; out house)</a:t>
+            </a:r>
           </a:p>
           <a:p>
             <a:pPr lvl="1"/>
             <a:r>
-              <a:rPr lang="en-GB" dirty="0" smtClean="0"/>
-              <a:t>efficiency</a:t>
-            </a:r>
-            <a:r>
-              <a:rPr lang="en-GB" dirty="0"/>
-              <a:t>, and </a:t>
-            </a:r>
-            <a:endParaRPr lang="en-GB" dirty="0" smtClean="0"/>
+              <a:rPr lang="en-GB" sz="2800" dirty="0"/>
+              <a:t>Are developed over many decades</a:t>
+            </a:r>
           </a:p>
           <a:p>
             <a:pPr lvl="1"/>
             <a:r>
-              <a:rPr lang="en-GB" dirty="0" smtClean="0"/>
-              <a:t>quality </a:t>
-            </a:r>
-            <a:r>
-              <a:rPr lang="en-GB" dirty="0"/>
-              <a:t>metrics </a:t>
-            </a:r>
-            <a:endParaRPr lang="en-US" dirty="0"/>
-          </a:p>
-        </p:txBody>
-      </p:sp>
+              <a:rPr lang="en-GB" sz="2800" dirty="0"/>
+              <a:t>Are often in different languages </a:t>
+            </a:r>
+          </a:p>
+          <a:p>
+            <a:r>
+              <a:rPr lang="en-GB" sz="2800" dirty="0"/>
+              <a:t>In order to enforce </a:t>
+            </a:r>
+          </a:p>
+          <a:p>
+            <a:pPr lvl="1"/>
+            <a:r>
+              <a:rPr lang="en-GB" sz="2800" dirty="0"/>
+              <a:t>Security</a:t>
+            </a:r>
+          </a:p>
+          <a:p>
+            <a:pPr lvl="1"/>
+            <a:r>
+              <a:rPr lang="en-GB" sz="2800" dirty="0"/>
+              <a:t>Efficiency</a:t>
+            </a:r>
+          </a:p>
+          <a:p>
+            <a:pPr lvl="1"/>
+            <a:r>
+              <a:rPr lang="en-GB" sz="2800" dirty="0"/>
+              <a:t>Quality Metrics </a:t>
+            </a:r>
+            <a:endParaRPr lang="en-US" sz="2800" dirty="0"/>
+          </a:p>
+        </p:txBody>
+      </p:sp>
+      <p:pic>
+        <p:nvPicPr>
+          <p:cNvPr id="4" name="Picture 3"/>
+          <p:cNvPicPr>
+            <a:picLocks noChangeAspect="1"/>
+          </p:cNvPicPr>
+          <p:nvPr/>
+        </p:nvPicPr>
+        <p:blipFill>
+          <a:blip r:embed="rId2">
+            <a:extLst>
+              <a:ext uri="{28A0092B-C50C-407E-A947-70E740481C1C}">
+                <a14:useLocalDpi xmlns:a14="http://schemas.microsoft.com/office/drawing/2010/main" val="0"/>
+              </a:ext>
+            </a:extLst>
+          </a:blip>
+          <a:stretch>
+            <a:fillRect/>
+          </a:stretch>
+        </p:blipFill>
+        <p:spPr>
+          <a:xfrm>
+            <a:off x="10375682" y="5586412"/>
+            <a:ext cx="1663918" cy="1130300"/>
+          </a:xfrm>
+          <a:prstGeom prst="rect">
+            <a:avLst/>
+          </a:prstGeom>
+        </p:spPr>
+      </p:pic>
     </p:spTree>
     <p:extLst>
       <p:ext uri="{BB962C8B-B14F-4D97-AF65-F5344CB8AC3E}">
@@ -5040,24 +6299,29 @@
             <p:ph type="title"/>
           </p:nvPr>
         </p:nvSpPr>
-        <p:spPr/>
+        <p:spPr>
+          <a:xfrm>
+            <a:off x="1371600" y="542925"/>
+            <a:ext cx="9601200" cy="1485900"/>
+          </a:xfrm>
+        </p:spPr>
         <p:txBody>
           <a:bodyPr/>
           <a:lstStyle/>
           <a:p>
             <a:r>
-              <a:rPr lang="en-US" dirty="0" smtClean="0"/>
-              <a:t>Why is Multilingual Software a </a:t>
-            </a:r>
-            <a:r>
-              <a:rPr lang="en-US" dirty="0"/>
-              <a:t>P</a:t>
-            </a:r>
-            <a:r>
-              <a:rPr lang="en-US" dirty="0" smtClean="0"/>
-              <a:t>roblem?</a:t>
-            </a:r>
-            <a:endParaRPr lang="en-US" dirty="0"/>
+              <a:rPr lang="en-US" b="1" dirty="0">
+                <a:solidFill>
+                  <a:schemeClr val="accent6">
+                    <a:lumMod val="50000"/>
+                  </a:schemeClr>
+                </a:solidFill>
+                <a:latin typeface="Consolas" charset="0"/>
+                <a:ea typeface="Consolas" charset="0"/>
+                <a:cs typeface="Consolas" charset="0"/>
+              </a:rPr>
+              <a:t>Why is Multilingual Software a Problem?</a:t>
+            </a:r>
           </a:p>
         </p:txBody>
       </p:sp>
@@ -5071,102 +6335,85 @@
             <p:ph idx="1"/>
           </p:nvPr>
         </p:nvSpPr>
-        <p:spPr/>
-        <p:txBody>
-          <a:bodyPr/>
+        <p:spPr>
+          <a:xfrm>
+            <a:off x="1100138" y="2171700"/>
+            <a:ext cx="9601200" cy="4572000"/>
+          </a:xfrm>
+        </p:spPr>
+        <p:txBody>
+          <a:bodyPr>
+            <a:noAutofit/>
+          </a:bodyPr>
           <a:lstStyle/>
           <a:p>
             <a:r>
-              <a:rPr lang="en-GB" dirty="0"/>
+              <a:rPr lang="en-GB" sz="2800" dirty="0"/>
               <a:t>A multilingual codebase gives rise to many software engineering issues, including</a:t>
             </a:r>
-            <a:endParaRPr lang="en-US" dirty="0"/>
+            <a:endParaRPr lang="en-US" sz="2800" dirty="0"/>
           </a:p>
           <a:p>
             <a:pPr lvl="1"/>
             <a:r>
-              <a:rPr lang="en-GB" dirty="0"/>
-              <a:t>Redundancy, e.g., procedures in several different language libraries for the same functionality, necessitating refactoring </a:t>
-            </a:r>
-            <a:r>
-              <a:rPr lang="en-US" dirty="0"/>
-              <a:t>(</a:t>
-            </a:r>
-            <a:r>
-              <a:rPr lang="en-US" dirty="0" err="1"/>
-              <a:t>Strien</a:t>
-            </a:r>
-            <a:r>
-              <a:rPr lang="en-US" dirty="0"/>
-              <a:t>, </a:t>
-            </a:r>
-            <a:r>
-              <a:rPr lang="en-US" dirty="0" err="1"/>
-              <a:t>Kratz</a:t>
-            </a:r>
-            <a:r>
-              <a:rPr lang="en-US" dirty="0"/>
-              <a:t>, &amp; Lowe, 2006)</a:t>
-            </a:r>
-            <a:r>
-              <a:rPr lang="en-GB" dirty="0"/>
-              <a:t>.</a:t>
-            </a:r>
-            <a:endParaRPr lang="en-US" dirty="0"/>
+              <a:rPr lang="en-GB" sz="2800" dirty="0"/>
+              <a:t>Redundancy, e.g., procedures in several different language libraries for the same functionality, necessitating refactoring</a:t>
+            </a:r>
           </a:p>
           <a:p>
             <a:pPr lvl="1"/>
             <a:r>
-              <a:rPr lang="en-GB" dirty="0"/>
-              <a:t>Debugging complexity as languages interact with each other in unexpected ways </a:t>
-            </a:r>
-            <a:r>
-              <a:rPr lang="en-US" dirty="0"/>
-              <a:t>(Hong &amp; al, 2015)</a:t>
-            </a:r>
-            <a:r>
-              <a:rPr lang="en-GB" dirty="0"/>
-              <a:t>.</a:t>
-            </a:r>
-            <a:endParaRPr lang="en-US" dirty="0"/>
+              <a:rPr lang="en-GB" sz="2800" dirty="0"/>
+              <a:t>Debugging complexity as languages interact with each other in unexpected ways</a:t>
+            </a:r>
           </a:p>
           <a:p>
             <a:pPr lvl="1"/>
             <a:r>
-              <a:rPr lang="en-GB" dirty="0"/>
-              <a:t>Security issues relating to what information is exposed when one language procedure is called from another </a:t>
-            </a:r>
-            <a:r>
-              <a:rPr lang="en-US" dirty="0"/>
-              <a:t>(Lee, </a:t>
-            </a:r>
-            <a:r>
-              <a:rPr lang="en-US" dirty="0" err="1"/>
-              <a:t>Doby</a:t>
-            </a:r>
-            <a:r>
-              <a:rPr lang="en-US" dirty="0"/>
-              <a:t>, &amp; </a:t>
-            </a:r>
-            <a:r>
-              <a:rPr lang="en-US" dirty="0" err="1"/>
-              <a:t>Ryu</a:t>
-            </a:r>
-            <a:r>
-              <a:rPr lang="en-US" dirty="0"/>
-              <a:t>, 2016)</a:t>
-            </a:r>
-            <a:r>
-              <a:rPr lang="en-GB" dirty="0"/>
-              <a:t>.</a:t>
-            </a:r>
-            <a:endParaRPr lang="en-US" dirty="0"/>
-          </a:p>
-          <a:p>
-            <a:endParaRPr lang="en-US" dirty="0"/>
-          </a:p>
-        </p:txBody>
-      </p:sp>
+              <a:rPr lang="en-GB" sz="2800" dirty="0"/>
+              <a:t>Security issues relating to what information is exposed when one language procedure is called from another</a:t>
+            </a:r>
+          </a:p>
+          <a:p>
+            <a:pPr lvl="7"/>
+            <a:r>
+              <a:rPr lang="en-GB" sz="2200" dirty="0"/>
+              <a:t>Problem of opacity when one language calls another</a:t>
+            </a:r>
+            <a:endParaRPr lang="en-US" sz="2200" dirty="0"/>
+          </a:p>
+        </p:txBody>
+      </p:sp>
+      <p:pic>
+        <p:nvPicPr>
+          <p:cNvPr id="4" name="Picture 3"/>
+          <p:cNvPicPr>
+            <a:picLocks noChangeAspect="1"/>
+          </p:cNvPicPr>
+          <p:nvPr/>
+        </p:nvPicPr>
+        <p:blipFill>
+          <a:blip r:embed="rId2">
+            <a:extLst>
+              <a:ext uri="{28A0092B-C50C-407E-A947-70E740481C1C}">
+                <a14:useLocalDpi xmlns:a14="http://schemas.microsoft.com/office/drawing/2010/main" val="0"/>
+              </a:ext>
+            </a:extLst>
+          </a:blip>
+          <a:stretch>
+            <a:fillRect/>
+          </a:stretch>
+        </p:blipFill>
+        <p:spPr>
+          <a:xfrm>
+            <a:off x="10375682" y="5586412"/>
+            <a:ext cx="1663918" cy="1130300"/>
+          </a:xfrm>
+          <a:prstGeom prst="rect">
+            <a:avLst/>
+          </a:prstGeom>
+        </p:spPr>
+      </p:pic>
     </p:spTree>
     <p:extLst>
       <p:ext uri="{BB962C8B-B14F-4D97-AF65-F5344CB8AC3E}">
@@ -5207,16 +6454,29 @@
             <p:ph type="title"/>
           </p:nvPr>
         </p:nvSpPr>
-        <p:spPr/>
+        <p:spPr>
+          <a:xfrm>
+            <a:off x="1385887" y="428625"/>
+            <a:ext cx="9601200" cy="1485900"/>
+          </a:xfrm>
+        </p:spPr>
         <p:txBody>
           <a:bodyPr/>
           <a:lstStyle/>
           <a:p>
             <a:r>
-              <a:rPr lang="en-US" dirty="0" smtClean="0"/>
+              <a:rPr lang="en-US" b="1" dirty="0">
+                <a:solidFill>
+                  <a:schemeClr val="accent6">
+                    <a:lumMod val="50000"/>
+                  </a:schemeClr>
+                </a:solidFill>
+                <a:latin typeface="Consolas" charset="0"/>
+                <a:ea typeface="Consolas" charset="0"/>
+                <a:cs typeface="Consolas" charset="0"/>
+              </a:rPr>
               <a:t>Approaches to the problem</a:t>
             </a:r>
-            <a:endParaRPr lang="en-US" dirty="0"/>
           </a:p>
         </p:txBody>
       </p:sp>
@@ -5230,177 +6490,110 @@
             <p:ph idx="1"/>
           </p:nvPr>
         </p:nvSpPr>
-        <p:spPr/>
-        <p:txBody>
-          <a:bodyPr/>
+        <p:spPr>
+          <a:xfrm>
+            <a:off x="1042987" y="1401762"/>
+            <a:ext cx="9601200" cy="5314950"/>
+          </a:xfrm>
+        </p:spPr>
+        <p:txBody>
+          <a:bodyPr>
+            <a:noAutofit/>
+          </a:bodyPr>
           <a:lstStyle/>
           <a:p>
             <a:r>
-              <a:rPr lang="en-GB" dirty="0"/>
-              <a:t>D</a:t>
-            </a:r>
-            <a:r>
-              <a:rPr lang="en-GB" dirty="0" smtClean="0"/>
-              <a:t>evelopment </a:t>
-            </a:r>
-            <a:r>
-              <a:rPr lang="en-GB" dirty="0"/>
-              <a:t>tools tend to be language specific, with some cross-platform functionality. </a:t>
-            </a:r>
-            <a:r>
-              <a:rPr lang="en-GB" dirty="0" smtClean="0"/>
-              <a:t>(e.g., </a:t>
-            </a:r>
-            <a:r>
-              <a:rPr lang="en-GB" i="1" dirty="0" err="1" smtClean="0"/>
+              <a:rPr lang="en-GB" sz="2800" dirty="0"/>
+              <a:t>Development tools tend to be language specific, with some cross-platform functionality. (e.g., </a:t>
+            </a:r>
+            <a:r>
+              <a:rPr lang="en-GB" sz="2800" i="1" dirty="0" err="1"/>
               <a:t>Checkmarx</a:t>
             </a:r>
             <a:r>
-              <a:rPr lang="en-GB" i="1" dirty="0" smtClean="0"/>
+              <a:rPr lang="en-GB" sz="2800" i="1" dirty="0"/>
               <a:t> </a:t>
             </a:r>
             <a:r>
-              <a:rPr lang="en-GB" dirty="0"/>
-              <a:t>offers static analysis </a:t>
-            </a:r>
-            <a:r>
-              <a:rPr lang="en-US" dirty="0" smtClean="0"/>
-              <a:t>(Christakis &amp; Bird, 2016)</a:t>
-            </a:r>
-            <a:r>
-              <a:rPr lang="en-GB" dirty="0" smtClean="0"/>
-              <a:t> for </a:t>
-            </a:r>
-            <a:r>
-              <a:rPr lang="en-GB" dirty="0"/>
-              <a:t>a wide range of languages </a:t>
-            </a:r>
-            <a:r>
-              <a:rPr lang="en-GB" dirty="0" smtClean="0"/>
-              <a:t>individually). </a:t>
-            </a:r>
-          </a:p>
-          <a:p>
-            <a:r>
-              <a:rPr lang="en-GB" dirty="0"/>
-              <a:t>One approach </a:t>
-            </a:r>
-            <a:r>
-              <a:rPr lang="en-GB" dirty="0" smtClean="0"/>
-              <a:t>is </a:t>
-            </a:r>
-            <a:r>
-              <a:rPr lang="en-GB" dirty="0"/>
-              <a:t>to instead use a versatile monolingual environment </a:t>
-            </a:r>
-            <a:r>
-              <a:rPr lang="en-US" dirty="0"/>
-              <a:t>(</a:t>
-            </a:r>
-            <a:r>
-              <a:rPr lang="en-US" dirty="0" err="1"/>
-              <a:t>Heering</a:t>
-            </a:r>
-            <a:r>
-              <a:rPr lang="en-US" dirty="0"/>
-              <a:t> &amp; </a:t>
-            </a:r>
-            <a:r>
-              <a:rPr lang="en-US" dirty="0" err="1"/>
-              <a:t>Klint</a:t>
-            </a:r>
-            <a:r>
-              <a:rPr lang="en-US" dirty="0"/>
-              <a:t>, 1985</a:t>
-            </a:r>
-            <a:r>
-              <a:rPr lang="en-US" dirty="0" smtClean="0"/>
-              <a:t>)</a:t>
-            </a:r>
-            <a:r>
-              <a:rPr lang="en-GB" dirty="0" smtClean="0"/>
-              <a:t>.</a:t>
-            </a:r>
-          </a:p>
-          <a:p>
-            <a:r>
-              <a:rPr lang="en-GB" dirty="0" smtClean="0"/>
-              <a:t>‘Reverse </a:t>
-            </a:r>
-            <a:r>
-              <a:rPr lang="en-GB" dirty="0"/>
-              <a:t>engineering’ </a:t>
-            </a:r>
-            <a:r>
-              <a:rPr lang="en-GB" dirty="0" smtClean="0"/>
-              <a:t>approach: leverage </a:t>
-            </a:r>
-            <a:r>
-              <a:rPr lang="en-GB" dirty="0"/>
-              <a:t>a </a:t>
-            </a:r>
-            <a:r>
-              <a:rPr lang="en-GB" dirty="0" smtClean="0"/>
-              <a:t>metalanguage</a:t>
-            </a:r>
-            <a:r>
-              <a:rPr lang="en-GB" dirty="0"/>
-              <a:t>, e.g., Rascal </a:t>
-            </a:r>
-            <a:r>
-              <a:rPr lang="en-US" dirty="0"/>
-              <a:t>(van der Storm &amp; </a:t>
-            </a:r>
-            <a:r>
-              <a:rPr lang="en-US" dirty="0" err="1"/>
-              <a:t>Vinju</a:t>
-            </a:r>
-            <a:r>
-              <a:rPr lang="en-US" dirty="0"/>
-              <a:t>, 2015</a:t>
-            </a:r>
-            <a:r>
-              <a:rPr lang="en-US" dirty="0" smtClean="0"/>
-              <a:t>)</a:t>
-            </a:r>
-            <a:r>
-              <a:rPr lang="en-GB" dirty="0" smtClean="0"/>
-              <a:t>.  </a:t>
-            </a:r>
-          </a:p>
-          <a:p>
-            <a:r>
-              <a:rPr lang="en-GB" dirty="0" smtClean="0"/>
+              <a:rPr lang="en-GB" sz="2800" dirty="0"/>
+              <a:t>offers static analysis)</a:t>
+            </a:r>
+          </a:p>
+          <a:p>
+            <a:r>
+              <a:rPr lang="en-GB" sz="2800" dirty="0"/>
+              <a:t>One approach is to instead use a versatile monolingual environment</a:t>
+            </a:r>
+          </a:p>
+          <a:p>
+            <a:r>
+              <a:rPr lang="en-GB" sz="2800" dirty="0"/>
+              <a:t>‘Reverse engineering’ approach: leverage a metalanguage, e.g., Rascal</a:t>
+            </a:r>
+          </a:p>
+          <a:p>
+            <a:r>
+              <a:rPr lang="en-GB" sz="2800" dirty="0"/>
               <a:t>Proposed Approach: Multilingual will always be with us. Develop lightweight tools to process multilingual codebase into </a:t>
             </a:r>
             <a:r>
-              <a:rPr lang="en-GB" b="1" dirty="0" smtClean="0"/>
+              <a:rPr lang="en-GB" sz="2800" b="1" dirty="0"/>
               <a:t>unified common representations</a:t>
             </a:r>
             <a:r>
-              <a:rPr lang="en-GB" dirty="0" smtClean="0"/>
+              <a:rPr lang="en-GB" sz="2800" dirty="0"/>
               <a:t> such as </a:t>
             </a:r>
             <a:r>
-              <a:rPr lang="en-GB" dirty="0" err="1" smtClean="0"/>
+              <a:rPr lang="en-GB" sz="2800" dirty="0" err="1"/>
               <a:t>callgraphs</a:t>
             </a:r>
             <a:r>
-              <a:rPr lang="en-GB" dirty="0" smtClean="0"/>
+              <a:rPr lang="en-GB" sz="2800" dirty="0"/>
               <a:t>, </a:t>
             </a:r>
             <a:r>
-              <a:rPr lang="en-GB" dirty="0" err="1" smtClean="0"/>
+              <a:rPr lang="en-GB" sz="2800" dirty="0" err="1"/>
               <a:t>flowgraphs</a:t>
             </a:r>
             <a:r>
-              <a:rPr lang="en-GB" dirty="0" smtClean="0"/>
+              <a:rPr lang="en-GB" sz="2800" dirty="0"/>
               <a:t>, etc.</a:t>
             </a:r>
-            <a:endParaRPr lang="en-US" dirty="0"/>
-          </a:p>
-        </p:txBody>
-      </p:sp>
+            <a:endParaRPr lang="en-US" sz="2800" dirty="0"/>
+          </a:p>
+        </p:txBody>
+      </p:sp>
+      <p:pic>
+        <p:nvPicPr>
+          <p:cNvPr id="4" name="Picture 3"/>
+          <p:cNvPicPr>
+            <a:picLocks noChangeAspect="1"/>
+          </p:cNvPicPr>
+          <p:nvPr/>
+        </p:nvPicPr>
+        <p:blipFill>
+          <a:blip r:embed="rId2">
+            <a:extLst>
+              <a:ext uri="{28A0092B-C50C-407E-A947-70E740481C1C}">
+                <a14:useLocalDpi xmlns:a14="http://schemas.microsoft.com/office/drawing/2010/main" val="0"/>
+              </a:ext>
+            </a:extLst>
+          </a:blip>
+          <a:stretch>
+            <a:fillRect/>
+          </a:stretch>
+        </p:blipFill>
+        <p:spPr>
+          <a:xfrm>
+            <a:off x="10375682" y="5586412"/>
+            <a:ext cx="1663918" cy="1130300"/>
+          </a:xfrm>
+          <a:prstGeom prst="rect">
+            <a:avLst/>
+          </a:prstGeom>
+        </p:spPr>
+      </p:pic>
     </p:spTree>
     <p:extLst>
       <p:ext uri="{BB962C8B-B14F-4D97-AF65-F5344CB8AC3E}">
@@ -5411,13 +6604,6 @@
   <p:clrMapOvr>
     <a:masterClrMapping/>
   </p:clrMapOvr>
-  <p:timing>
-    <p:tnLst>
-      <p:par>
-        <p:cTn id="1" dur="indefinite" restart="never" nodeType="tmRoot"/>
-      </p:par>
-    </p:tnLst>
-  </p:timing>
 </p:sld>
 </file>
 
@@ -5450,18 +6636,37 @@
         </p:nvSpPr>
         <p:spPr/>
         <p:txBody>
-          <a:bodyPr/>
+          <a:bodyPr>
+            <a:normAutofit/>
+          </a:bodyPr>
           <a:lstStyle/>
           <a:p>
             <a:r>
-              <a:rPr lang="en-US" dirty="0" err="1" smtClean="0"/>
+              <a:rPr lang="en-US" b="1" dirty="0" err="1">
+                <a:solidFill>
+                  <a:schemeClr val="accent6">
+                    <a:lumMod val="50000"/>
+                  </a:schemeClr>
+                </a:solidFill>
+                <a:latin typeface="Consolas" charset="0"/>
+                <a:ea typeface="Consolas" charset="0"/>
+                <a:cs typeface="Consolas" charset="0"/>
+              </a:rPr>
               <a:t>MultiLingual</a:t>
             </a:r>
             <a:r>
-              <a:rPr lang="en-US" dirty="0" smtClean="0"/>
-              <a:t> Software Analysis (MLSA) Architecture</a:t>
-            </a:r>
-            <a:endParaRPr lang="en-US" dirty="0"/>
+              <a:rPr lang="en-US" b="1" dirty="0">
+                <a:solidFill>
+                  <a:schemeClr val="accent6">
+                    <a:lumMod val="50000"/>
+                  </a:schemeClr>
+                </a:solidFill>
+                <a:latin typeface="Consolas" charset="0"/>
+                <a:ea typeface="Consolas" charset="0"/>
+                <a:cs typeface="Consolas" charset="0"/>
+              </a:rPr>
+              <a:t> Static Analysis (MLSA) Architecture</a:t>
+            </a:r>
           </a:p>
         </p:txBody>
       </p:sp>
@@ -5478,7 +6683,7 @@
         </p:blipFill>
         <p:spPr bwMode="auto">
           <a:xfrm>
-            <a:off x="2261102" y="1921223"/>
+            <a:off x="2203952" y="2095731"/>
             <a:ext cx="7306643" cy="4055831"/>
           </a:xfrm>
           <a:prstGeom prst="rect">
@@ -5503,7 +6708,7 @@
         <p:spPr>
           <a:xfrm>
             <a:off x="4070195" y="6207589"/>
-            <a:ext cx="2278316" cy="369332"/>
+            <a:ext cx="3040961" cy="461665"/>
           </a:xfrm>
           <a:prstGeom prst="rect">
             <a:avLst/>
@@ -5517,10 +6722,351 @@
           <a:lstStyle/>
           <a:p>
             <a:r>
-              <a:rPr lang="en-US" dirty="0" smtClean="0"/>
+              <a:rPr lang="en-US" sz="2400" dirty="0"/>
               <a:t>Data flows left to right</a:t>
             </a:r>
-            <a:endParaRPr lang="en-US" dirty="0"/>
+          </a:p>
+        </p:txBody>
+      </p:sp>
+      <p:pic>
+        <p:nvPicPr>
+          <p:cNvPr id="6" name="Picture 5"/>
+          <p:cNvPicPr>
+            <a:picLocks noChangeAspect="1"/>
+          </p:cNvPicPr>
+          <p:nvPr/>
+        </p:nvPicPr>
+        <p:blipFill>
+          <a:blip r:embed="rId3">
+            <a:extLst>
+              <a:ext uri="{28A0092B-C50C-407E-A947-70E740481C1C}">
+                <a14:useLocalDpi xmlns:a14="http://schemas.microsoft.com/office/drawing/2010/main" val="0"/>
+              </a:ext>
+            </a:extLst>
+          </a:blip>
+          <a:stretch>
+            <a:fillRect/>
+          </a:stretch>
+        </p:blipFill>
+        <p:spPr>
+          <a:xfrm>
+            <a:off x="10375682" y="5586412"/>
+            <a:ext cx="1663918" cy="1130300"/>
+          </a:xfrm>
+          <a:prstGeom prst="rect">
+            <a:avLst/>
+          </a:prstGeom>
+        </p:spPr>
+      </p:pic>
+      <p:sp>
+        <p:nvSpPr>
+          <p:cNvPr id="3" name="Rectangle 2">
+            <a:extLst>
+              <a:ext uri="{FF2B5EF4-FFF2-40B4-BE49-F238E27FC236}">
+                <a16:creationId xmlns:a16="http://schemas.microsoft.com/office/drawing/2014/main" id="{3AE31DA0-689C-4EA1-9065-08B246E302CE}"/>
+              </a:ext>
+            </a:extLst>
+          </p:cNvPr>
+          <p:cNvSpPr/>
+          <p:nvPr/>
+        </p:nvSpPr>
+        <p:spPr>
+          <a:xfrm>
+            <a:off x="2514601" y="2882348"/>
+            <a:ext cx="1262270" cy="566530"/>
+          </a:xfrm>
+          <a:prstGeom prst="rect">
+            <a:avLst/>
+          </a:prstGeom>
+          <a:noFill/>
+          <a:ln>
+            <a:solidFill>
+              <a:srgbClr val="FF0000"/>
+            </a:solidFill>
+          </a:ln>
+        </p:spPr>
+        <p:style>
+          <a:lnRef idx="2">
+            <a:schemeClr val="accent1">
+              <a:shade val="50000"/>
+            </a:schemeClr>
+          </a:lnRef>
+          <a:fillRef idx="1">
+            <a:schemeClr val="accent1"/>
+          </a:fillRef>
+          <a:effectRef idx="0">
+            <a:schemeClr val="accent1"/>
+          </a:effectRef>
+          <a:fontRef idx="minor">
+            <a:schemeClr val="lt1"/>
+          </a:fontRef>
+        </p:style>
+        <p:txBody>
+          <a:bodyPr rtlCol="0" anchor="ctr"/>
+          <a:lstStyle/>
+          <a:p>
+            <a:pPr algn="ctr"/>
+            <a:endParaRPr lang="en-US"/>
+          </a:p>
+        </p:txBody>
+      </p:sp>
+      <p:sp>
+        <p:nvSpPr>
+          <p:cNvPr id="7" name="Rectangle 6">
+            <a:extLst>
+              <a:ext uri="{FF2B5EF4-FFF2-40B4-BE49-F238E27FC236}">
+                <a16:creationId xmlns:a16="http://schemas.microsoft.com/office/drawing/2014/main" id="{E9319C5C-5830-45C7-9175-7BAF6B0D27CA}"/>
+              </a:ext>
+            </a:extLst>
+          </p:cNvPr>
+          <p:cNvSpPr/>
+          <p:nvPr/>
+        </p:nvSpPr>
+        <p:spPr>
+          <a:xfrm>
+            <a:off x="2514601" y="3599335"/>
+            <a:ext cx="1262270" cy="566530"/>
+          </a:xfrm>
+          <a:prstGeom prst="rect">
+            <a:avLst/>
+          </a:prstGeom>
+          <a:noFill/>
+          <a:ln>
+            <a:solidFill>
+              <a:srgbClr val="00B050"/>
+            </a:solidFill>
+          </a:ln>
+        </p:spPr>
+        <p:style>
+          <a:lnRef idx="2">
+            <a:schemeClr val="accent1">
+              <a:shade val="50000"/>
+            </a:schemeClr>
+          </a:lnRef>
+          <a:fillRef idx="1">
+            <a:schemeClr val="accent1"/>
+          </a:fillRef>
+          <a:effectRef idx="0">
+            <a:schemeClr val="accent1"/>
+          </a:effectRef>
+          <a:fontRef idx="minor">
+            <a:schemeClr val="lt1"/>
+          </a:fontRef>
+        </p:style>
+        <p:txBody>
+          <a:bodyPr rtlCol="0" anchor="ctr"/>
+          <a:lstStyle/>
+          <a:p>
+            <a:pPr algn="ctr"/>
+            <a:endParaRPr lang="en-US"/>
+          </a:p>
+        </p:txBody>
+      </p:sp>
+      <p:sp>
+        <p:nvSpPr>
+          <p:cNvPr id="8" name="Rectangle 7">
+            <a:extLst>
+              <a:ext uri="{FF2B5EF4-FFF2-40B4-BE49-F238E27FC236}">
+                <a16:creationId xmlns:a16="http://schemas.microsoft.com/office/drawing/2014/main" id="{F75117CB-A544-4071-B1CD-F53A4C81FE9B}"/>
+              </a:ext>
+            </a:extLst>
+          </p:cNvPr>
+          <p:cNvSpPr/>
+          <p:nvPr/>
+        </p:nvSpPr>
+        <p:spPr>
+          <a:xfrm>
+            <a:off x="2514601" y="4316322"/>
+            <a:ext cx="1262270" cy="579209"/>
+          </a:xfrm>
+          <a:prstGeom prst="rect">
+            <a:avLst/>
+          </a:prstGeom>
+          <a:noFill/>
+          <a:ln>
+            <a:solidFill>
+              <a:srgbClr val="7030A0"/>
+            </a:solidFill>
+          </a:ln>
+        </p:spPr>
+        <p:style>
+          <a:lnRef idx="2">
+            <a:schemeClr val="accent1">
+              <a:shade val="50000"/>
+            </a:schemeClr>
+          </a:lnRef>
+          <a:fillRef idx="1">
+            <a:schemeClr val="accent1"/>
+          </a:fillRef>
+          <a:effectRef idx="0">
+            <a:schemeClr val="accent1"/>
+          </a:effectRef>
+          <a:fontRef idx="minor">
+            <a:schemeClr val="lt1"/>
+          </a:fontRef>
+        </p:style>
+        <p:txBody>
+          <a:bodyPr rtlCol="0" anchor="ctr"/>
+          <a:lstStyle/>
+          <a:p>
+            <a:pPr algn="ctr"/>
+            <a:endParaRPr lang="en-US"/>
+          </a:p>
+        </p:txBody>
+      </p:sp>
+      <p:sp>
+        <p:nvSpPr>
+          <p:cNvPr id="13" name="Rectangle 12">
+            <a:extLst>
+              <a:ext uri="{FF2B5EF4-FFF2-40B4-BE49-F238E27FC236}">
+                <a16:creationId xmlns:a16="http://schemas.microsoft.com/office/drawing/2014/main" id="{24495DA7-9E0C-4F9E-A9FF-96612A2638E1}"/>
+              </a:ext>
+            </a:extLst>
+          </p:cNvPr>
+          <p:cNvSpPr/>
+          <p:nvPr/>
+        </p:nvSpPr>
+        <p:spPr>
+          <a:xfrm>
+            <a:off x="4224130" y="2882348"/>
+            <a:ext cx="1260612" cy="566530"/>
+          </a:xfrm>
+          <a:prstGeom prst="rect">
+            <a:avLst/>
+          </a:prstGeom>
+          <a:noFill/>
+          <a:ln>
+            <a:solidFill>
+              <a:srgbClr val="FF0000"/>
+            </a:solidFill>
+          </a:ln>
+        </p:spPr>
+        <p:style>
+          <a:lnRef idx="2">
+            <a:schemeClr val="accent1">
+              <a:shade val="50000"/>
+            </a:schemeClr>
+          </a:lnRef>
+          <a:fillRef idx="1">
+            <a:schemeClr val="accent1"/>
+          </a:fillRef>
+          <a:effectRef idx="0">
+            <a:schemeClr val="accent1"/>
+          </a:effectRef>
+          <a:fontRef idx="minor">
+            <a:schemeClr val="lt1"/>
+          </a:fontRef>
+        </p:style>
+        <p:txBody>
+          <a:bodyPr rtlCol="0" anchor="ctr"/>
+          <a:lstStyle/>
+          <a:p>
+            <a:pPr algn="ctr"/>
+            <a:endParaRPr lang="en-US"/>
+          </a:p>
+        </p:txBody>
+      </p:sp>
+      <p:sp>
+        <p:nvSpPr>
+          <p:cNvPr id="14" name="Rectangle 13">
+            <a:extLst>
+              <a:ext uri="{FF2B5EF4-FFF2-40B4-BE49-F238E27FC236}">
+                <a16:creationId xmlns:a16="http://schemas.microsoft.com/office/drawing/2014/main" id="{3AFA0EC9-82B7-43BF-A737-D4E62854927D}"/>
+              </a:ext>
+            </a:extLst>
+          </p:cNvPr>
+          <p:cNvSpPr/>
+          <p:nvPr/>
+        </p:nvSpPr>
+        <p:spPr>
+          <a:xfrm>
+            <a:off x="4224129" y="3603874"/>
+            <a:ext cx="1260613" cy="566530"/>
+          </a:xfrm>
+          <a:prstGeom prst="rect">
+            <a:avLst/>
+          </a:prstGeom>
+          <a:noFill/>
+          <a:ln>
+            <a:solidFill>
+              <a:srgbClr val="00B050"/>
+            </a:solidFill>
+          </a:ln>
+        </p:spPr>
+        <p:style>
+          <a:lnRef idx="2">
+            <a:schemeClr val="accent1">
+              <a:shade val="50000"/>
+            </a:schemeClr>
+          </a:lnRef>
+          <a:fillRef idx="1">
+            <a:schemeClr val="accent1"/>
+          </a:fillRef>
+          <a:effectRef idx="0">
+            <a:schemeClr val="accent1"/>
+          </a:effectRef>
+          <a:fontRef idx="minor">
+            <a:schemeClr val="lt1"/>
+          </a:fontRef>
+        </p:style>
+        <p:txBody>
+          <a:bodyPr rtlCol="0" anchor="ctr"/>
+          <a:lstStyle/>
+          <a:p>
+            <a:pPr algn="ctr"/>
+            <a:endParaRPr lang="en-US"/>
+          </a:p>
+        </p:txBody>
+      </p:sp>
+      <p:sp>
+        <p:nvSpPr>
+          <p:cNvPr id="15" name="Rectangle 14">
+            <a:extLst>
+              <a:ext uri="{FF2B5EF4-FFF2-40B4-BE49-F238E27FC236}">
+                <a16:creationId xmlns:a16="http://schemas.microsoft.com/office/drawing/2014/main" id="{CF675CDB-82F6-42A3-B3E0-83F216A2DAB2}"/>
+              </a:ext>
+            </a:extLst>
+          </p:cNvPr>
+          <p:cNvSpPr/>
+          <p:nvPr/>
+        </p:nvSpPr>
+        <p:spPr>
+          <a:xfrm>
+            <a:off x="4224129" y="4322661"/>
+            <a:ext cx="1292087" cy="566530"/>
+          </a:xfrm>
+          <a:prstGeom prst="rect">
+            <a:avLst/>
+          </a:prstGeom>
+          <a:noFill/>
+          <a:ln>
+            <a:solidFill>
+              <a:srgbClr val="7030A0"/>
+            </a:solidFill>
+          </a:ln>
+        </p:spPr>
+        <p:style>
+          <a:lnRef idx="2">
+            <a:schemeClr val="accent1">
+              <a:shade val="50000"/>
+            </a:schemeClr>
+          </a:lnRef>
+          <a:fillRef idx="1">
+            <a:schemeClr val="accent1"/>
+          </a:fillRef>
+          <a:effectRef idx="0">
+            <a:schemeClr val="accent1"/>
+          </a:effectRef>
+          <a:fontRef idx="minor">
+            <a:schemeClr val="lt1"/>
+          </a:fontRef>
+        </p:style>
+        <p:txBody>
+          <a:bodyPr rtlCol="0" anchor="ctr"/>
+          <a:lstStyle/>
+          <a:p>
+            <a:pPr algn="ctr"/>
+            <a:endParaRPr lang="en-US"/>
           </a:p>
         </p:txBody>
       </p:sp>
@@ -5570,10 +7116,18 @@
           <a:lstStyle/>
           <a:p>
             <a:r>
-              <a:rPr lang="en-US" dirty="0" smtClean="0"/>
+              <a:rPr lang="en-US" b="1" dirty="0">
+                <a:solidFill>
+                  <a:schemeClr val="accent6">
+                    <a:lumMod val="50000"/>
+                  </a:schemeClr>
+                </a:solidFill>
+                <a:latin typeface="Consolas" charset="0"/>
+                <a:ea typeface="Consolas" charset="0"/>
+                <a:cs typeface="Consolas" charset="0"/>
+              </a:rPr>
               <a:t>Example</a:t>
             </a:r>
-            <a:endParaRPr lang="en-US" dirty="0"/>
           </a:p>
         </p:txBody>
       </p:sp>
@@ -5613,7 +7167,7 @@
         <p:spPr>
           <a:xfrm>
             <a:off x="2932771" y="5553307"/>
-            <a:ext cx="5600379" cy="369332"/>
+            <a:ext cx="6371809" cy="400110"/>
           </a:xfrm>
           <a:prstGeom prst="rect">
             <a:avLst/>
@@ -5627,13 +7181,42 @@
           <a:lstStyle/>
           <a:p>
             <a:r>
-              <a:rPr lang="en-US" dirty="0" smtClean="0"/>
+              <a:rPr lang="en-US" sz="2000" dirty="0"/>
               <a:t>All intermediate data store in the form of CSV “table” files</a:t>
             </a:r>
-            <a:endParaRPr lang="en-US" dirty="0"/>
-          </a:p>
-        </p:txBody>
-      </p:sp>
+          </a:p>
+        </p:txBody>
+      </p:sp>
+      <p:pic>
+        <p:nvPicPr>
+          <p:cNvPr id="6" name="Picture 5"/>
+          <p:cNvPicPr>
+            <a:picLocks noChangeAspect="1"/>
+          </p:cNvPicPr>
+          <p:nvPr/>
+        </p:nvPicPr>
+        <p:blipFill>
+          <a:blip r:embed="rId3">
+            <a:extLst>
+              <a:ext uri="{28A0092B-C50C-407E-A947-70E740481C1C}">
+                <a14:useLocalDpi xmlns:a14="http://schemas.microsoft.com/office/drawing/2010/main" val="0"/>
+              </a:ext>
+            </a:extLst>
+          </a:blip>
+          <a:stretch>
+            <a:fillRect/>
+          </a:stretch>
+        </p:blipFill>
+        <p:spPr>
+          <a:xfrm>
+            <a:off x="10375682" y="5586412"/>
+            <a:ext cx="1663918" cy="1130300"/>
+          </a:xfrm>
+          <a:prstGeom prst="rect">
+            <a:avLst/>
+          </a:prstGeom>
+        </p:spPr>
+      </p:pic>
     </p:spTree>
     <p:extLst>
       <p:ext uri="{BB962C8B-B14F-4D97-AF65-F5344CB8AC3E}">
@@ -5680,10 +7263,18 @@
           <a:lstStyle/>
           <a:p>
             <a:r>
-              <a:rPr lang="en-US" dirty="0" smtClean="0"/>
+              <a:rPr lang="en-US" b="1" dirty="0">
+                <a:solidFill>
+                  <a:schemeClr val="accent6">
+                    <a:lumMod val="50000"/>
+                  </a:schemeClr>
+                </a:solidFill>
+                <a:latin typeface="Consolas" charset="0"/>
+                <a:ea typeface="Consolas" charset="0"/>
+                <a:cs typeface="Consolas" charset="0"/>
+              </a:rPr>
               <a:t>MLSA Architecture</a:t>
             </a:r>
-            <a:endParaRPr lang="en-US" dirty="0"/>
           </a:p>
         </p:txBody>
       </p:sp>
@@ -5697,87 +7288,90 @@
             <p:ph idx="1"/>
           </p:nvPr>
         </p:nvSpPr>
-        <p:spPr/>
-        <p:txBody>
-          <a:bodyPr/>
+        <p:spPr>
+          <a:xfrm>
+            <a:off x="1042988" y="1671638"/>
+            <a:ext cx="9601200" cy="5186362"/>
+          </a:xfrm>
+        </p:spPr>
+        <p:txBody>
+          <a:bodyPr>
+            <a:noAutofit/>
+          </a:bodyPr>
           <a:lstStyle/>
           <a:p>
             <a:r>
-              <a:rPr lang="en-GB" dirty="0" smtClean="0"/>
+              <a:rPr lang="en-GB" sz="2800" dirty="0"/>
               <a:t>Modularity: </a:t>
             </a:r>
           </a:p>
           <a:p>
             <a:pPr lvl="1"/>
             <a:r>
-              <a:rPr lang="en-GB" dirty="0" smtClean="0"/>
-              <a:t>Adding </a:t>
-            </a:r>
-            <a:r>
-              <a:rPr lang="en-GB" dirty="0"/>
-              <a:t>extra languages just requires adding new monolingual filters for the language. </a:t>
-            </a:r>
-            <a:endParaRPr lang="en-GB" dirty="0" smtClean="0"/>
+              <a:rPr lang="en-GB" sz="2800" dirty="0"/>
+              <a:t>Adding extra languages just requires adding new monolingual filters for the language. </a:t>
+            </a:r>
           </a:p>
           <a:p>
             <a:pPr lvl="1"/>
             <a:r>
-              <a:rPr lang="en-GB" dirty="0"/>
-              <a:t>M</a:t>
-            </a:r>
-            <a:r>
-              <a:rPr lang="en-GB" dirty="0" smtClean="0"/>
-              <a:t>odifying </a:t>
-            </a:r>
-            <a:r>
-              <a:rPr lang="en-GB" dirty="0"/>
-              <a:t>analyses just requires reconfiguration of the analysis </a:t>
-            </a:r>
-            <a:r>
-              <a:rPr lang="en-GB" dirty="0" smtClean="0"/>
-              <a:t>pipeline.</a:t>
+              <a:rPr lang="en-GB" sz="2800" dirty="0"/>
+              <a:t>Modifying analyses just requires reconfiguration of the analysis pipeline.</a:t>
             </a:r>
           </a:p>
           <a:p>
             <a:pPr lvl="1"/>
             <a:r>
-              <a:rPr lang="en-GB" dirty="0" smtClean="0"/>
+              <a:rPr lang="en-GB" sz="2800" dirty="0"/>
               <a:t>New analysis filters can build on existing filters (and their tabular CSV output)</a:t>
             </a:r>
-            <a:endParaRPr lang="en-GB" dirty="0"/>
-          </a:p>
-          <a:p>
-            <a:r>
-              <a:rPr lang="en-GB" dirty="0" smtClean="0"/>
+          </a:p>
+          <a:p>
+            <a:r>
+              <a:rPr lang="en-GB" sz="2800" dirty="0"/>
               <a:t>Computational efficiency:</a:t>
             </a:r>
           </a:p>
           <a:p>
             <a:pPr lvl="1"/>
             <a:r>
-              <a:rPr lang="en-GB" dirty="0" smtClean="0"/>
-              <a:t> </a:t>
-            </a:r>
-            <a:r>
-              <a:rPr lang="en-GB" dirty="0"/>
-              <a:t>The policy of dividing the analysis into pipelines was chosen with the objective of making parallelism and dependency </a:t>
-            </a:r>
-            <a:r>
-              <a:rPr lang="en-GB" dirty="0" smtClean="0"/>
-              <a:t>explicit</a:t>
-            </a:r>
-            <a:r>
-              <a:rPr lang="en-GB" dirty="0"/>
-              <a:t> </a:t>
-            </a:r>
-            <a:r>
-              <a:rPr lang="en-GB" dirty="0" smtClean="0"/>
-              <a:t>to allow for mapping to a cluster/cloud.</a:t>
-            </a:r>
-            <a:endParaRPr lang="en-US" dirty="0" smtClean="0"/>
-          </a:p>
-        </p:txBody>
-      </p:sp>
+              <a:rPr lang="en-GB" sz="2800" dirty="0"/>
+              <a:t> The policy of the pipelines was chosen to make parallelism and dependency explicit to allow for mapping to a cluster/cloud.</a:t>
+            </a:r>
+            <a:endParaRPr lang="en-US" sz="2800" dirty="0"/>
+          </a:p>
+        </p:txBody>
+      </p:sp>
+      <p:pic>
+        <p:nvPicPr>
+          <p:cNvPr id="4" name="Picture 3"/>
+          <p:cNvPicPr>
+            <a:picLocks noChangeAspect="1"/>
+          </p:cNvPicPr>
+          <p:nvPr/>
+        </p:nvPicPr>
+        <p:blipFill>
+          <a:blip r:embed="rId2">
+            <a:extLst>
+              <a:ext uri="{28A0092B-C50C-407E-A947-70E740481C1C}">
+                <a14:useLocalDpi xmlns:a14="http://schemas.microsoft.com/office/drawing/2010/main" val="0"/>
+              </a:ext>
+            </a:extLst>
+          </a:blip>
+          <a:stretch>
+            <a:fillRect/>
+          </a:stretch>
+        </p:blipFill>
+        <p:spPr>
+          <a:xfrm>
+            <a:off x="10375682" y="5586412"/>
+            <a:ext cx="1663918" cy="1130300"/>
+          </a:xfrm>
+          <a:prstGeom prst="rect">
+            <a:avLst/>
+          </a:prstGeom>
+        </p:spPr>
+      </p:pic>
     </p:spTree>
     <p:extLst>
       <p:ext uri="{BB962C8B-B14F-4D97-AF65-F5344CB8AC3E}">
@@ -5824,10 +7418,18 @@
           <a:lstStyle/>
           <a:p>
             <a:r>
-              <a:rPr lang="en-US" dirty="0" smtClean="0"/>
+              <a:rPr lang="en-US" b="1" dirty="0">
+                <a:solidFill>
+                  <a:schemeClr val="accent6">
+                    <a:lumMod val="50000"/>
+                  </a:schemeClr>
+                </a:solidFill>
+                <a:latin typeface="Consolas" charset="0"/>
+                <a:ea typeface="Consolas" charset="0"/>
+                <a:cs typeface="Consolas" charset="0"/>
+              </a:rPr>
               <a:t>Call Graphs</a:t>
             </a:r>
-            <a:endParaRPr lang="en-US" dirty="0"/>
           </a:p>
         </p:txBody>
       </p:sp>
@@ -5841,94 +7443,82 @@
             <p:ph idx="1"/>
           </p:nvPr>
         </p:nvSpPr>
-        <p:spPr/>
-        <p:txBody>
-          <a:bodyPr/>
+        <p:spPr>
+          <a:xfrm>
+            <a:off x="1214438" y="1757362"/>
+            <a:ext cx="9601200" cy="4572000"/>
+          </a:xfrm>
+        </p:spPr>
+        <p:txBody>
+          <a:bodyPr>
+            <a:noAutofit/>
+          </a:bodyPr>
           <a:lstStyle/>
           <a:p>
             <a:r>
-              <a:rPr lang="en-GB" dirty="0"/>
-              <a:t>Call graph analysis (CGA) is a useful software engineering tool </a:t>
-            </a:r>
-            <a:r>
-              <a:rPr lang="en-US" dirty="0"/>
-              <a:t>(Ali &amp; </a:t>
-            </a:r>
-            <a:r>
-              <a:rPr lang="en-US" dirty="0" err="1"/>
-              <a:t>Lhotak</a:t>
-            </a:r>
-            <a:r>
-              <a:rPr lang="en-US" dirty="0"/>
-              <a:t>, 2012)</a:t>
-            </a:r>
-            <a:r>
-              <a:rPr lang="en-GB" dirty="0"/>
-              <a:t>. </a:t>
-            </a:r>
-            <a:endParaRPr lang="en-GB" dirty="0" smtClean="0"/>
-          </a:p>
-          <a:p>
-            <a:r>
-              <a:rPr lang="en-GB" dirty="0" smtClean="0"/>
-              <a:t>In </a:t>
-            </a:r>
-            <a:r>
-              <a:rPr lang="en-GB" dirty="0"/>
-              <a:t>particular, for multilingual code, the call graph can be used to investigate the boundary line between languages, a boundary that is opaque in many tools</a:t>
-            </a:r>
-            <a:r>
-              <a:rPr lang="en-GB" dirty="0" smtClean="0"/>
-              <a:t>.</a:t>
-            </a:r>
-          </a:p>
-          <a:p>
-            <a:r>
-              <a:rPr lang="en-GB" dirty="0" smtClean="0"/>
-              <a:t>Example: </a:t>
-            </a:r>
-            <a:r>
-              <a:rPr lang="en-GB" dirty="0"/>
-              <a:t>a C program </a:t>
-            </a:r>
-            <a:r>
-              <a:rPr lang="en-GB" dirty="0" smtClean="0"/>
-              <a:t>PC may </a:t>
-            </a:r>
-            <a:r>
-              <a:rPr lang="en-GB" dirty="0"/>
-              <a:t>call a Python </a:t>
-            </a:r>
-            <a:r>
-              <a:rPr lang="en-GB" dirty="0" smtClean="0"/>
-              <a:t>PP procedure </a:t>
-            </a:r>
-            <a:r>
-              <a:rPr lang="en-GB" dirty="0"/>
-              <a:t>in addition to many C procedures</a:t>
-            </a:r>
-            <a:r>
-              <a:rPr lang="en-GB" dirty="0" smtClean="0"/>
-              <a:t>. </a:t>
+              <a:rPr lang="en-GB" sz="2800" dirty="0"/>
+              <a:t>Call graph analysis (CGA) is a useful software engineering tool</a:t>
+            </a:r>
+          </a:p>
+          <a:p>
+            <a:r>
+              <a:rPr lang="en-GB" sz="2800" dirty="0"/>
+              <a:t>In particular, for multilingual code, the call graph can be used to investigate the boundary line between languages, a boundary that is opaque in many tools.</a:t>
+            </a:r>
+          </a:p>
+          <a:p>
+            <a:r>
+              <a:rPr lang="en-GB" sz="2800" dirty="0"/>
+              <a:t>Example: a C program PC may call a Python PP procedure in addition to many C procedures. </a:t>
             </a:r>
           </a:p>
           <a:p>
             <a:pPr lvl="1"/>
             <a:r>
-              <a:rPr lang="en-GB" dirty="0" smtClean="0"/>
+              <a:rPr lang="en-GB" sz="2800" dirty="0"/>
               <a:t>All of PC’s calls are reviewed and safe.</a:t>
             </a:r>
           </a:p>
           <a:p>
             <a:pPr lvl="1"/>
             <a:r>
-              <a:rPr lang="en-GB" dirty="0" smtClean="0"/>
+              <a:rPr lang="en-GB" sz="2800" dirty="0"/>
               <a:t>However PP may opaquely call procedures from PC; these may or may not be safe.</a:t>
             </a:r>
-            <a:endParaRPr lang="en-US" dirty="0"/>
-          </a:p>
-        </p:txBody>
-      </p:sp>
+            <a:endParaRPr lang="en-US" sz="2800" dirty="0"/>
+          </a:p>
+        </p:txBody>
+      </p:sp>
+      <p:pic>
+        <p:nvPicPr>
+          <p:cNvPr id="4" name="Picture 3"/>
+          <p:cNvPicPr>
+            <a:picLocks noChangeAspect="1"/>
+          </p:cNvPicPr>
+          <p:nvPr/>
+        </p:nvPicPr>
+        <p:blipFill>
+          <a:blip r:embed="rId2">
+            <a:extLst>
+              <a:ext uri="{28A0092B-C50C-407E-A947-70E740481C1C}">
+                <a14:useLocalDpi xmlns:a14="http://schemas.microsoft.com/office/drawing/2010/main" val="0"/>
+              </a:ext>
+            </a:extLst>
+          </a:blip>
+          <a:stretch>
+            <a:fillRect/>
+          </a:stretch>
+        </p:blipFill>
+        <p:spPr>
+          <a:xfrm>
+            <a:off x="10375682" y="5586412"/>
+            <a:ext cx="1663918" cy="1130300"/>
+          </a:xfrm>
+          <a:prstGeom prst="rect">
+            <a:avLst/>
+          </a:prstGeom>
+        </p:spPr>
+      </p:pic>
     </p:spTree>
     <p:extLst>
       <p:ext uri="{BB962C8B-B14F-4D97-AF65-F5344CB8AC3E}">
@@ -5975,132 +7565,168 @@
           <a:lstStyle/>
           <a:p>
             <a:r>
-              <a:rPr lang="en-US" dirty="0" smtClean="0"/>
+              <a:rPr lang="en-US" b="1" dirty="0">
+                <a:solidFill>
+                  <a:schemeClr val="accent6">
+                    <a:lumMod val="50000"/>
+                  </a:schemeClr>
+                </a:solidFill>
+                <a:latin typeface="Consolas" charset="0"/>
+                <a:ea typeface="Consolas" charset="0"/>
+                <a:cs typeface="Consolas" charset="0"/>
+              </a:rPr>
               <a:t>Interoperability API</a:t>
             </a:r>
+          </a:p>
+        </p:txBody>
+      </p:sp>
+      <p:sp>
+        <p:nvSpPr>
+          <p:cNvPr id="3" name="Content Placeholder 2"/>
+          <p:cNvSpPr>
+            <a:spLocks noGrp="1"/>
+          </p:cNvSpPr>
+          <p:nvPr>
+            <p:ph idx="1"/>
+          </p:nvPr>
+        </p:nvSpPr>
+        <p:spPr/>
+        <p:txBody>
+          <a:bodyPr>
+            <a:normAutofit lnSpcReduction="10000"/>
+          </a:bodyPr>
+          <a:lstStyle/>
+          <a:p>
+            <a:r>
+              <a:rPr lang="en-US" sz="2800" dirty="0"/>
+              <a:t>How calls from one language are made from another</a:t>
+            </a:r>
+          </a:p>
+          <a:p>
+            <a:r>
+              <a:rPr lang="en-GB" sz="2800" dirty="0"/>
+              <a:t>Consider the C/Python boundary API (</a:t>
+            </a:r>
+            <a:r>
+              <a:rPr lang="en-GB" sz="2800" dirty="0" err="1"/>
+              <a:t>Python.h</a:t>
+            </a:r>
+            <a:r>
+              <a:rPr lang="en-GB" sz="2800" dirty="0"/>
+              <a:t>).</a:t>
+            </a:r>
+            <a:br>
+              <a:rPr lang="en-GB" sz="2800" dirty="0"/>
+            </a:br>
+            <a:r>
+              <a:rPr lang="en-GB" sz="2800" dirty="0"/>
+              <a:t>Python code can be called from C non-interactively in the following ways (each of which have several variants and may require setup code):</a:t>
+            </a:r>
+            <a:endParaRPr lang="en-US" sz="2800" dirty="0"/>
+          </a:p>
+          <a:p>
+            <a:pPr lvl="1"/>
+            <a:r>
+              <a:rPr lang="en-GB" sz="2800" dirty="0" err="1"/>
+              <a:t>PyRun_SimpleString</a:t>
+            </a:r>
+            <a:r>
+              <a:rPr lang="en-GB" sz="2800" dirty="0"/>
+              <a:t>(</a:t>
+            </a:r>
+            <a:r>
+              <a:rPr lang="en-GB" sz="2800" dirty="0" err="1"/>
+              <a:t>pyCodeString</a:t>
+            </a:r>
+            <a:r>
+              <a:rPr lang="en-GB" sz="2800" dirty="0"/>
+              <a:t>)</a:t>
+            </a:r>
+            <a:endParaRPr lang="en-US" sz="2800" dirty="0"/>
+          </a:p>
+          <a:p>
+            <a:pPr lvl="1"/>
+            <a:r>
+              <a:rPr lang="en-GB" sz="2800" dirty="0" err="1"/>
+              <a:t>PyRun_SimpleFile</a:t>
+            </a:r>
+            <a:r>
+              <a:rPr lang="en-GB" sz="2800" dirty="0"/>
+              <a:t>(</a:t>
+            </a:r>
+            <a:r>
+              <a:rPr lang="en-GB" sz="2800" dirty="0" err="1"/>
+              <a:t>filePtr</a:t>
+            </a:r>
+            <a:r>
+              <a:rPr lang="en-GB" sz="2800" dirty="0"/>
+              <a:t>, </a:t>
+            </a:r>
+            <a:r>
+              <a:rPr lang="en-GB" sz="2800" dirty="0" err="1"/>
+              <a:t>fileName</a:t>
+            </a:r>
+            <a:r>
+              <a:rPr lang="en-GB" sz="2800" dirty="0"/>
+              <a:t>)</a:t>
+            </a:r>
+            <a:endParaRPr lang="en-US" sz="2800" dirty="0"/>
+          </a:p>
+          <a:p>
+            <a:pPr lvl="1"/>
+            <a:r>
+              <a:rPr lang="en-GB" sz="2800" dirty="0" err="1"/>
+              <a:t>PyObject_CallObject</a:t>
+            </a:r>
+            <a:r>
+              <a:rPr lang="en-GB" sz="2800" dirty="0"/>
+              <a:t>(</a:t>
+            </a:r>
+            <a:r>
+              <a:rPr lang="en-GB" sz="2800" dirty="0" err="1"/>
+              <a:t>pFunc,pArgs</a:t>
+            </a:r>
+            <a:r>
+              <a:rPr lang="en-GB" sz="2800" dirty="0"/>
+              <a:t>)</a:t>
+            </a:r>
+            <a:endParaRPr lang="en-US" sz="2800" dirty="0"/>
+          </a:p>
+          <a:p>
             <a:endParaRPr lang="en-US" dirty="0"/>
           </a:p>
         </p:txBody>
       </p:sp>
-      <p:sp>
-        <p:nvSpPr>
-          <p:cNvPr id="3" name="Content Placeholder 2"/>
-          <p:cNvSpPr>
-            <a:spLocks noGrp="1"/>
-          </p:cNvSpPr>
-          <p:nvPr>
-            <p:ph idx="1"/>
-          </p:nvPr>
-        </p:nvSpPr>
-        <p:spPr/>
-        <p:txBody>
-          <a:bodyPr/>
-          <a:lstStyle/>
-          <a:p>
-            <a:r>
-              <a:rPr lang="en-US" dirty="0" smtClean="0"/>
-              <a:t>How calls from one language are made from another</a:t>
-            </a:r>
-          </a:p>
-          <a:p>
-            <a:r>
-              <a:rPr lang="en-GB" dirty="0"/>
-              <a:t>Consider the C/Python boundary API (</a:t>
-            </a:r>
-            <a:r>
-              <a:rPr lang="en-GB" dirty="0" err="1"/>
-              <a:t>Python.h</a:t>
-            </a:r>
-            <a:r>
-              <a:rPr lang="en-GB" dirty="0" smtClean="0"/>
-              <a:t>).</a:t>
-            </a:r>
-            <a:br>
-              <a:rPr lang="en-GB" dirty="0" smtClean="0"/>
-            </a:br>
-            <a:r>
-              <a:rPr lang="en-GB" dirty="0" smtClean="0"/>
-              <a:t>Python </a:t>
-            </a:r>
-            <a:r>
-              <a:rPr lang="en-GB" dirty="0"/>
-              <a:t>code can be called from C non-interactively in the following ways (each of which have several variants and may require setup code):</a:t>
-            </a:r>
-            <a:endParaRPr lang="en-US" dirty="0"/>
-          </a:p>
-          <a:p>
-            <a:pPr lvl="1"/>
-            <a:r>
-              <a:rPr lang="en-GB" dirty="0" err="1"/>
-              <a:t>PyRun_SimpleString</a:t>
-            </a:r>
-            <a:r>
-              <a:rPr lang="en-GB" dirty="0"/>
-              <a:t>(</a:t>
-            </a:r>
-            <a:r>
-              <a:rPr lang="en-GB" dirty="0" err="1"/>
-              <a:t>pyCodeString</a:t>
-            </a:r>
-            <a:r>
-              <a:rPr lang="en-GB" dirty="0"/>
-              <a:t>)</a:t>
-            </a:r>
-            <a:endParaRPr lang="en-US" dirty="0"/>
-          </a:p>
-          <a:p>
-            <a:pPr lvl="1"/>
-            <a:r>
-              <a:rPr lang="en-GB" dirty="0" err="1"/>
-              <a:t>PyRun_SimpleFile</a:t>
-            </a:r>
-            <a:r>
-              <a:rPr lang="en-GB" dirty="0"/>
-              <a:t>(</a:t>
-            </a:r>
-            <a:r>
-              <a:rPr lang="en-GB" dirty="0" err="1"/>
-              <a:t>filePtr</a:t>
-            </a:r>
-            <a:r>
-              <a:rPr lang="en-GB" dirty="0"/>
-              <a:t>, </a:t>
-            </a:r>
-            <a:r>
-              <a:rPr lang="en-GB" dirty="0" err="1"/>
-              <a:t>fileName</a:t>
-            </a:r>
-            <a:r>
-              <a:rPr lang="en-GB" dirty="0"/>
-              <a:t>)</a:t>
-            </a:r>
-            <a:endParaRPr lang="en-US" dirty="0"/>
-          </a:p>
-          <a:p>
-            <a:pPr lvl="1"/>
-            <a:r>
-              <a:rPr lang="en-GB" dirty="0" err="1"/>
-              <a:t>PyObject_CallObject</a:t>
-            </a:r>
-            <a:r>
-              <a:rPr lang="en-GB" dirty="0"/>
-              <a:t>(</a:t>
-            </a:r>
-            <a:r>
-              <a:rPr lang="en-GB" dirty="0" err="1"/>
-              <a:t>pFunc,pArgs</a:t>
-            </a:r>
-            <a:r>
-              <a:rPr lang="en-GB" dirty="0"/>
-              <a:t>)</a:t>
-            </a:r>
-            <a:endParaRPr lang="en-US" dirty="0"/>
-          </a:p>
-          <a:p>
-            <a:endParaRPr lang="en-US" dirty="0"/>
-          </a:p>
-        </p:txBody>
-      </p:sp>
+      <p:pic>
+        <p:nvPicPr>
+          <p:cNvPr id="4" name="Picture 3"/>
+          <p:cNvPicPr>
+            <a:picLocks noChangeAspect="1"/>
+          </p:cNvPicPr>
+          <p:nvPr/>
+        </p:nvPicPr>
+        <p:blipFill>
+          <a:blip r:embed="rId2">
+            <a:extLst>
+              <a:ext uri="{28A0092B-C50C-407E-A947-70E740481C1C}">
+                <a14:useLocalDpi xmlns:a14="http://schemas.microsoft.com/office/drawing/2010/main" val="0"/>
+              </a:ext>
+            </a:extLst>
+          </a:blip>
+          <a:stretch>
+            <a:fillRect/>
+          </a:stretch>
+        </p:blipFill>
+        <p:spPr>
+          <a:xfrm>
+            <a:off x="10375682" y="5586412"/>
+            <a:ext cx="1663918" cy="1130300"/>
+          </a:xfrm>
+          <a:prstGeom prst="rect">
+            <a:avLst/>
+          </a:prstGeom>
+        </p:spPr>
+      </p:pic>
     </p:spTree>
     <p:extLst>
       <p:ext uri="{BB962C8B-B14F-4D97-AF65-F5344CB8AC3E}">
@@ -6115,9 +7741,9 @@
 </file>
 
 <file path=ppt/theme/theme1.xml><?xml version="1.0" encoding="utf-8"?>
-<a:theme xmlns:a="http://schemas.openxmlformats.org/drawingml/2006/main" name="Office Theme">
+<a:theme xmlns:a="http://schemas.openxmlformats.org/drawingml/2006/main" name="Crop">
   <a:themeElements>
-    <a:clrScheme name="Office">
+    <a:clrScheme name="Blue Green">
       <a:dk1>
         <a:sysClr val="windowText" lastClr="000000"/>
       </a:dk1>
@@ -6125,109 +7751,49 @@
         <a:sysClr val="window" lastClr="FFFFFF"/>
       </a:lt1>
       <a:dk2>
-        <a:srgbClr val="44546A"/>
+        <a:srgbClr val="373545"/>
       </a:dk2>
       <a:lt2>
-        <a:srgbClr val="E7E6E6"/>
+        <a:srgbClr val="CEDBE6"/>
       </a:lt2>
       <a:accent1>
-        <a:srgbClr val="5B9BD5"/>
+        <a:srgbClr val="3494BA"/>
       </a:accent1>
       <a:accent2>
-        <a:srgbClr val="ED7D31"/>
+        <a:srgbClr val="58B6C0"/>
       </a:accent2>
       <a:accent3>
-        <a:srgbClr val="A5A5A5"/>
+        <a:srgbClr val="75BDA7"/>
       </a:accent3>
       <a:accent4>
-        <a:srgbClr val="FFC000"/>
+        <a:srgbClr val="7A8C8E"/>
       </a:accent4>
       <a:accent5>
-        <a:srgbClr val="4472C4"/>
+        <a:srgbClr val="84ACB6"/>
       </a:accent5>
       <a:accent6>
-        <a:srgbClr val="70AD47"/>
+        <a:srgbClr val="2683C6"/>
       </a:accent6>
       <a:hlink>
-        <a:srgbClr val="0563C1"/>
+        <a:srgbClr val="6B9F25"/>
       </a:hlink>
       <a:folHlink>
-        <a:srgbClr val="954F72"/>
+        <a:srgbClr val="9F6715"/>
       </a:folHlink>
     </a:clrScheme>
-    <a:fontScheme name="Office">
+    <a:fontScheme name="Crop">
       <a:majorFont>
-        <a:latin typeface="Calibri Light" panose="020F0302020204030204"/>
+        <a:latin typeface="Franklin Gothic Book" panose="020B0503020102020204"/>
         <a:ea typeface=""/>
         <a:cs typeface=""/>
-        <a:font script="Jpan" typeface="游ゴシック Light"/>
-        <a:font script="Hang" typeface="맑은 고딕"/>
-        <a:font script="Hans" typeface="等线 Light"/>
-        <a:font script="Hant" typeface="新細明體"/>
-        <a:font script="Arab" typeface="Times New Roman"/>
-        <a:font script="Hebr" typeface="Times New Roman"/>
-        <a:font script="Thai" typeface="Angsana New"/>
-        <a:font script="Ethi" typeface="Nyala"/>
-        <a:font script="Beng" typeface="Vrinda"/>
-        <a:font script="Gujr" typeface="Shruti"/>
-        <a:font script="Khmr" typeface="MoolBoran"/>
-        <a:font script="Knda" typeface="Tunga"/>
-        <a:font script="Guru" typeface="Raavi"/>
-        <a:font script="Cans" typeface="Euphemia"/>
-        <a:font script="Cher" typeface="Plantagenet Cherokee"/>
-        <a:font script="Yiii" typeface="Microsoft Yi Baiti"/>
-        <a:font script="Tibt" typeface="Microsoft Himalaya"/>
-        <a:font script="Thaa" typeface="MV Boli"/>
-        <a:font script="Deva" typeface="Mangal"/>
-        <a:font script="Telu" typeface="Gautami"/>
-        <a:font script="Taml" typeface="Latha"/>
-        <a:font script="Syrc" typeface="Estrangelo Edessa"/>
-        <a:font script="Orya" typeface="Kalinga"/>
-        <a:font script="Mlym" typeface="Kartika"/>
-        <a:font script="Laoo" typeface="DokChampa"/>
-        <a:font script="Sinh" typeface="Iskoola Pota"/>
-        <a:font script="Mong" typeface="Mongolian Baiti"/>
-        <a:font script="Viet" typeface="Times New Roman"/>
-        <a:font script="Uigh" typeface="Microsoft Uighur"/>
-        <a:font script="Geor" typeface="Sylfaen"/>
       </a:majorFont>
       <a:minorFont>
-        <a:latin typeface="Calibri" panose="020F0502020204030204"/>
+        <a:latin typeface="Franklin Gothic Book" panose="020B0503020102020204"/>
         <a:ea typeface=""/>
         <a:cs typeface=""/>
-        <a:font script="Jpan" typeface="游ゴシック"/>
-        <a:font script="Hang" typeface="맑은 고딕"/>
-        <a:font script="Hans" typeface="等线"/>
-        <a:font script="Hant" typeface="新細明體"/>
-        <a:font script="Arab" typeface="Arial"/>
-        <a:font script="Hebr" typeface="Arial"/>
-        <a:font script="Thai" typeface="Cordia New"/>
-        <a:font script="Ethi" typeface="Nyala"/>
-        <a:font script="Beng" typeface="Vrinda"/>
-        <a:font script="Gujr" typeface="Shruti"/>
-        <a:font script="Khmr" typeface="DaunPenh"/>
-        <a:font script="Knda" typeface="Tunga"/>
-        <a:font script="Guru" typeface="Raavi"/>
-        <a:font script="Cans" typeface="Euphemia"/>
-        <a:font script="Cher" typeface="Plantagenet Cherokee"/>
-        <a:font script="Yiii" typeface="Microsoft Yi Baiti"/>
-        <a:font script="Tibt" typeface="Microsoft Himalaya"/>
-        <a:font script="Thaa" typeface="MV Boli"/>
-        <a:font script="Deva" typeface="Mangal"/>
-        <a:font script="Telu" typeface="Gautami"/>
-        <a:font script="Taml" typeface="Latha"/>
-        <a:font script="Syrc" typeface="Estrangelo Edessa"/>
-        <a:font script="Orya" typeface="Kalinga"/>
-        <a:font script="Mlym" typeface="Kartika"/>
-        <a:font script="Laoo" typeface="DokChampa"/>
-        <a:font script="Sinh" typeface="Iskoola Pota"/>
-        <a:font script="Mong" typeface="Mongolian Baiti"/>
-        <a:font script="Viet" typeface="Arial"/>
-        <a:font script="Uigh" typeface="Microsoft Uighur"/>
-        <a:font script="Geor" typeface="Sylfaen"/>
       </a:minorFont>
     </a:fontScheme>
-    <a:fmtScheme name="Office">
+    <a:fmtScheme name="Crop">
       <a:fillStyleLst>
         <a:solidFill>
           <a:schemeClr val="phClr"/>
@@ -6236,23 +7802,23 @@
           <a:gsLst>
             <a:gs pos="0">
               <a:schemeClr val="phClr">
+                <a:tint val="67000"/>
+                <a:satMod val="105000"/>
                 <a:lumMod val="110000"/>
-                <a:satMod val="105000"/>
-                <a:tint val="67000"/>
               </a:schemeClr>
             </a:gs>
             <a:gs pos="50000">
               <a:schemeClr val="phClr">
+                <a:tint val="73000"/>
+                <a:satMod val="103000"/>
                 <a:lumMod val="105000"/>
-                <a:satMod val="103000"/>
-                <a:tint val="73000"/>
               </a:schemeClr>
             </a:gs>
             <a:gs pos="100000">
               <a:schemeClr val="phClr">
+                <a:tint val="81000"/>
+                <a:satMod val="109000"/>
                 <a:lumMod val="105000"/>
-                <a:satMod val="109000"/>
-                <a:tint val="81000"/>
               </a:schemeClr>
             </a:gs>
           </a:gsLst>
@@ -6262,23 +7828,23 @@
           <a:gsLst>
             <a:gs pos="0">
               <a:schemeClr val="phClr">
+                <a:tint val="94000"/>
                 <a:satMod val="103000"/>
                 <a:lumMod val="102000"/>
-                <a:tint val="94000"/>
               </a:schemeClr>
             </a:gs>
             <a:gs pos="50000">
               <a:schemeClr val="phClr">
+                <a:shade val="100000"/>
                 <a:satMod val="110000"/>
                 <a:lumMod val="100000"/>
-                <a:shade val="100000"/>
               </a:schemeClr>
             </a:gs>
             <a:gs pos="100000">
               <a:schemeClr val="phClr">
+                <a:shade val="78000"/>
+                <a:satMod val="120000"/>
                 <a:lumMod val="99000"/>
-                <a:satMod val="120000"/>
-                <a:shade val="78000"/>
               </a:schemeClr>
             </a:gs>
           </a:gsLst>
@@ -6286,26 +7852,23 @@
         </a:gradFill>
       </a:fillStyleLst>
       <a:lnStyleLst>
-        <a:ln w="6350" cap="flat" cmpd="sng" algn="ctr">
+        <a:ln w="6350" cap="flat" cmpd="sng" algn="in">
           <a:solidFill>
             <a:schemeClr val="phClr"/>
           </a:solidFill>
           <a:prstDash val="solid"/>
-          <a:miter lim="800000"/>
         </a:ln>
-        <a:ln w="12700" cap="flat" cmpd="sng" algn="ctr">
+        <a:ln w="34925" cap="flat" cmpd="sng" algn="in">
           <a:solidFill>
             <a:schemeClr val="phClr"/>
           </a:solidFill>
           <a:prstDash val="solid"/>
-          <a:miter lim="800000"/>
         </a:ln>
-        <a:ln w="19050" cap="flat" cmpd="sng" algn="ctr">
+        <a:ln w="19050" cap="flat" cmpd="sng" algn="in">
           <a:solidFill>
             <a:schemeClr val="phClr"/>
           </a:solidFill>
           <a:prstDash val="solid"/>
-          <a:miter lim="800000"/>
         </a:ln>
       </a:lnStyleLst>
       <a:effectStyleLst>
@@ -6319,7 +7882,7 @@
           <a:effectLst>
             <a:outerShdw blurRad="57150" dist="19050" dir="5400000" algn="ctr" rotWithShape="0">
               <a:srgbClr val="000000">
-                <a:alpha val="63000"/>
+                <a:alpha val="35000"/>
               </a:srgbClr>
             </a:outerShdw>
           </a:effectLst>
@@ -6340,16 +7903,16 @@
             <a:gs pos="0">
               <a:schemeClr val="phClr">
                 <a:tint val="93000"/>
+                <a:shade val="98000"/>
                 <a:satMod val="150000"/>
-                <a:shade val="98000"/>
                 <a:lumMod val="102000"/>
               </a:schemeClr>
             </a:gs>
             <a:gs pos="50000">
               <a:schemeClr val="phClr">
                 <a:tint val="98000"/>
+                <a:shade val="90000"/>
                 <a:satMod val="130000"/>
-                <a:shade val="90000"/>
                 <a:lumMod val="103000"/>
               </a:schemeClr>
             </a:gs>
@@ -6369,7 +7932,7 @@
   <a:extraClrSchemeLst/>
   <a:extLst>
     <a:ext uri="{05A4C25C-085E-4340-85A3-A5531E510DB2}">
-      <thm15:themeFamily xmlns:thm15="http://schemas.microsoft.com/office/thememl/2012/main" name="Office Theme" id="{62F939B6-93AF-4DB8-9C6B-D6C7DFDC589F}" vid="{4A3C46E8-61CC-4603-A589-7422A47A8E4A}"/>
+      <thm15:themeFamily xmlns:thm15="http://schemas.microsoft.com/office/thememl/2012/main" name="Crop" id="{EC9488ED-E761-4D60-9AC4-764D1FE2C171}" vid="{9270AA94-2367-4B1E-B579-26147B222BD0}"/>
     </a:ext>
   </a:extLst>
 </a:theme>
